--- a/PPAD_07_support.pptx
+++ b/PPAD_07_support.pptx
@@ -18,25 +18,25 @@
     <p:sldId id="435" r:id="rId10"/>
     <p:sldId id="444" r:id="rId11"/>
     <p:sldId id="465" r:id="rId12"/>
-    <p:sldId id="446" r:id="rId13"/>
-    <p:sldId id="448" r:id="rId14"/>
-    <p:sldId id="466" r:id="rId15"/>
-    <p:sldId id="464" r:id="rId16"/>
-    <p:sldId id="467" r:id="rId17"/>
-    <p:sldId id="300" r:id="rId18"/>
-    <p:sldId id="459" r:id="rId19"/>
-    <p:sldId id="468" r:id="rId20"/>
-    <p:sldId id="469" r:id="rId21"/>
-    <p:sldId id="454" r:id="rId22"/>
-    <p:sldId id="319" r:id="rId23"/>
-    <p:sldId id="358" r:id="rId24"/>
-    <p:sldId id="470" r:id="rId25"/>
-    <p:sldId id="442" r:id="rId26"/>
-    <p:sldId id="445" r:id="rId27"/>
-    <p:sldId id="447" r:id="rId28"/>
-    <p:sldId id="449" r:id="rId29"/>
-    <p:sldId id="463" r:id="rId30"/>
-    <p:sldId id="461" r:id="rId31"/>
+    <p:sldId id="445" r:id="rId13"/>
+    <p:sldId id="446" r:id="rId14"/>
+    <p:sldId id="448" r:id="rId15"/>
+    <p:sldId id="466" r:id="rId16"/>
+    <p:sldId id="464" r:id="rId17"/>
+    <p:sldId id="467" r:id="rId18"/>
+    <p:sldId id="300" r:id="rId19"/>
+    <p:sldId id="454" r:id="rId20"/>
+    <p:sldId id="319" r:id="rId21"/>
+    <p:sldId id="358" r:id="rId22"/>
+    <p:sldId id="470" r:id="rId23"/>
+    <p:sldId id="442" r:id="rId24"/>
+    <p:sldId id="447" r:id="rId25"/>
+    <p:sldId id="449" r:id="rId26"/>
+    <p:sldId id="463" r:id="rId27"/>
+    <p:sldId id="461" r:id="rId28"/>
+    <p:sldId id="459" r:id="rId29"/>
+    <p:sldId id="468" r:id="rId30"/>
+    <p:sldId id="469" r:id="rId31"/>
     <p:sldId id="260" r:id="rId32"/>
   </p:sldIdLst>
   <p:sldSz cx="9144000" cy="5143500" type="screen16x9"/>
@@ -296,7 +296,7 @@
               <a:pPr>
                 <a:defRPr/>
               </a:pPr>
-              <a:t>13/02/2022</a:t>
+              <a:t>16/02/2022</a:t>
             </a:fld>
             <a:endParaRPr lang="fr-FR"/>
           </a:p>
@@ -500,7 +500,7 @@
               <a:pPr>
                 <a:defRPr/>
               </a:pPr>
-              <a:t>13/02/2022</a:t>
+              <a:t>16/02/2022</a:t>
             </a:fld>
             <a:endParaRPr lang="en-GB"/>
           </a:p>
@@ -1009,7 +1009,7 @@
     </p:spTree>
     <p:extLst>
       <p:ext uri="{BB962C8B-B14F-4D97-AF65-F5344CB8AC3E}">
-        <p14:creationId xmlns:p14="http://schemas.microsoft.com/office/powerpoint/2010/main" val="288702791"/>
+        <p14:creationId xmlns:p14="http://schemas.microsoft.com/office/powerpoint/2010/main" val="1811919737"/>
       </p:ext>
     </p:extLst>
   </p:cSld>
@@ -1106,7 +1106,7 @@
     </p:spTree>
     <p:extLst>
       <p:ext uri="{BB962C8B-B14F-4D97-AF65-F5344CB8AC3E}">
-        <p14:creationId xmlns:p14="http://schemas.microsoft.com/office/powerpoint/2010/main" val="3946362704"/>
+        <p14:creationId xmlns:p14="http://schemas.microsoft.com/office/powerpoint/2010/main" val="288702791"/>
       </p:ext>
     </p:extLst>
   </p:cSld>
@@ -1203,7 +1203,7 @@
     </p:spTree>
     <p:extLst>
       <p:ext uri="{BB962C8B-B14F-4D97-AF65-F5344CB8AC3E}">
-        <p14:creationId xmlns:p14="http://schemas.microsoft.com/office/powerpoint/2010/main" val="2664189990"/>
+        <p14:creationId xmlns:p14="http://schemas.microsoft.com/office/powerpoint/2010/main" val="3946362704"/>
       </p:ext>
     </p:extLst>
   </p:cSld>
@@ -1300,7 +1300,7 @@
     </p:spTree>
     <p:extLst>
       <p:ext uri="{BB962C8B-B14F-4D97-AF65-F5344CB8AC3E}">
-        <p14:creationId xmlns:p14="http://schemas.microsoft.com/office/powerpoint/2010/main" val="4068722816"/>
+        <p14:creationId xmlns:p14="http://schemas.microsoft.com/office/powerpoint/2010/main" val="2664189990"/>
       </p:ext>
     </p:extLst>
   </p:cSld>
@@ -1397,7 +1397,7 @@
     </p:spTree>
     <p:extLst>
       <p:ext uri="{BB962C8B-B14F-4D97-AF65-F5344CB8AC3E}">
-        <p14:creationId xmlns:p14="http://schemas.microsoft.com/office/powerpoint/2010/main" val="659460113"/>
+        <p14:creationId xmlns:p14="http://schemas.microsoft.com/office/powerpoint/2010/main" val="4068722816"/>
       </p:ext>
     </p:extLst>
   </p:cSld>
@@ -1494,7 +1494,7 @@
     </p:spTree>
     <p:extLst>
       <p:ext uri="{BB962C8B-B14F-4D97-AF65-F5344CB8AC3E}">
-        <p14:creationId xmlns:p14="http://schemas.microsoft.com/office/powerpoint/2010/main" val="2369861586"/>
+        <p14:creationId xmlns:p14="http://schemas.microsoft.com/office/powerpoint/2010/main" val="4087601742"/>
       </p:ext>
     </p:extLst>
   </p:cSld>
@@ -1591,7 +1591,7 @@
     </p:spTree>
     <p:extLst>
       <p:ext uri="{BB962C8B-B14F-4D97-AF65-F5344CB8AC3E}">
-        <p14:creationId xmlns:p14="http://schemas.microsoft.com/office/powerpoint/2010/main" val="559979864"/>
+        <p14:creationId xmlns:p14="http://schemas.microsoft.com/office/powerpoint/2010/main" val="1355864557"/>
       </p:ext>
     </p:extLst>
   </p:cSld>
@@ -1688,7 +1688,7 @@
     </p:spTree>
     <p:extLst>
       <p:ext uri="{BB962C8B-B14F-4D97-AF65-F5344CB8AC3E}">
-        <p14:creationId xmlns:p14="http://schemas.microsoft.com/office/powerpoint/2010/main" val="4087601742"/>
+        <p14:creationId xmlns:p14="http://schemas.microsoft.com/office/powerpoint/2010/main" val="2577005778"/>
       </p:ext>
     </p:extLst>
   </p:cSld>
@@ -1785,7 +1785,7 @@
     </p:spTree>
     <p:extLst>
       <p:ext uri="{BB962C8B-B14F-4D97-AF65-F5344CB8AC3E}">
-        <p14:creationId xmlns:p14="http://schemas.microsoft.com/office/powerpoint/2010/main" val="1355864557"/>
+        <p14:creationId xmlns:p14="http://schemas.microsoft.com/office/powerpoint/2010/main" val="2797877755"/>
       </p:ext>
     </p:extLst>
   </p:cSld>
@@ -1873,7 +1873,7 @@
               <a:pPr>
                 <a:defRPr/>
               </a:pPr>
-              <a:t>19</a:t>
+              <a:t>20</a:t>
             </a:fld>
             <a:endParaRPr lang="en-GB"/>
           </a:p>
@@ -1882,7 +1882,7 @@
     </p:spTree>
     <p:extLst>
       <p:ext uri="{BB962C8B-B14F-4D97-AF65-F5344CB8AC3E}">
-        <p14:creationId xmlns:p14="http://schemas.microsoft.com/office/powerpoint/2010/main" val="2577005778"/>
+        <p14:creationId xmlns:p14="http://schemas.microsoft.com/office/powerpoint/2010/main" val="2448949122"/>
       </p:ext>
     </p:extLst>
   </p:cSld>
@@ -2067,7 +2067,7 @@
               <a:pPr>
                 <a:defRPr/>
               </a:pPr>
-              <a:t>20</a:t>
+              <a:t>21</a:t>
             </a:fld>
             <a:endParaRPr lang="en-GB"/>
           </a:p>
@@ -2076,7 +2076,7 @@
     </p:spTree>
     <p:extLst>
       <p:ext uri="{BB962C8B-B14F-4D97-AF65-F5344CB8AC3E}">
-        <p14:creationId xmlns:p14="http://schemas.microsoft.com/office/powerpoint/2010/main" val="2797877755"/>
+        <p14:creationId xmlns:p14="http://schemas.microsoft.com/office/powerpoint/2010/main" val="1963795922"/>
       </p:ext>
     </p:extLst>
   </p:cSld>
@@ -2173,7 +2173,7 @@
     </p:spTree>
     <p:extLst>
       <p:ext uri="{BB962C8B-B14F-4D97-AF65-F5344CB8AC3E}">
-        <p14:creationId xmlns:p14="http://schemas.microsoft.com/office/powerpoint/2010/main" val="1473964987"/>
+        <p14:creationId xmlns:p14="http://schemas.microsoft.com/office/powerpoint/2010/main" val="2597884874"/>
       </p:ext>
     </p:extLst>
   </p:cSld>
@@ -2270,7 +2270,7 @@
     </p:spTree>
     <p:extLst>
       <p:ext uri="{BB962C8B-B14F-4D97-AF65-F5344CB8AC3E}">
-        <p14:creationId xmlns:p14="http://schemas.microsoft.com/office/powerpoint/2010/main" val="2448949122"/>
+        <p14:creationId xmlns:p14="http://schemas.microsoft.com/office/powerpoint/2010/main" val="1817990045"/>
       </p:ext>
     </p:extLst>
   </p:cSld>
@@ -2367,7 +2367,7 @@
     </p:spTree>
     <p:extLst>
       <p:ext uri="{BB962C8B-B14F-4D97-AF65-F5344CB8AC3E}">
-        <p14:creationId xmlns:p14="http://schemas.microsoft.com/office/powerpoint/2010/main" val="1963795922"/>
+        <p14:creationId xmlns:p14="http://schemas.microsoft.com/office/powerpoint/2010/main" val="659460113"/>
       </p:ext>
     </p:extLst>
   </p:cSld>
@@ -2464,7 +2464,7 @@
     </p:spTree>
     <p:extLst>
       <p:ext uri="{BB962C8B-B14F-4D97-AF65-F5344CB8AC3E}">
-        <p14:creationId xmlns:p14="http://schemas.microsoft.com/office/powerpoint/2010/main" val="2597884874"/>
+        <p14:creationId xmlns:p14="http://schemas.microsoft.com/office/powerpoint/2010/main" val="2369861586"/>
       </p:ext>
     </p:extLst>
   </p:cSld>
@@ -2561,7 +2561,7 @@
     </p:spTree>
     <p:extLst>
       <p:ext uri="{BB962C8B-B14F-4D97-AF65-F5344CB8AC3E}">
-        <p14:creationId xmlns:p14="http://schemas.microsoft.com/office/powerpoint/2010/main" val="1817990045"/>
+        <p14:creationId xmlns:p14="http://schemas.microsoft.com/office/powerpoint/2010/main" val="559979864"/>
       </p:ext>
     </p:extLst>
   </p:cSld>
@@ -3240,7 +3240,7 @@
     </p:spTree>
     <p:extLst>
       <p:ext uri="{BB962C8B-B14F-4D97-AF65-F5344CB8AC3E}">
-        <p14:creationId xmlns:p14="http://schemas.microsoft.com/office/powerpoint/2010/main" val="3269963240"/>
+        <p14:creationId xmlns:p14="http://schemas.microsoft.com/office/powerpoint/2010/main" val="1473964987"/>
       </p:ext>
     </p:extLst>
   </p:cSld>
@@ -3337,7 +3337,7 @@
     </p:spTree>
     <p:extLst>
       <p:ext uri="{BB962C8B-B14F-4D97-AF65-F5344CB8AC3E}">
-        <p14:creationId xmlns:p14="http://schemas.microsoft.com/office/powerpoint/2010/main" val="1811919737"/>
+        <p14:creationId xmlns:p14="http://schemas.microsoft.com/office/powerpoint/2010/main" val="3269963240"/>
       </p:ext>
     </p:extLst>
   </p:cSld>
@@ -3389,7 +3389,7 @@
           <a:graphicData uri="http://schemas.openxmlformats.org/presentationml/2006/ole">
             <mc:AlternateContent xmlns:mc="http://schemas.openxmlformats.org/markup-compatibility/2006">
               <mc:Choice xmlns:v="urn:schemas-microsoft-com:vml" Requires="v">
-                <p:oleObj spid="_x0000_s2741" name="think-cell Slide" r:id="rId4" imgW="270" imgH="270" progId="TCLayout.ActiveDocument.1">
+                <p:oleObj spid="_x0000_s2744" name="think-cell Slide" r:id="rId4" imgW="270" imgH="270" progId="TCLayout.ActiveDocument.1">
                   <p:embed/>
                 </p:oleObj>
               </mc:Choice>
@@ -3951,7 +3951,7 @@
           <a:graphicData uri="http://schemas.openxmlformats.org/presentationml/2006/ole">
             <mc:AlternateContent xmlns:mc="http://schemas.openxmlformats.org/markup-compatibility/2006">
               <mc:Choice xmlns:v="urn:schemas-microsoft-com:vml" Requires="v">
-                <p:oleObj spid="_x0000_s3765" name="think-cell Slide" r:id="rId4" imgW="270" imgH="270" progId="TCLayout.ActiveDocument.1">
+                <p:oleObj spid="_x0000_s3768" name="think-cell Slide" r:id="rId4" imgW="270" imgH="270" progId="TCLayout.ActiveDocument.1">
                   <p:embed/>
                 </p:oleObj>
               </mc:Choice>
@@ -4164,7 +4164,7 @@
           <a:graphicData uri="http://schemas.openxmlformats.org/presentationml/2006/ole">
             <mc:AlternateContent xmlns:mc="http://schemas.openxmlformats.org/markup-compatibility/2006">
               <mc:Choice xmlns:v="urn:schemas-microsoft-com:vml" Requires="v">
-                <p:oleObj spid="_x0000_s4789" name="think-cell Slide" r:id="rId4" imgW="270" imgH="270" progId="TCLayout.ActiveDocument.1">
+                <p:oleObj spid="_x0000_s4792" name="think-cell Slide" r:id="rId4" imgW="270" imgH="270" progId="TCLayout.ActiveDocument.1">
                   <p:embed/>
                 </p:oleObj>
               </mc:Choice>
@@ -4347,7 +4347,7 @@
           <a:graphicData uri="http://schemas.openxmlformats.org/presentationml/2006/ole">
             <mc:AlternateContent xmlns:mc="http://schemas.openxmlformats.org/markup-compatibility/2006">
               <mc:Choice xmlns:v="urn:schemas-microsoft-com:vml" Requires="v">
-                <p:oleObj spid="_x0000_s5813" name="think-cell Slide" r:id="rId4" imgW="270" imgH="270" progId="TCLayout.ActiveDocument.1">
+                <p:oleObj spid="_x0000_s5816" name="think-cell Slide" r:id="rId4" imgW="270" imgH="270" progId="TCLayout.ActiveDocument.1">
                   <p:embed/>
                 </p:oleObj>
               </mc:Choice>
@@ -4705,7 +4705,7 @@
           <a:graphicData uri="http://schemas.openxmlformats.org/presentationml/2006/ole">
             <mc:AlternateContent xmlns:mc="http://schemas.openxmlformats.org/markup-compatibility/2006">
               <mc:Choice xmlns:v="urn:schemas-microsoft-com:vml" Requires="v">
-                <p:oleObj spid="_x0000_s6837" name="think-cell Slide" r:id="rId4" imgW="270" imgH="270" progId="TCLayout.ActiveDocument.1">
+                <p:oleObj spid="_x0000_s6840" name="think-cell Slide" r:id="rId4" imgW="270" imgH="270" progId="TCLayout.ActiveDocument.1">
                   <p:embed/>
                 </p:oleObj>
               </mc:Choice>
@@ -4932,7 +4932,7 @@
           <a:graphicData uri="http://schemas.openxmlformats.org/presentationml/2006/ole">
             <mc:AlternateContent xmlns:mc="http://schemas.openxmlformats.org/markup-compatibility/2006">
               <mc:Choice xmlns:v="urn:schemas-microsoft-com:vml" Requires="v">
-                <p:oleObj spid="_x0000_s1717" name="think-cell Slide" r:id="rId9" imgW="270" imgH="270" progId="TCLayout.ActiveDocument.1">
+                <p:oleObj spid="_x0000_s1720" name="think-cell Slide" r:id="rId9" imgW="270" imgH="270" progId="TCLayout.ActiveDocument.1">
                   <p:embed/>
                 </p:oleObj>
               </mc:Choice>
@@ -5830,7 +5830,7 @@
           <a:graphicData uri="http://schemas.openxmlformats.org/presentationml/2006/ole">
             <mc:AlternateContent xmlns:mc="http://schemas.openxmlformats.org/markup-compatibility/2006">
               <mc:Choice xmlns:v="urn:schemas-microsoft-com:vml" Requires="v">
-                <p:oleObj spid="_x0000_s7861" name="think-cell Slide" r:id="rId5" imgW="360" imgH="360" progId="TCLayout.ActiveDocument.1">
+                <p:oleObj spid="_x0000_s7864" name="think-cell Slide" r:id="rId5" imgW="360" imgH="360" progId="TCLayout.ActiveDocument.1">
                   <p:embed/>
                 </p:oleObj>
               </mc:Choice>
@@ -6088,6 +6088,171 @@
           <a:chExt cx="0" cy="0"/>
         </a:xfrm>
       </p:grpSpPr>
+      <p:pic>
+        <p:nvPicPr>
+          <p:cNvPr id="4" name="Image 3">
+            <a:extLst>
+              <a:ext uri="{FF2B5EF4-FFF2-40B4-BE49-F238E27FC236}">
+                <a16:creationId xmlns:a16="http://schemas.microsoft.com/office/drawing/2014/main" id="{09A7E469-D1E4-41CA-A6FD-E460B1142701}"/>
+              </a:ext>
+            </a:extLst>
+          </p:cNvPr>
+          <p:cNvPicPr>
+            <a:picLocks noChangeAspect="1"/>
+          </p:cNvPicPr>
+          <p:nvPr/>
+        </p:nvPicPr>
+        <p:blipFill>
+          <a:blip r:embed="rId5"/>
+          <a:stretch>
+            <a:fillRect/>
+          </a:stretch>
+        </p:blipFill>
+        <p:spPr>
+          <a:xfrm>
+            <a:off x="1945742" y="1154907"/>
+            <a:ext cx="5252516" cy="3224646"/>
+          </a:xfrm>
+          <a:prstGeom prst="rect">
+            <a:avLst/>
+          </a:prstGeom>
+        </p:spPr>
+      </p:pic>
+      <p:graphicFrame>
+        <p:nvGraphicFramePr>
+          <p:cNvPr id="2" name="Object 1" hidden="1"/>
+          <p:cNvGraphicFramePr>
+            <a:graphicFrameLocks noChangeAspect="1"/>
+          </p:cNvGraphicFramePr>
+          <p:nvPr>
+            <p:custDataLst>
+              <p:tags r:id="rId2"/>
+            </p:custDataLst>
+          </p:nvPr>
+        </p:nvGraphicFramePr>
+        <p:xfrm>
+          <a:off x="1466" y="1192"/>
+          <a:ext cx="1465" cy="1190"/>
+        </p:xfrm>
+        <a:graphic>
+          <a:graphicData uri="http://schemas.openxmlformats.org/presentationml/2006/ole">
+            <mc:AlternateContent xmlns:mc="http://schemas.openxmlformats.org/markup-compatibility/2006">
+              <mc:Choice xmlns:v="urn:schemas-microsoft-com:vml" Requires="v">
+                <p:oleObj spid="_x0000_s44140" name="think-cell Slide" r:id="rId6" imgW="270" imgH="270" progId="TCLayout.ActiveDocument.1">
+                  <p:embed/>
+                </p:oleObj>
+              </mc:Choice>
+              <mc:Fallback>
+                <p:oleObj name="think-cell Slide" r:id="rId6" imgW="270" imgH="270" progId="TCLayout.ActiveDocument.1">
+                  <p:embed/>
+                  <p:pic>
+                    <p:nvPicPr>
+                      <p:cNvPr id="2" name="Object 1" hidden="1"/>
+                      <p:cNvPicPr>
+                        <a:picLocks noChangeAspect="1" noChangeArrowheads="1"/>
+                      </p:cNvPicPr>
+                      <p:nvPr/>
+                    </p:nvPicPr>
+                    <p:blipFill>
+                      <a:blip r:embed="rId7">
+                        <a:extLst>
+                          <a:ext uri="{28A0092B-C50C-407E-A947-70E740481C1C}">
+                            <a14:useLocalDpi xmlns:a14="http://schemas.microsoft.com/office/drawing/2010/main" val="0"/>
+                          </a:ext>
+                        </a:extLst>
+                      </a:blip>
+                      <a:srcRect/>
+                      <a:stretch>
+                        <a:fillRect/>
+                      </a:stretch>
+                    </p:blipFill>
+                    <p:spPr bwMode="auto">
+                      <a:xfrm>
+                        <a:off x="1466" y="1192"/>
+                        <a:ext cx="1465" cy="1190"/>
+                      </a:xfrm>
+                      <a:prstGeom prst="rect">
+                        <a:avLst/>
+                      </a:prstGeom>
+                      <a:noFill/>
+                      <a:extLst>
+                        <a:ext uri="{909E8E84-426E-40DD-AFC4-6F175D3DCCD1}">
+                          <a14:hiddenFill xmlns:a14="http://schemas.microsoft.com/office/drawing/2010/main">
+                            <a:solidFill>
+                              <a:srgbClr val="FFFFFF"/>
+                            </a:solidFill>
+                          </a14:hiddenFill>
+                        </a:ext>
+                      </a:extLst>
+                    </p:spPr>
+                  </p:pic>
+                </p:oleObj>
+              </mc:Fallback>
+            </mc:AlternateContent>
+          </a:graphicData>
+        </a:graphic>
+      </p:graphicFrame>
+      <p:sp>
+        <p:nvSpPr>
+          <p:cNvPr id="18435" name="Titre 21"/>
+          <p:cNvSpPr>
+            <a:spLocks noGrp="1"/>
+          </p:cNvSpPr>
+          <p:nvPr>
+            <p:ph type="title"/>
+          </p:nvPr>
+        </p:nvSpPr>
+        <p:spPr/>
+        <p:txBody>
+          <a:bodyPr/>
+          <a:lstStyle/>
+          <a:p>
+            <a:r>
+              <a:rPr lang="fr-FR" sz="2000" dirty="0"/>
+              <a:t>Comparer les différents modèles de classification avec le jeu « LGBM »</a:t>
+            </a:r>
+            <a:endParaRPr lang="en-US" altLang="fr-FR" sz="2000" dirty="0"/>
+          </a:p>
+        </p:txBody>
+      </p:sp>
+    </p:spTree>
+    <p:extLst>
+      <p:ext uri="{BB962C8B-B14F-4D97-AF65-F5344CB8AC3E}">
+        <p14:creationId xmlns:p14="http://schemas.microsoft.com/office/powerpoint/2010/main" val="2764068720"/>
+      </p:ext>
+    </p:extLst>
+  </p:cSld>
+  <p:clrMapOvr>
+    <a:masterClrMapping/>
+  </p:clrMapOvr>
+  <mc:AlternateContent xmlns:mc="http://schemas.openxmlformats.org/markup-compatibility/2006" xmlns:p14="http://schemas.microsoft.com/office/powerpoint/2010/main">
+    <mc:Choice Requires="p14">
+      <p:transition p14:dur="0"/>
+    </mc:Choice>
+    <mc:Fallback xmlns="">
+      <p:transition/>
+    </mc:Fallback>
+  </mc:AlternateContent>
+</p:sld>
+</file>
+
+<file path=ppt/slides/slide11.xml><?xml version="1.0" encoding="utf-8"?>
+<p:sld xmlns:a="http://schemas.openxmlformats.org/drawingml/2006/main" xmlns:r="http://schemas.openxmlformats.org/officeDocument/2006/relationships" xmlns:p="http://schemas.openxmlformats.org/presentationml/2006/main">
+  <p:cSld>
+    <p:spTree>
+      <p:nvGrpSpPr>
+        <p:cNvPr id="1" name=""/>
+        <p:cNvGrpSpPr/>
+        <p:nvPr/>
+      </p:nvGrpSpPr>
+      <p:grpSpPr>
+        <a:xfrm>
+          <a:off x="0" y="0"/>
+          <a:ext cx="0" cy="0"/>
+          <a:chOff x="0" y="0"/>
+          <a:chExt cx="0" cy="0"/>
+        </a:xfrm>
+      </p:grpSpPr>
       <p:sp>
         <p:nvSpPr>
           <p:cNvPr id="29" name="Espace réservé du contenu 22">
@@ -6367,7 +6532,7 @@
           <a:graphicData uri="http://schemas.openxmlformats.org/presentationml/2006/ole">
             <mc:AlternateContent xmlns:mc="http://schemas.openxmlformats.org/markup-compatibility/2006">
               <mc:Choice xmlns:v="urn:schemas-microsoft-com:vml" Requires="v">
-                <p:oleObj spid="_x0000_s63518" name="think-cell Slide" r:id="rId5" imgW="270" imgH="270" progId="TCLayout.ActiveDocument.1">
+                <p:oleObj spid="_x0000_s63521" name="think-cell Slide" r:id="rId5" imgW="270" imgH="270" progId="TCLayout.ActiveDocument.1">
                   <p:embed/>
                 </p:oleObj>
               </mc:Choice>
@@ -7065,7 +7230,7 @@
 </p:sld>
 </file>
 
-<file path=ppt/slides/slide11.xml><?xml version="1.0" encoding="utf-8"?>
+<file path=ppt/slides/slide12.xml><?xml version="1.0" encoding="utf-8"?>
 <p:sld xmlns:a="http://schemas.openxmlformats.org/drawingml/2006/main" xmlns:r="http://schemas.openxmlformats.org/officeDocument/2006/relationships" xmlns:p="http://schemas.openxmlformats.org/presentationml/2006/main">
   <p:cSld>
     <p:spTree>
@@ -7357,7 +7522,7 @@
           <a:graphicData uri="http://schemas.openxmlformats.org/presentationml/2006/ole">
             <mc:AlternateContent xmlns:mc="http://schemas.openxmlformats.org/markup-compatibility/2006">
               <mc:Choice xmlns:v="urn:schemas-microsoft-com:vml" Requires="v">
-                <p:oleObj spid="_x0000_s61481" name="think-cell Slide" r:id="rId6" imgW="270" imgH="270" progId="TCLayout.ActiveDocument.1">
+                <p:oleObj spid="_x0000_s61484" name="think-cell Slide" r:id="rId6" imgW="270" imgH="270" progId="TCLayout.ActiveDocument.1">
                   <p:embed/>
                 </p:oleObj>
               </mc:Choice>
@@ -7975,7 +8140,7 @@
 </p:sld>
 </file>
 
-<file path=ppt/slides/slide12.xml><?xml version="1.0" encoding="utf-8"?>
+<file path=ppt/slides/slide13.xml><?xml version="1.0" encoding="utf-8"?>
 <p:sld xmlns:a="http://schemas.openxmlformats.org/drawingml/2006/main" xmlns:r="http://schemas.openxmlformats.org/officeDocument/2006/relationships" xmlns:p="http://schemas.openxmlformats.org/presentationml/2006/main">
   <p:cSld>
     <p:spTree>
@@ -8012,7 +8177,7 @@
           <a:graphicData uri="http://schemas.openxmlformats.org/presentationml/2006/ole">
             <mc:AlternateContent xmlns:mc="http://schemas.openxmlformats.org/markup-compatibility/2006">
               <mc:Choice xmlns:v="urn:schemas-microsoft-com:vml" Requires="v">
-                <p:oleObj spid="_x0000_s64542" name="think-cell Slide" r:id="rId5" imgW="270" imgH="270" progId="TCLayout.ActiveDocument.1">
+                <p:oleObj spid="_x0000_s64545" name="think-cell Slide" r:id="rId5" imgW="270" imgH="270" progId="TCLayout.ActiveDocument.1">
                   <p:embed/>
                 </p:oleObj>
               </mc:Choice>
@@ -8089,6 +8254,303 @@
           </a:p>
         </p:txBody>
       </p:sp>
+      <p:sp>
+        <p:nvSpPr>
+          <p:cNvPr id="14" name="Espace réservé du contenu 22">
+            <a:extLst>
+              <a:ext uri="{FF2B5EF4-FFF2-40B4-BE49-F238E27FC236}">
+                <a16:creationId xmlns:a16="http://schemas.microsoft.com/office/drawing/2014/main" id="{20ED0E67-1F0E-4927-9346-AF1994490A7D}"/>
+              </a:ext>
+            </a:extLst>
+          </p:cNvPr>
+          <p:cNvSpPr txBox="1">
+            <a:spLocks/>
+          </p:cNvSpPr>
+          <p:nvPr/>
+        </p:nvSpPr>
+        <p:spPr bwMode="auto">
+          <a:xfrm>
+            <a:off x="4712164" y="740065"/>
+            <a:ext cx="4089730" cy="593377"/>
+          </a:xfrm>
+          <a:prstGeom prst="rect">
+            <a:avLst/>
+          </a:prstGeom>
+          <a:noFill/>
+          <a:ln>
+            <a:noFill/>
+          </a:ln>
+          <a:extLst>
+            <a:ext uri="{909E8E84-426E-40DD-AFC4-6F175D3DCCD1}">
+              <a14:hiddenFill xmlns:a14="http://schemas.microsoft.com/office/drawing/2010/main">
+                <a:solidFill>
+                  <a:srgbClr val="FFFFFF"/>
+                </a:solidFill>
+              </a14:hiddenFill>
+            </a:ext>
+            <a:ext uri="{91240B29-F687-4F45-9708-019B960494DF}">
+              <a14:hiddenLine xmlns:a14="http://schemas.microsoft.com/office/drawing/2010/main" w="9525">
+                <a:solidFill>
+                  <a:srgbClr val="000000"/>
+                </a:solidFill>
+                <a:miter lim="800000"/>
+                <a:headEnd/>
+                <a:tailEnd/>
+              </a14:hiddenLine>
+            </a:ext>
+          </a:extLst>
+        </p:spPr>
+        <p:txBody>
+          <a:bodyPr vert="horz" wrap="square" lIns="0" tIns="0" rIns="0" bIns="0" numCol="1" anchor="t" anchorCtr="0" compatLnSpc="1">
+            <a:prstTxWarp prst="textNoShape">
+              <a:avLst/>
+            </a:prstTxWarp>
+          </a:bodyPr>
+          <a:lstStyle>
+            <a:lvl1pPr algn="l" rtl="0" eaLnBrk="0" fontAlgn="base" hangingPunct="0">
+              <a:spcBef>
+                <a:spcPts val="170"/>
+              </a:spcBef>
+              <a:spcAft>
+                <a:spcPct val="0"/>
+              </a:spcAft>
+              <a:buClr>
+                <a:srgbClr val="D2DCAA"/>
+              </a:buClr>
+              <a:buSzPct val="100000"/>
+              <a:defRPr sz="1600" b="1" kern="1200">
+                <a:solidFill>
+                  <a:schemeClr val="bg1"/>
+                </a:solidFill>
+                <a:latin typeface="+mn-lt"/>
+                <a:ea typeface="+mn-ea"/>
+                <a:cs typeface="+mn-cs"/>
+              </a:defRPr>
+            </a:lvl1pPr>
+            <a:lvl2pPr marL="300656" indent="-153396" algn="l" rtl="0" eaLnBrk="0" fontAlgn="base" hangingPunct="0">
+              <a:spcBef>
+                <a:spcPts val="170"/>
+              </a:spcBef>
+              <a:spcAft>
+                <a:spcPct val="0"/>
+              </a:spcAft>
+              <a:buClr>
+                <a:schemeClr val="accent4"/>
+              </a:buClr>
+              <a:buSzPct val="90000"/>
+              <a:buFont typeface="Wingdings" pitchFamily="2" charset="2"/>
+              <a:buChar char="§"/>
+              <a:defRPr sz="1600" kern="1200">
+                <a:solidFill>
+                  <a:schemeClr val="bg1"/>
+                </a:solidFill>
+                <a:latin typeface="+mn-lt"/>
+                <a:ea typeface="+mn-ea"/>
+                <a:cs typeface="+mn-cs"/>
+              </a:defRPr>
+            </a:lvl2pPr>
+            <a:lvl3pPr marL="616652" indent="-150328" algn="l" rtl="0" eaLnBrk="0" fontAlgn="base" hangingPunct="0">
+              <a:spcBef>
+                <a:spcPts val="170"/>
+              </a:spcBef>
+              <a:spcAft>
+                <a:spcPct val="0"/>
+              </a:spcAft>
+              <a:buClr>
+                <a:schemeClr val="accent4"/>
+              </a:buClr>
+              <a:buFont typeface="Wingdings" pitchFamily="2" charset="2"/>
+              <a:buChar char="§"/>
+              <a:defRPr sz="1600" kern="1200">
+                <a:solidFill>
+                  <a:schemeClr val="bg1"/>
+                </a:solidFill>
+                <a:latin typeface="+mn-lt"/>
+                <a:ea typeface="+mn-ea"/>
+                <a:cs typeface="+mn-cs"/>
+              </a:defRPr>
+            </a:lvl3pPr>
+            <a:lvl4pPr marL="923444" indent="-144192" algn="l" rtl="0" eaLnBrk="0" fontAlgn="base" hangingPunct="0">
+              <a:spcBef>
+                <a:spcPts val="170"/>
+              </a:spcBef>
+              <a:spcAft>
+                <a:spcPct val="0"/>
+              </a:spcAft>
+              <a:buClr>
+                <a:schemeClr val="bg2"/>
+              </a:buClr>
+              <a:buFont typeface="Wingdings" pitchFamily="2" charset="2"/>
+              <a:buChar char="§"/>
+              <a:defRPr sz="1600" kern="1200">
+                <a:solidFill>
+                  <a:schemeClr val="bg1"/>
+                </a:solidFill>
+                <a:latin typeface="+mn-lt"/>
+                <a:ea typeface="+mn-ea"/>
+                <a:cs typeface="+mn-cs"/>
+              </a:defRPr>
+            </a:lvl4pPr>
+            <a:lvl5pPr marL="2706" indent="4059" algn="l" rtl="0" eaLnBrk="0" fontAlgn="base" hangingPunct="0">
+              <a:spcBef>
+                <a:spcPts val="170"/>
+              </a:spcBef>
+              <a:spcAft>
+                <a:spcPct val="0"/>
+              </a:spcAft>
+              <a:defRPr sz="900" kern="1200">
+                <a:solidFill>
+                  <a:schemeClr val="bg2"/>
+                </a:solidFill>
+                <a:latin typeface="+mn-lt"/>
+                <a:ea typeface="+mn-ea"/>
+                <a:cs typeface="+mn-cs"/>
+              </a:defRPr>
+            </a:lvl5pPr>
+            <a:lvl6pPr marL="2142942" indent="-194813" algn="l" defTabSz="779252" rtl="0" eaLnBrk="1" latinLnBrk="0" hangingPunct="1">
+              <a:spcBef>
+                <a:spcPct val="20000"/>
+              </a:spcBef>
+              <a:buFont typeface="Arial" pitchFamily="34" charset="0"/>
+              <a:buChar char="•"/>
+              <a:defRPr sz="1700" kern="1200">
+                <a:solidFill>
+                  <a:schemeClr val="tx1"/>
+                </a:solidFill>
+                <a:latin typeface="+mn-lt"/>
+                <a:ea typeface="+mn-ea"/>
+                <a:cs typeface="+mn-cs"/>
+              </a:defRPr>
+            </a:lvl6pPr>
+            <a:lvl7pPr marL="2532568" indent="-194813" algn="l" defTabSz="779252" rtl="0" eaLnBrk="1" latinLnBrk="0" hangingPunct="1">
+              <a:spcBef>
+                <a:spcPct val="20000"/>
+              </a:spcBef>
+              <a:buFont typeface="Arial" pitchFamily="34" charset="0"/>
+              <a:buChar char="•"/>
+              <a:defRPr sz="1700" kern="1200">
+                <a:solidFill>
+                  <a:schemeClr val="tx1"/>
+                </a:solidFill>
+                <a:latin typeface="+mn-lt"/>
+                <a:ea typeface="+mn-ea"/>
+                <a:cs typeface="+mn-cs"/>
+              </a:defRPr>
+            </a:lvl7pPr>
+            <a:lvl8pPr marL="2922194" indent="-194813" algn="l" defTabSz="779252" rtl="0" eaLnBrk="1" latinLnBrk="0" hangingPunct="1">
+              <a:spcBef>
+                <a:spcPct val="20000"/>
+              </a:spcBef>
+              <a:buFont typeface="Arial" pitchFamily="34" charset="0"/>
+              <a:buChar char="•"/>
+              <a:defRPr sz="1700" kern="1200">
+                <a:solidFill>
+                  <a:schemeClr val="tx1"/>
+                </a:solidFill>
+                <a:latin typeface="+mn-lt"/>
+                <a:ea typeface="+mn-ea"/>
+                <a:cs typeface="+mn-cs"/>
+              </a:defRPr>
+            </a:lvl8pPr>
+            <a:lvl9pPr marL="3311820" indent="-194813" algn="l" defTabSz="779252" rtl="0" eaLnBrk="1" latinLnBrk="0" hangingPunct="1">
+              <a:spcBef>
+                <a:spcPct val="20000"/>
+              </a:spcBef>
+              <a:buFont typeface="Arial" pitchFamily="34" charset="0"/>
+              <a:buChar char="•"/>
+              <a:defRPr sz="1700" kern="1200">
+                <a:solidFill>
+                  <a:schemeClr val="tx1"/>
+                </a:solidFill>
+                <a:latin typeface="+mn-lt"/>
+                <a:ea typeface="+mn-ea"/>
+                <a:cs typeface="+mn-cs"/>
+              </a:defRPr>
+            </a:lvl9pPr>
+          </a:lstStyle>
+          <a:p>
+            <a:pPr marL="531813" lvl="1" indent="-171450">
+              <a:buFont typeface="Wingdings" panose="05000000000000000000" pitchFamily="2" charset="2"/>
+              <a:buChar char="ü"/>
+            </a:pPr>
+            <a:r>
+              <a:rPr lang="fr-FR" sz="1100" dirty="0">
+                <a:solidFill>
+                  <a:schemeClr val="bg1">
+                    <a:lumMod val="75000"/>
+                    <a:lumOff val="25000"/>
+                  </a:schemeClr>
+                </a:solidFill>
+              </a:rPr>
+              <a:t>Apprécier les poids</a:t>
+            </a:r>
+          </a:p>
+          <a:p>
+            <a:pPr marL="531813" lvl="1" indent="-171450">
+              <a:buFont typeface="Wingdings" panose="05000000000000000000" pitchFamily="2" charset="2"/>
+              <a:buChar char="ü"/>
+            </a:pPr>
+            <a:r>
+              <a:rPr lang="fr-FR" sz="1100" dirty="0">
+                <a:solidFill>
+                  <a:schemeClr val="bg1">
+                    <a:lumMod val="75000"/>
+                    <a:lumOff val="25000"/>
+                  </a:schemeClr>
+                </a:solidFill>
+              </a:rPr>
+              <a:t>Décrire les variables</a:t>
+            </a:r>
+          </a:p>
+          <a:p>
+            <a:pPr marL="531813" lvl="1" indent="-171450">
+              <a:buFont typeface="Wingdings" panose="05000000000000000000" pitchFamily="2" charset="2"/>
+              <a:buChar char="ü"/>
+            </a:pPr>
+            <a:r>
+              <a:rPr lang="fr-FR" sz="1100" dirty="0">
+                <a:solidFill>
+                  <a:schemeClr val="bg1">
+                    <a:lumMod val="75000"/>
+                    <a:lumOff val="25000"/>
+                  </a:schemeClr>
+                </a:solidFill>
+              </a:rPr>
+              <a:t>Organiser le tableau de bord par thématiques</a:t>
+            </a:r>
+          </a:p>
+        </p:txBody>
+      </p:sp>
+      <p:pic>
+        <p:nvPicPr>
+          <p:cNvPr id="31" name="Image 30">
+            <a:extLst>
+              <a:ext uri="{FF2B5EF4-FFF2-40B4-BE49-F238E27FC236}">
+                <a16:creationId xmlns:a16="http://schemas.microsoft.com/office/drawing/2014/main" id="{B5773A29-5882-423F-8388-E8D250229ADD}"/>
+              </a:ext>
+            </a:extLst>
+          </p:cNvPr>
+          <p:cNvPicPr>
+            <a:picLocks noChangeAspect="1"/>
+          </p:cNvPicPr>
+          <p:nvPr/>
+        </p:nvPicPr>
+        <p:blipFill>
+          <a:blip r:embed="rId7"/>
+          <a:stretch>
+            <a:fillRect/>
+          </a:stretch>
+        </p:blipFill>
+        <p:spPr>
+          <a:xfrm>
+            <a:off x="342106" y="740065"/>
+            <a:ext cx="4002963" cy="2828890"/>
+          </a:xfrm>
+          <a:prstGeom prst="rect">
+            <a:avLst/>
+          </a:prstGeom>
+        </p:spPr>
+      </p:pic>
       <p:graphicFrame>
         <p:nvGraphicFramePr>
           <p:cNvPr id="13" name="Tableau 3">
@@ -8104,14 +8566,14 @@
           <p:nvPr>
             <p:extLst>
               <p:ext uri="{D42A27DB-BD31-4B8C-83A1-F6EECF244321}">
-                <p14:modId xmlns:p14="http://schemas.microsoft.com/office/powerpoint/2010/main" val="4098288870"/>
+                <p14:modId xmlns:p14="http://schemas.microsoft.com/office/powerpoint/2010/main" val="2178104864"/>
               </p:ext>
             </p:extLst>
           </p:nvPr>
         </p:nvGraphicFramePr>
         <p:xfrm>
-          <a:off x="2860855" y="2040197"/>
-          <a:ext cx="5941039" cy="2473423"/>
+          <a:off x="1508427" y="1468381"/>
+          <a:ext cx="7293468" cy="3045241"/>
         </p:xfrm>
         <a:graphic>
           <a:graphicData uri="http://schemas.openxmlformats.org/drawingml/2006/table">
@@ -8120,28 +8582,28 @@
                 <a:tableStyleId>{00A15C55-8517-42AA-B614-E9B94910E393}</a:tableStyleId>
               </a:tblPr>
               <a:tblGrid>
-                <a:gridCol w="690378">
+                <a:gridCol w="847537">
                   <a:extLst>
                     <a:ext uri="{9D8B030D-6E8A-4147-A177-3AD203B41FA5}">
                       <a16:colId xmlns:a16="http://schemas.microsoft.com/office/drawing/2014/main" val="3513515425"/>
                     </a:ext>
                   </a:extLst>
                 </a:gridCol>
-                <a:gridCol w="1917000">
+                <a:gridCol w="2353389">
                   <a:extLst>
                     <a:ext uri="{9D8B030D-6E8A-4147-A177-3AD203B41FA5}">
                       <a16:colId xmlns:a16="http://schemas.microsoft.com/office/drawing/2014/main" val="3637608875"/>
                     </a:ext>
                   </a:extLst>
                 </a:gridCol>
-                <a:gridCol w="2128554">
+                <a:gridCol w="2613102">
                   <a:extLst>
                     <a:ext uri="{9D8B030D-6E8A-4147-A177-3AD203B41FA5}">
                       <a16:colId xmlns:a16="http://schemas.microsoft.com/office/drawing/2014/main" val="1337123558"/>
                     </a:ext>
                   </a:extLst>
                 </a:gridCol>
-                <a:gridCol w="1205107">
+                <a:gridCol w="1479440">
                   <a:extLst>
                     <a:ext uri="{9D8B030D-6E8A-4147-A177-3AD203B41FA5}">
                       <a16:colId xmlns:a16="http://schemas.microsoft.com/office/drawing/2014/main" val="44687234"/>
@@ -8149,7 +8611,7 @@
                   </a:extLst>
                 </a:gridCol>
               </a:tblGrid>
-              <a:tr h="183529">
+              <a:tr h="225958">
                 <a:tc>
                   <a:txBody>
                     <a:bodyPr/>
@@ -8208,7 +8670,7 @@
                   </a:ext>
                 </a:extLst>
               </a:tr>
-              <a:tr h="183529">
+              <a:tr h="225958">
                 <a:tc>
                   <a:txBody>
                     <a:bodyPr/>
@@ -8387,7 +8849,7 @@
                   </a:ext>
                 </a:extLst>
               </a:tr>
-              <a:tr h="183529">
+              <a:tr h="337739">
                 <a:tc>
                   <a:txBody>
                     <a:bodyPr/>
@@ -8566,7 +9028,7 @@
                   </a:ext>
                 </a:extLst>
               </a:tr>
-              <a:tr h="183529">
+              <a:tr h="225958">
                 <a:tc>
                   <a:txBody>
                     <a:bodyPr/>
@@ -8761,7 +9223,7 @@
                   </a:ext>
                 </a:extLst>
               </a:tr>
-              <a:tr h="183529">
+              <a:tr h="225958">
                 <a:tc>
                   <a:txBody>
                     <a:bodyPr/>
@@ -8939,7 +9401,7 @@
                   </a:ext>
                 </a:extLst>
               </a:tr>
-              <a:tr h="183529">
+              <a:tr h="225958">
                 <a:tc>
                   <a:txBody>
                     <a:bodyPr/>
@@ -9117,7 +9579,7 @@
                   </a:ext>
                 </a:extLst>
               </a:tr>
-              <a:tr h="183529">
+              <a:tr h="337739">
                 <a:tc>
                   <a:txBody>
                     <a:bodyPr/>
@@ -9345,7 +9807,7 @@
                   </a:ext>
                 </a:extLst>
               </a:tr>
-              <a:tr h="183529">
+              <a:tr h="450318">
                 <a:tc>
                   <a:txBody>
                     <a:bodyPr/>
@@ -9535,7 +9997,7 @@
                   </a:ext>
                 </a:extLst>
               </a:tr>
-              <a:tr h="183529">
+              <a:tr h="225958">
                 <a:tc>
                   <a:txBody>
                     <a:bodyPr/>
@@ -9737,7 +10199,7 @@
                   </a:ext>
                 </a:extLst>
               </a:tr>
-              <a:tr h="183529">
+              <a:tr h="225958">
                 <a:tc>
                   <a:txBody>
                     <a:bodyPr/>
@@ -9915,7 +10377,7 @@
                   </a:ext>
                 </a:extLst>
               </a:tr>
-              <a:tr h="183529">
+              <a:tr h="337739">
                 <a:tc>
                   <a:txBody>
                     <a:bodyPr/>
@@ -10103,269 +10565,6 @@
           </a:graphicData>
         </a:graphic>
       </p:graphicFrame>
-      <p:sp>
-        <p:nvSpPr>
-          <p:cNvPr id="14" name="Espace réservé du contenu 22">
-            <a:extLst>
-              <a:ext uri="{FF2B5EF4-FFF2-40B4-BE49-F238E27FC236}">
-                <a16:creationId xmlns:a16="http://schemas.microsoft.com/office/drawing/2014/main" id="{20ED0E67-1F0E-4927-9346-AF1994490A7D}"/>
-              </a:ext>
-            </a:extLst>
-          </p:cNvPr>
-          <p:cNvSpPr txBox="1">
-            <a:spLocks/>
-          </p:cNvSpPr>
-          <p:nvPr/>
-        </p:nvSpPr>
-        <p:spPr bwMode="auto">
-          <a:xfrm>
-            <a:off x="3941233" y="1646768"/>
-            <a:ext cx="4860661" cy="254000"/>
-          </a:xfrm>
-          <a:prstGeom prst="rect">
-            <a:avLst/>
-          </a:prstGeom>
-          <a:noFill/>
-          <a:ln>
-            <a:noFill/>
-          </a:ln>
-          <a:extLst>
-            <a:ext uri="{909E8E84-426E-40DD-AFC4-6F175D3DCCD1}">
-              <a14:hiddenFill xmlns:a14="http://schemas.microsoft.com/office/drawing/2010/main">
-                <a:solidFill>
-                  <a:srgbClr val="FFFFFF"/>
-                </a:solidFill>
-              </a14:hiddenFill>
-            </a:ext>
-            <a:ext uri="{91240B29-F687-4F45-9708-019B960494DF}">
-              <a14:hiddenLine xmlns:a14="http://schemas.microsoft.com/office/drawing/2010/main" w="9525">
-                <a:solidFill>
-                  <a:srgbClr val="000000"/>
-                </a:solidFill>
-                <a:miter lim="800000"/>
-                <a:headEnd/>
-                <a:tailEnd/>
-              </a14:hiddenLine>
-            </a:ext>
-          </a:extLst>
-        </p:spPr>
-        <p:txBody>
-          <a:bodyPr vert="horz" wrap="square" lIns="0" tIns="0" rIns="0" bIns="0" numCol="1" anchor="t" anchorCtr="0" compatLnSpc="1">
-            <a:prstTxWarp prst="textNoShape">
-              <a:avLst/>
-            </a:prstTxWarp>
-          </a:bodyPr>
-          <a:lstStyle>
-            <a:lvl1pPr algn="l" rtl="0" eaLnBrk="0" fontAlgn="base" hangingPunct="0">
-              <a:spcBef>
-                <a:spcPts val="170"/>
-              </a:spcBef>
-              <a:spcAft>
-                <a:spcPct val="0"/>
-              </a:spcAft>
-              <a:buClr>
-                <a:srgbClr val="D2DCAA"/>
-              </a:buClr>
-              <a:buSzPct val="100000"/>
-              <a:defRPr sz="1600" b="1" kern="1200">
-                <a:solidFill>
-                  <a:schemeClr val="bg1"/>
-                </a:solidFill>
-                <a:latin typeface="+mn-lt"/>
-                <a:ea typeface="+mn-ea"/>
-                <a:cs typeface="+mn-cs"/>
-              </a:defRPr>
-            </a:lvl1pPr>
-            <a:lvl2pPr marL="300656" indent="-153396" algn="l" rtl="0" eaLnBrk="0" fontAlgn="base" hangingPunct="0">
-              <a:spcBef>
-                <a:spcPts val="170"/>
-              </a:spcBef>
-              <a:spcAft>
-                <a:spcPct val="0"/>
-              </a:spcAft>
-              <a:buClr>
-                <a:schemeClr val="accent4"/>
-              </a:buClr>
-              <a:buSzPct val="90000"/>
-              <a:buFont typeface="Wingdings" pitchFamily="2" charset="2"/>
-              <a:buChar char="§"/>
-              <a:defRPr sz="1600" kern="1200">
-                <a:solidFill>
-                  <a:schemeClr val="bg1"/>
-                </a:solidFill>
-                <a:latin typeface="+mn-lt"/>
-                <a:ea typeface="+mn-ea"/>
-                <a:cs typeface="+mn-cs"/>
-              </a:defRPr>
-            </a:lvl2pPr>
-            <a:lvl3pPr marL="616652" indent="-150328" algn="l" rtl="0" eaLnBrk="0" fontAlgn="base" hangingPunct="0">
-              <a:spcBef>
-                <a:spcPts val="170"/>
-              </a:spcBef>
-              <a:spcAft>
-                <a:spcPct val="0"/>
-              </a:spcAft>
-              <a:buClr>
-                <a:schemeClr val="accent4"/>
-              </a:buClr>
-              <a:buFont typeface="Wingdings" pitchFamily="2" charset="2"/>
-              <a:buChar char="§"/>
-              <a:defRPr sz="1600" kern="1200">
-                <a:solidFill>
-                  <a:schemeClr val="bg1"/>
-                </a:solidFill>
-                <a:latin typeface="+mn-lt"/>
-                <a:ea typeface="+mn-ea"/>
-                <a:cs typeface="+mn-cs"/>
-              </a:defRPr>
-            </a:lvl3pPr>
-            <a:lvl4pPr marL="923444" indent="-144192" algn="l" rtl="0" eaLnBrk="0" fontAlgn="base" hangingPunct="0">
-              <a:spcBef>
-                <a:spcPts val="170"/>
-              </a:spcBef>
-              <a:spcAft>
-                <a:spcPct val="0"/>
-              </a:spcAft>
-              <a:buClr>
-                <a:schemeClr val="bg2"/>
-              </a:buClr>
-              <a:buFont typeface="Wingdings" pitchFamily="2" charset="2"/>
-              <a:buChar char="§"/>
-              <a:defRPr sz="1600" kern="1200">
-                <a:solidFill>
-                  <a:schemeClr val="bg1"/>
-                </a:solidFill>
-                <a:latin typeface="+mn-lt"/>
-                <a:ea typeface="+mn-ea"/>
-                <a:cs typeface="+mn-cs"/>
-              </a:defRPr>
-            </a:lvl4pPr>
-            <a:lvl5pPr marL="2706" indent="4059" algn="l" rtl="0" eaLnBrk="0" fontAlgn="base" hangingPunct="0">
-              <a:spcBef>
-                <a:spcPts val="170"/>
-              </a:spcBef>
-              <a:spcAft>
-                <a:spcPct val="0"/>
-              </a:spcAft>
-              <a:defRPr sz="900" kern="1200">
-                <a:solidFill>
-                  <a:schemeClr val="bg2"/>
-                </a:solidFill>
-                <a:latin typeface="+mn-lt"/>
-                <a:ea typeface="+mn-ea"/>
-                <a:cs typeface="+mn-cs"/>
-              </a:defRPr>
-            </a:lvl5pPr>
-            <a:lvl6pPr marL="2142942" indent="-194813" algn="l" defTabSz="779252" rtl="0" eaLnBrk="1" latinLnBrk="0" hangingPunct="1">
-              <a:spcBef>
-                <a:spcPct val="20000"/>
-              </a:spcBef>
-              <a:buFont typeface="Arial" pitchFamily="34" charset="0"/>
-              <a:buChar char="•"/>
-              <a:defRPr sz="1700" kern="1200">
-                <a:solidFill>
-                  <a:schemeClr val="tx1"/>
-                </a:solidFill>
-                <a:latin typeface="+mn-lt"/>
-                <a:ea typeface="+mn-ea"/>
-                <a:cs typeface="+mn-cs"/>
-              </a:defRPr>
-            </a:lvl6pPr>
-            <a:lvl7pPr marL="2532568" indent="-194813" algn="l" defTabSz="779252" rtl="0" eaLnBrk="1" latinLnBrk="0" hangingPunct="1">
-              <a:spcBef>
-                <a:spcPct val="20000"/>
-              </a:spcBef>
-              <a:buFont typeface="Arial" pitchFamily="34" charset="0"/>
-              <a:buChar char="•"/>
-              <a:defRPr sz="1700" kern="1200">
-                <a:solidFill>
-                  <a:schemeClr val="tx1"/>
-                </a:solidFill>
-                <a:latin typeface="+mn-lt"/>
-                <a:ea typeface="+mn-ea"/>
-                <a:cs typeface="+mn-cs"/>
-              </a:defRPr>
-            </a:lvl7pPr>
-            <a:lvl8pPr marL="2922194" indent="-194813" algn="l" defTabSz="779252" rtl="0" eaLnBrk="1" latinLnBrk="0" hangingPunct="1">
-              <a:spcBef>
-                <a:spcPct val="20000"/>
-              </a:spcBef>
-              <a:buFont typeface="Arial" pitchFamily="34" charset="0"/>
-              <a:buChar char="•"/>
-              <a:defRPr sz="1700" kern="1200">
-                <a:solidFill>
-                  <a:schemeClr val="tx1"/>
-                </a:solidFill>
-                <a:latin typeface="+mn-lt"/>
-                <a:ea typeface="+mn-ea"/>
-                <a:cs typeface="+mn-cs"/>
-              </a:defRPr>
-            </a:lvl8pPr>
-            <a:lvl9pPr marL="3311820" indent="-194813" algn="l" defTabSz="779252" rtl="0" eaLnBrk="1" latinLnBrk="0" hangingPunct="1">
-              <a:spcBef>
-                <a:spcPct val="20000"/>
-              </a:spcBef>
-              <a:buFont typeface="Arial" pitchFamily="34" charset="0"/>
-              <a:buChar char="•"/>
-              <a:defRPr sz="1700" kern="1200">
-                <a:solidFill>
-                  <a:schemeClr val="tx1"/>
-                </a:solidFill>
-                <a:latin typeface="+mn-lt"/>
-                <a:ea typeface="+mn-ea"/>
-                <a:cs typeface="+mn-cs"/>
-              </a:defRPr>
-            </a:lvl9pPr>
-          </a:lstStyle>
-          <a:p>
-            <a:pPr marL="531813" lvl="1" indent="-171450">
-              <a:buFont typeface="Wingdings" panose="05000000000000000000" pitchFamily="2" charset="2"/>
-              <a:buChar char="ü"/>
-            </a:pPr>
-            <a:r>
-              <a:rPr lang="fr-FR" sz="1100" dirty="0">
-                <a:solidFill>
-                  <a:schemeClr val="bg1">
-                    <a:lumMod val="75000"/>
-                    <a:lumOff val="25000"/>
-                  </a:schemeClr>
-                </a:solidFill>
-              </a:rPr>
-              <a:t>Organiser le tableau de bord par thématiques</a:t>
-            </a:r>
-          </a:p>
-        </p:txBody>
-      </p:sp>
-      <p:pic>
-        <p:nvPicPr>
-          <p:cNvPr id="31" name="Image 30">
-            <a:extLst>
-              <a:ext uri="{FF2B5EF4-FFF2-40B4-BE49-F238E27FC236}">
-                <a16:creationId xmlns:a16="http://schemas.microsoft.com/office/drawing/2014/main" id="{B5773A29-5882-423F-8388-E8D250229ADD}"/>
-              </a:ext>
-            </a:extLst>
-          </p:cNvPr>
-          <p:cNvPicPr>
-            <a:picLocks noChangeAspect="1"/>
-          </p:cNvPicPr>
-          <p:nvPr/>
-        </p:nvPicPr>
-        <p:blipFill>
-          <a:blip r:embed="rId7"/>
-          <a:stretch>
-            <a:fillRect/>
-          </a:stretch>
-        </p:blipFill>
-        <p:spPr>
-          <a:xfrm>
-            <a:off x="342106" y="740065"/>
-            <a:ext cx="2487059" cy="1757602"/>
-          </a:xfrm>
-          <a:prstGeom prst="rect">
-            <a:avLst/>
-          </a:prstGeom>
-        </p:spPr>
-      </p:pic>
     </p:spTree>
     <p:extLst>
       <p:ext uri="{BB962C8B-B14F-4D97-AF65-F5344CB8AC3E}">
@@ -10384,10 +10583,115 @@
       <p:transition/>
     </mc:Fallback>
   </mc:AlternateContent>
+  <p:timing>
+    <p:tnLst>
+      <p:par>
+        <p:cTn id="1" dur="indefinite" restart="never" nodeType="tmRoot">
+          <p:childTnLst>
+            <p:seq concurrent="1" nextAc="seek">
+              <p:cTn id="2" dur="indefinite" nodeType="mainSeq">
+                <p:childTnLst>
+                  <p:par>
+                    <p:cTn id="3" fill="hold">
+                      <p:stCondLst>
+                        <p:cond delay="indefinite"/>
+                      </p:stCondLst>
+                      <p:childTnLst>
+                        <p:par>
+                          <p:cTn id="4" fill="hold">
+                            <p:stCondLst>
+                              <p:cond delay="0"/>
+                            </p:stCondLst>
+                            <p:childTnLst>
+                              <p:par>
+                                <p:cTn id="5" presetID="1" presetClass="entr" presetSubtype="0" fill="hold" nodeType="clickEffect">
+                                  <p:stCondLst>
+                                    <p:cond delay="0"/>
+                                  </p:stCondLst>
+                                  <p:childTnLst>
+                                    <p:set>
+                                      <p:cBhvr>
+                                        <p:cTn id="6" dur="1" fill="hold">
+                                          <p:stCondLst>
+                                            <p:cond delay="0"/>
+                                          </p:stCondLst>
+                                        </p:cTn>
+                                        <p:tgtEl>
+                                          <p:spTgt spid="13"/>
+                                        </p:tgtEl>
+                                        <p:attrNameLst>
+                                          <p:attrName>style.visibility</p:attrName>
+                                        </p:attrNameLst>
+                                      </p:cBhvr>
+                                      <p:to>
+                                        <p:strVal val="visible"/>
+                                      </p:to>
+                                    </p:set>
+                                  </p:childTnLst>
+                                </p:cTn>
+                              </p:par>
+                              <p:par>
+                                <p:cTn id="7" presetID="1" presetClass="entr" presetSubtype="0" fill="hold" grpId="0" nodeType="withEffect">
+                                  <p:stCondLst>
+                                    <p:cond delay="0"/>
+                                  </p:stCondLst>
+                                  <p:childTnLst>
+                                    <p:set>
+                                      <p:cBhvr>
+                                        <p:cTn id="8" dur="1" fill="hold">
+                                          <p:stCondLst>
+                                            <p:cond delay="0"/>
+                                          </p:stCondLst>
+                                        </p:cTn>
+                                        <p:tgtEl>
+                                          <p:spTgt spid="14"/>
+                                        </p:tgtEl>
+                                        <p:attrNameLst>
+                                          <p:attrName>style.visibility</p:attrName>
+                                        </p:attrNameLst>
+                                      </p:cBhvr>
+                                      <p:to>
+                                        <p:strVal val="visible"/>
+                                      </p:to>
+                                    </p:set>
+                                  </p:childTnLst>
+                                </p:cTn>
+                              </p:par>
+                            </p:childTnLst>
+                          </p:cTn>
+                        </p:par>
+                      </p:childTnLst>
+                    </p:cTn>
+                  </p:par>
+                </p:childTnLst>
+              </p:cTn>
+              <p:prevCondLst>
+                <p:cond evt="onPrev" delay="0">
+                  <p:tgtEl>
+                    <p:sldTgt/>
+                  </p:tgtEl>
+                </p:cond>
+              </p:prevCondLst>
+              <p:nextCondLst>
+                <p:cond evt="onNext" delay="0">
+                  <p:tgtEl>
+                    <p:sldTgt/>
+                  </p:tgtEl>
+                </p:cond>
+              </p:nextCondLst>
+            </p:seq>
+          </p:childTnLst>
+        </p:cTn>
+      </p:par>
+    </p:tnLst>
+    <p:bldLst>
+      <p:bldP spid="14" grpId="0"/>
+    </p:bldLst>
+  </p:timing>
 </p:sld>
 </file>
 
-<file path=ppt/slides/slide13.xml><?xml version="1.0" encoding="utf-8"?>
+<file path=ppt/slides/slide14.xml><?xml version="1.0" encoding="utf-8"?>
 <p:sld xmlns:a="http://schemas.openxmlformats.org/drawingml/2006/main" xmlns:r="http://schemas.openxmlformats.org/officeDocument/2006/relationships" xmlns:p="http://schemas.openxmlformats.org/presentationml/2006/main">
   <p:cSld>
     <p:spTree>
@@ -10424,7 +10728,7 @@
           <a:graphicData uri="http://schemas.openxmlformats.org/presentationml/2006/ole">
             <mc:AlternateContent xmlns:mc="http://schemas.openxmlformats.org/markup-compatibility/2006">
               <mc:Choice xmlns:v="urn:schemas-microsoft-com:vml" Requires="v">
-                <p:oleObj spid="_x0000_s21173" name="think-cell Slide" r:id="rId5" imgW="270" imgH="270" progId="TCLayout.ActiveDocument.1">
+                <p:oleObj spid="_x0000_s21176" name="think-cell Slide" r:id="rId5" imgW="270" imgH="270" progId="TCLayout.ActiveDocument.1">
                   <p:embed/>
                 </p:oleObj>
               </mc:Choice>
@@ -10527,234 +10831,231 @@
           </a:p>
         </p:txBody>
       </p:sp>
+      <p:sp>
+        <p:nvSpPr>
+          <p:cNvPr id="5" name="Espace réservé du contenu 22">
+            <a:extLst>
+              <a:ext uri="{FF2B5EF4-FFF2-40B4-BE49-F238E27FC236}">
+                <a16:creationId xmlns:a16="http://schemas.microsoft.com/office/drawing/2014/main" id="{38755047-4B66-4ED3-9762-A5A338CA8969}"/>
+              </a:ext>
+            </a:extLst>
+          </p:cNvPr>
+          <p:cNvSpPr txBox="1">
+            <a:spLocks/>
+          </p:cNvSpPr>
+          <p:nvPr/>
+        </p:nvSpPr>
+        <p:spPr bwMode="auto">
+          <a:xfrm>
+            <a:off x="342106" y="4053297"/>
+            <a:ext cx="8459787" cy="499653"/>
+          </a:xfrm>
+          <a:prstGeom prst="rect">
+            <a:avLst/>
+          </a:prstGeom>
+          <a:solidFill>
+            <a:schemeClr val="tx2"/>
+          </a:solidFill>
+          <a:ln>
+            <a:noFill/>
+          </a:ln>
+        </p:spPr>
+        <p:txBody>
+          <a:bodyPr vert="horz" wrap="square" lIns="0" tIns="0" rIns="0" bIns="0" numCol="1" anchor="ctr" anchorCtr="0" compatLnSpc="1">
+            <a:prstTxWarp prst="textNoShape">
+              <a:avLst/>
+            </a:prstTxWarp>
+          </a:bodyPr>
+          <a:lstStyle>
+            <a:lvl1pPr algn="l" rtl="0" eaLnBrk="0" fontAlgn="base" hangingPunct="0">
+              <a:spcBef>
+                <a:spcPts val="170"/>
+              </a:spcBef>
+              <a:spcAft>
+                <a:spcPct val="0"/>
+              </a:spcAft>
+              <a:buClr>
+                <a:srgbClr val="D2DCAA"/>
+              </a:buClr>
+              <a:buSzPct val="100000"/>
+              <a:defRPr sz="1600" b="1" kern="1200">
+                <a:solidFill>
+                  <a:schemeClr val="bg1"/>
+                </a:solidFill>
+                <a:latin typeface="+mn-lt"/>
+                <a:ea typeface="+mn-ea"/>
+                <a:cs typeface="+mn-cs"/>
+              </a:defRPr>
+            </a:lvl1pPr>
+            <a:lvl2pPr marL="300656" indent="-153396" algn="l" rtl="0" eaLnBrk="0" fontAlgn="base" hangingPunct="0">
+              <a:spcBef>
+                <a:spcPts val="170"/>
+              </a:spcBef>
+              <a:spcAft>
+                <a:spcPct val="0"/>
+              </a:spcAft>
+              <a:buClr>
+                <a:schemeClr val="accent4"/>
+              </a:buClr>
+              <a:buSzPct val="90000"/>
+              <a:buFont typeface="Wingdings" pitchFamily="2" charset="2"/>
+              <a:buChar char="§"/>
+              <a:defRPr sz="1600" kern="1200">
+                <a:solidFill>
+                  <a:schemeClr val="bg1"/>
+                </a:solidFill>
+                <a:latin typeface="+mn-lt"/>
+                <a:ea typeface="+mn-ea"/>
+                <a:cs typeface="+mn-cs"/>
+              </a:defRPr>
+            </a:lvl2pPr>
+            <a:lvl3pPr marL="616652" indent="-150328" algn="l" rtl="0" eaLnBrk="0" fontAlgn="base" hangingPunct="0">
+              <a:spcBef>
+                <a:spcPts val="170"/>
+              </a:spcBef>
+              <a:spcAft>
+                <a:spcPct val="0"/>
+              </a:spcAft>
+              <a:buClr>
+                <a:schemeClr val="accent4"/>
+              </a:buClr>
+              <a:buFont typeface="Wingdings" pitchFamily="2" charset="2"/>
+              <a:buChar char="§"/>
+              <a:defRPr sz="1600" kern="1200">
+                <a:solidFill>
+                  <a:schemeClr val="bg1"/>
+                </a:solidFill>
+                <a:latin typeface="+mn-lt"/>
+                <a:ea typeface="+mn-ea"/>
+                <a:cs typeface="+mn-cs"/>
+              </a:defRPr>
+            </a:lvl3pPr>
+            <a:lvl4pPr marL="923444" indent="-144192" algn="l" rtl="0" eaLnBrk="0" fontAlgn="base" hangingPunct="0">
+              <a:spcBef>
+                <a:spcPts val="170"/>
+              </a:spcBef>
+              <a:spcAft>
+                <a:spcPct val="0"/>
+              </a:spcAft>
+              <a:buClr>
+                <a:schemeClr val="bg2"/>
+              </a:buClr>
+              <a:buFont typeface="Wingdings" pitchFamily="2" charset="2"/>
+              <a:buChar char="§"/>
+              <a:defRPr sz="1600" kern="1200">
+                <a:solidFill>
+                  <a:schemeClr val="bg1"/>
+                </a:solidFill>
+                <a:latin typeface="+mn-lt"/>
+                <a:ea typeface="+mn-ea"/>
+                <a:cs typeface="+mn-cs"/>
+              </a:defRPr>
+            </a:lvl4pPr>
+            <a:lvl5pPr marL="2706" indent="4059" algn="l" rtl="0" eaLnBrk="0" fontAlgn="base" hangingPunct="0">
+              <a:spcBef>
+                <a:spcPts val="170"/>
+              </a:spcBef>
+              <a:spcAft>
+                <a:spcPct val="0"/>
+              </a:spcAft>
+              <a:defRPr sz="900" kern="1200">
+                <a:solidFill>
+                  <a:schemeClr val="bg2"/>
+                </a:solidFill>
+                <a:latin typeface="+mn-lt"/>
+                <a:ea typeface="+mn-ea"/>
+                <a:cs typeface="+mn-cs"/>
+              </a:defRPr>
+            </a:lvl5pPr>
+            <a:lvl6pPr marL="2142942" indent="-194813" algn="l" defTabSz="779252" rtl="0" eaLnBrk="1" latinLnBrk="0" hangingPunct="1">
+              <a:spcBef>
+                <a:spcPct val="20000"/>
+              </a:spcBef>
+              <a:buFont typeface="Arial" pitchFamily="34" charset="0"/>
+              <a:buChar char="•"/>
+              <a:defRPr sz="1700" kern="1200">
+                <a:solidFill>
+                  <a:schemeClr val="tx1"/>
+                </a:solidFill>
+                <a:latin typeface="+mn-lt"/>
+                <a:ea typeface="+mn-ea"/>
+                <a:cs typeface="+mn-cs"/>
+              </a:defRPr>
+            </a:lvl6pPr>
+            <a:lvl7pPr marL="2532568" indent="-194813" algn="l" defTabSz="779252" rtl="0" eaLnBrk="1" latinLnBrk="0" hangingPunct="1">
+              <a:spcBef>
+                <a:spcPct val="20000"/>
+              </a:spcBef>
+              <a:buFont typeface="Arial" pitchFamily="34" charset="0"/>
+              <a:buChar char="•"/>
+              <a:defRPr sz="1700" kern="1200">
+                <a:solidFill>
+                  <a:schemeClr val="tx1"/>
+                </a:solidFill>
+                <a:latin typeface="+mn-lt"/>
+                <a:ea typeface="+mn-ea"/>
+                <a:cs typeface="+mn-cs"/>
+              </a:defRPr>
+            </a:lvl7pPr>
+            <a:lvl8pPr marL="2922194" indent="-194813" algn="l" defTabSz="779252" rtl="0" eaLnBrk="1" latinLnBrk="0" hangingPunct="1">
+              <a:spcBef>
+                <a:spcPct val="20000"/>
+              </a:spcBef>
+              <a:buFont typeface="Arial" pitchFamily="34" charset="0"/>
+              <a:buChar char="•"/>
+              <a:defRPr sz="1700" kern="1200">
+                <a:solidFill>
+                  <a:schemeClr val="tx1"/>
+                </a:solidFill>
+                <a:latin typeface="+mn-lt"/>
+                <a:ea typeface="+mn-ea"/>
+                <a:cs typeface="+mn-cs"/>
+              </a:defRPr>
+            </a:lvl8pPr>
+            <a:lvl9pPr marL="3311820" indent="-194813" algn="l" defTabSz="779252" rtl="0" eaLnBrk="1" latinLnBrk="0" hangingPunct="1">
+              <a:spcBef>
+                <a:spcPct val="20000"/>
+              </a:spcBef>
+              <a:buFont typeface="Arial" pitchFamily="34" charset="0"/>
+              <a:buChar char="•"/>
+              <a:defRPr sz="1700" kern="1200">
+                <a:solidFill>
+                  <a:schemeClr val="tx1"/>
+                </a:solidFill>
+                <a:latin typeface="+mn-lt"/>
+                <a:ea typeface="+mn-ea"/>
+                <a:cs typeface="+mn-cs"/>
+              </a:defRPr>
+            </a:lvl9pPr>
+          </a:lstStyle>
+          <a:p>
+            <a:pPr marL="360363" lvl="1" indent="0" algn="ctr">
+              <a:buNone/>
+            </a:pPr>
+            <a:r>
+              <a:rPr lang="fr-FR" sz="1400" dirty="0">
+                <a:solidFill>
+                  <a:schemeClr val="bg1">
+                    <a:lumMod val="75000"/>
+                    <a:lumOff val="25000"/>
+                  </a:schemeClr>
+                </a:solidFill>
+                <a:hlinkClick r:id="rId7"/>
+              </a:rPr>
+              <a:t>Lien vers le tableau de bord</a:t>
+            </a:r>
+            <a:endParaRPr lang="fr-FR" sz="1400" dirty="0">
+              <a:solidFill>
+                <a:srgbClr val="FF0000"/>
+              </a:solidFill>
+            </a:endParaRPr>
+          </a:p>
+        </p:txBody>
+      </p:sp>
     </p:spTree>
     <p:extLst>
       <p:ext uri="{BB962C8B-B14F-4D97-AF65-F5344CB8AC3E}">
         <p14:creationId xmlns:p14="http://schemas.microsoft.com/office/powerpoint/2010/main" val="3684427529"/>
-      </p:ext>
-    </p:extLst>
-  </p:cSld>
-  <p:clrMapOvr>
-    <a:masterClrMapping/>
-  </p:clrMapOvr>
-  <mc:AlternateContent xmlns:mc="http://schemas.openxmlformats.org/markup-compatibility/2006" xmlns:p14="http://schemas.microsoft.com/office/powerpoint/2010/main">
-    <mc:Choice Requires="p14">
-      <p:transition p14:dur="0"/>
-    </mc:Choice>
-    <mc:Fallback xmlns="">
-      <p:transition/>
-    </mc:Fallback>
-  </mc:AlternateContent>
-</p:sld>
-</file>
-
-<file path=ppt/slides/slide14.xml><?xml version="1.0" encoding="utf-8"?>
-<p:sld xmlns:a="http://schemas.openxmlformats.org/drawingml/2006/main" xmlns:r="http://schemas.openxmlformats.org/officeDocument/2006/relationships" xmlns:p="http://schemas.openxmlformats.org/presentationml/2006/main">
-  <p:cSld>
-    <p:spTree>
-      <p:nvGrpSpPr>
-        <p:cNvPr id="1" name=""/>
-        <p:cNvGrpSpPr/>
-        <p:nvPr/>
-      </p:nvGrpSpPr>
-      <p:grpSpPr>
-        <a:xfrm>
-          <a:off x="0" y="0"/>
-          <a:ext cx="0" cy="0"/>
-          <a:chOff x="0" y="0"/>
-          <a:chExt cx="0" cy="0"/>
-        </a:xfrm>
-      </p:grpSpPr>
-      <p:graphicFrame>
-        <p:nvGraphicFramePr>
-          <p:cNvPr id="2" name="Object 1" hidden="1"/>
-          <p:cNvGraphicFramePr>
-            <a:graphicFrameLocks noChangeAspect="1"/>
-          </p:cNvGraphicFramePr>
-          <p:nvPr>
-            <p:custDataLst>
-              <p:tags r:id="rId2"/>
-            </p:custDataLst>
-          </p:nvPr>
-        </p:nvGraphicFramePr>
-        <p:xfrm>
-          <a:off x="1466" y="1192"/>
-          <a:ext cx="1465" cy="1190"/>
-        </p:xfrm>
-        <a:graphic>
-          <a:graphicData uri="http://schemas.openxmlformats.org/presentationml/2006/ole">
-            <mc:AlternateContent xmlns:mc="http://schemas.openxmlformats.org/markup-compatibility/2006">
-              <mc:Choice xmlns:v="urn:schemas-microsoft-com:vml" Requires="v">
-                <p:oleObj spid="_x0000_s56385" name="think-cell Slide" r:id="rId5" imgW="270" imgH="270" progId="TCLayout.ActiveDocument.1">
-                  <p:embed/>
-                </p:oleObj>
-              </mc:Choice>
-              <mc:Fallback>
-                <p:oleObj name="think-cell Slide" r:id="rId5" imgW="270" imgH="270" progId="TCLayout.ActiveDocument.1">
-                  <p:embed/>
-                  <p:pic>
-                    <p:nvPicPr>
-                      <p:cNvPr id="2" name="Object 1" hidden="1"/>
-                      <p:cNvPicPr>
-                        <a:picLocks noChangeAspect="1" noChangeArrowheads="1"/>
-                      </p:cNvPicPr>
-                      <p:nvPr/>
-                    </p:nvPicPr>
-                    <p:blipFill>
-                      <a:blip r:embed="rId6">
-                        <a:extLst>
-                          <a:ext uri="{28A0092B-C50C-407E-A947-70E740481C1C}">
-                            <a14:useLocalDpi xmlns:a14="http://schemas.microsoft.com/office/drawing/2010/main" val="0"/>
-                          </a:ext>
-                        </a:extLst>
-                      </a:blip>
-                      <a:srcRect/>
-                      <a:stretch>
-                        <a:fillRect/>
-                      </a:stretch>
-                    </p:blipFill>
-                    <p:spPr bwMode="auto">
-                      <a:xfrm>
-                        <a:off x="1466" y="1192"/>
-                        <a:ext cx="1465" cy="1190"/>
-                      </a:xfrm>
-                      <a:prstGeom prst="rect">
-                        <a:avLst/>
-                      </a:prstGeom>
-                      <a:noFill/>
-                      <a:extLst>
-                        <a:ext uri="{909E8E84-426E-40DD-AFC4-6F175D3DCCD1}">
-                          <a14:hiddenFill xmlns:a14="http://schemas.microsoft.com/office/drawing/2010/main">
-                            <a:solidFill>
-                              <a:srgbClr val="FFFFFF"/>
-                            </a:solidFill>
-                          </a14:hiddenFill>
-                        </a:ext>
-                      </a:extLst>
-                    </p:spPr>
-                  </p:pic>
-                </p:oleObj>
-              </mc:Fallback>
-            </mc:AlternateContent>
-          </a:graphicData>
-        </a:graphic>
-      </p:graphicFrame>
-      <p:sp>
-        <p:nvSpPr>
-          <p:cNvPr id="18435" name="Titre 21"/>
-          <p:cNvSpPr>
-            <a:spLocks noGrp="1"/>
-          </p:cNvSpPr>
-          <p:nvPr>
-            <p:ph type="title"/>
-          </p:nvPr>
-        </p:nvSpPr>
-        <p:spPr/>
-        <p:txBody>
-          <a:bodyPr/>
-          <a:lstStyle/>
-          <a:p>
-            <a:r>
-              <a:rPr lang="fr-FR" sz="2000" dirty="0"/>
-              <a:t>Navigation / Décision et Jauge de probabilité de défaut</a:t>
-            </a:r>
-          </a:p>
-        </p:txBody>
-      </p:sp>
-      <p:pic>
-        <p:nvPicPr>
-          <p:cNvPr id="13" name="Image 12">
-            <a:extLst>
-              <a:ext uri="{FF2B5EF4-FFF2-40B4-BE49-F238E27FC236}">
-                <a16:creationId xmlns:a16="http://schemas.microsoft.com/office/drawing/2014/main" id="{4205BCE6-DE2F-4585-83DC-07DA395EE6AC}"/>
-              </a:ext>
-            </a:extLst>
-          </p:cNvPr>
-          <p:cNvPicPr>
-            <a:picLocks noChangeAspect="1"/>
-          </p:cNvPicPr>
-          <p:nvPr/>
-        </p:nvPicPr>
-        <p:blipFill>
-          <a:blip r:embed="rId7"/>
-          <a:stretch>
-            <a:fillRect/>
-          </a:stretch>
-        </p:blipFill>
-        <p:spPr>
-          <a:xfrm>
-            <a:off x="375556" y="723900"/>
-            <a:ext cx="2233445" cy="3729567"/>
-          </a:xfrm>
-          <a:prstGeom prst="rect">
-            <a:avLst/>
-          </a:prstGeom>
-        </p:spPr>
-      </p:pic>
-      <p:pic>
-        <p:nvPicPr>
-          <p:cNvPr id="15" name="Image 14">
-            <a:extLst>
-              <a:ext uri="{FF2B5EF4-FFF2-40B4-BE49-F238E27FC236}">
-                <a16:creationId xmlns:a16="http://schemas.microsoft.com/office/drawing/2014/main" id="{A47366D2-2B01-4CEB-8C2A-D26C5A9E3471}"/>
-              </a:ext>
-            </a:extLst>
-          </p:cNvPr>
-          <p:cNvPicPr>
-            <a:picLocks noChangeAspect="1"/>
-          </p:cNvPicPr>
-          <p:nvPr/>
-        </p:nvPicPr>
-        <p:blipFill>
-          <a:blip r:embed="rId8"/>
-          <a:stretch>
-            <a:fillRect/>
-          </a:stretch>
-        </p:blipFill>
-        <p:spPr>
-          <a:xfrm>
-            <a:off x="3031066" y="2302934"/>
-            <a:ext cx="2819400" cy="619125"/>
-          </a:xfrm>
-          <a:prstGeom prst="rect">
-            <a:avLst/>
-          </a:prstGeom>
-        </p:spPr>
-      </p:pic>
-      <p:pic>
-        <p:nvPicPr>
-          <p:cNvPr id="17" name="Image 16">
-            <a:extLst>
-              <a:ext uri="{FF2B5EF4-FFF2-40B4-BE49-F238E27FC236}">
-                <a16:creationId xmlns:a16="http://schemas.microsoft.com/office/drawing/2014/main" id="{BCC64919-BDFF-4609-A74A-CBD67B438DC8}"/>
-              </a:ext>
-            </a:extLst>
-          </p:cNvPr>
-          <p:cNvPicPr>
-            <a:picLocks noChangeAspect="1"/>
-          </p:cNvPicPr>
-          <p:nvPr/>
-        </p:nvPicPr>
-        <p:blipFill>
-          <a:blip r:embed="rId9"/>
-          <a:stretch>
-            <a:fillRect/>
-          </a:stretch>
-        </p:blipFill>
-        <p:spPr>
-          <a:xfrm>
-            <a:off x="6443133" y="723900"/>
-            <a:ext cx="2358761" cy="3855516"/>
-          </a:xfrm>
-          <a:prstGeom prst="rect">
-            <a:avLst/>
-          </a:prstGeom>
-        </p:spPr>
-      </p:pic>
-    </p:spTree>
-    <p:extLst>
-      <p:ext uri="{BB962C8B-B14F-4D97-AF65-F5344CB8AC3E}">
-        <p14:creationId xmlns:p14="http://schemas.microsoft.com/office/powerpoint/2010/main" val="2322906470"/>
       </p:ext>
     </p:extLst>
   </p:cSld>
@@ -10809,789 +11110,7 @@
           <a:graphicData uri="http://schemas.openxmlformats.org/presentationml/2006/ole">
             <mc:AlternateContent xmlns:mc="http://schemas.openxmlformats.org/markup-compatibility/2006">
               <mc:Choice xmlns:v="urn:schemas-microsoft-com:vml" Requires="v">
-                <p:oleObj spid="_x0000_s65559" name="think-cell Slide" r:id="rId5" imgW="270" imgH="270" progId="TCLayout.ActiveDocument.1">
-                  <p:embed/>
-                </p:oleObj>
-              </mc:Choice>
-              <mc:Fallback>
-                <p:oleObj name="think-cell Slide" r:id="rId5" imgW="270" imgH="270" progId="TCLayout.ActiveDocument.1">
-                  <p:embed/>
-                  <p:pic>
-                    <p:nvPicPr>
-                      <p:cNvPr id="2" name="Object 1" hidden="1"/>
-                      <p:cNvPicPr>
-                        <a:picLocks noChangeAspect="1" noChangeArrowheads="1"/>
-                      </p:cNvPicPr>
-                      <p:nvPr/>
-                    </p:nvPicPr>
-                    <p:blipFill>
-                      <a:blip r:embed="rId6">
-                        <a:extLst>
-                          <a:ext uri="{28A0092B-C50C-407E-A947-70E740481C1C}">
-                            <a14:useLocalDpi xmlns:a14="http://schemas.microsoft.com/office/drawing/2010/main" val="0"/>
-                          </a:ext>
-                        </a:extLst>
-                      </a:blip>
-                      <a:srcRect/>
-                      <a:stretch>
-                        <a:fillRect/>
-                      </a:stretch>
-                    </p:blipFill>
-                    <p:spPr bwMode="auto">
-                      <a:xfrm>
-                        <a:off x="1466" y="1192"/>
-                        <a:ext cx="1465" cy="1190"/>
-                      </a:xfrm>
-                      <a:prstGeom prst="rect">
-                        <a:avLst/>
-                      </a:prstGeom>
-                      <a:noFill/>
-                      <a:extLst>
-                        <a:ext uri="{909E8E84-426E-40DD-AFC4-6F175D3DCCD1}">
-                          <a14:hiddenFill xmlns:a14="http://schemas.microsoft.com/office/drawing/2010/main">
-                            <a:solidFill>
-                              <a:srgbClr val="FFFFFF"/>
-                            </a:solidFill>
-                          </a14:hiddenFill>
-                        </a:ext>
-                      </a:extLst>
-                    </p:spPr>
-                  </p:pic>
-                </p:oleObj>
-              </mc:Fallback>
-            </mc:AlternateContent>
-          </a:graphicData>
-        </a:graphic>
-      </p:graphicFrame>
-      <p:sp>
-        <p:nvSpPr>
-          <p:cNvPr id="18435" name="Titre 21"/>
-          <p:cNvSpPr>
-            <a:spLocks noGrp="1"/>
-          </p:cNvSpPr>
-          <p:nvPr>
-            <p:ph type="title"/>
-          </p:nvPr>
-        </p:nvSpPr>
-        <p:spPr/>
-        <p:txBody>
-          <a:bodyPr/>
-          <a:lstStyle/>
-          <a:p>
-            <a:r>
-              <a:rPr lang="fr-FR" sz="2000" dirty="0"/>
-              <a:t>Explication globale de la décision</a:t>
-            </a:r>
-          </a:p>
-        </p:txBody>
-      </p:sp>
-      <p:pic>
-        <p:nvPicPr>
-          <p:cNvPr id="13" name="Image 12">
-            <a:extLst>
-              <a:ext uri="{FF2B5EF4-FFF2-40B4-BE49-F238E27FC236}">
-                <a16:creationId xmlns:a16="http://schemas.microsoft.com/office/drawing/2014/main" id="{E661A4CE-AB7D-4868-B0A3-6D35FDAB958F}"/>
-              </a:ext>
-            </a:extLst>
-          </p:cNvPr>
-          <p:cNvPicPr>
-            <a:picLocks noChangeAspect="1"/>
-          </p:cNvPicPr>
-          <p:nvPr/>
-        </p:nvPicPr>
-        <p:blipFill>
-          <a:blip r:embed="rId7"/>
-          <a:stretch>
-            <a:fillRect/>
-          </a:stretch>
-        </p:blipFill>
-        <p:spPr>
-          <a:xfrm>
-            <a:off x="0" y="994336"/>
-            <a:ext cx="9144000" cy="1495362"/>
-          </a:xfrm>
-          <a:prstGeom prst="rect">
-            <a:avLst/>
-          </a:prstGeom>
-        </p:spPr>
-      </p:pic>
-      <p:sp>
-        <p:nvSpPr>
-          <p:cNvPr id="15" name="Flèche : gauche 14">
-            <a:extLst>
-              <a:ext uri="{FF2B5EF4-FFF2-40B4-BE49-F238E27FC236}">
-                <a16:creationId xmlns:a16="http://schemas.microsoft.com/office/drawing/2014/main" id="{F36325D8-43CC-4D6A-816A-D53F53265107}"/>
-              </a:ext>
-            </a:extLst>
-          </p:cNvPr>
-          <p:cNvSpPr/>
-          <p:nvPr/>
-        </p:nvSpPr>
-        <p:spPr>
-          <a:xfrm>
-            <a:off x="1553633" y="2755194"/>
-            <a:ext cx="4246034" cy="1329971"/>
-          </a:xfrm>
-          <a:prstGeom prst="leftArrow">
-            <a:avLst/>
-          </a:prstGeom>
-          <a:solidFill>
-            <a:schemeClr val="accent1"/>
-          </a:solidFill>
-          <a:ln w="3175">
-            <a:noFill/>
-          </a:ln>
-        </p:spPr>
-        <p:style>
-          <a:lnRef idx="2">
-            <a:schemeClr val="accent1">
-              <a:shade val="50000"/>
-            </a:schemeClr>
-          </a:lnRef>
-          <a:fillRef idx="1">
-            <a:schemeClr val="accent1"/>
-          </a:fillRef>
-          <a:effectRef idx="0">
-            <a:schemeClr val="accent1"/>
-          </a:effectRef>
-          <a:fontRef idx="minor">
-            <a:schemeClr val="lt1"/>
-          </a:fontRef>
-        </p:style>
-        <p:txBody>
-          <a:bodyPr rot="0" spcFirstLastPara="0" vertOverflow="overflow" horzOverflow="overflow" vert="horz" wrap="square" lIns="91440" tIns="90000" rIns="91440" bIns="90000" numCol="1" spcCol="0" rtlCol="0" fromWordArt="0" anchor="ctr" anchorCtr="0" forceAA="0" compatLnSpc="1">
-            <a:prstTxWarp prst="textNoShape">
-              <a:avLst/>
-            </a:prstTxWarp>
-            <a:noAutofit/>
-          </a:bodyPr>
-          <a:lstStyle/>
-          <a:p>
-            <a:pPr algn="ctr"/>
-            <a:r>
-              <a:rPr lang="fr-FR" sz="1400" b="1" dirty="0">
-                <a:solidFill>
-                  <a:schemeClr val="tx1"/>
-                </a:solidFill>
-              </a:rPr>
-              <a:t>Diminution</a:t>
-            </a:r>
-          </a:p>
-          <a:p>
-            <a:pPr algn="ctr"/>
-            <a:r>
-              <a:rPr lang="fr-FR" sz="1400" b="1" dirty="0">
-                <a:solidFill>
-                  <a:schemeClr val="tx1"/>
-                </a:solidFill>
-              </a:rPr>
-              <a:t>de la probabilité de défaut</a:t>
-            </a:r>
-          </a:p>
-          <a:p>
-            <a:pPr algn="ctr"/>
-            <a:r>
-              <a:rPr lang="fr-FR" sz="1400" b="1" dirty="0">
-                <a:solidFill>
-                  <a:schemeClr val="tx1"/>
-                </a:solidFill>
-              </a:rPr>
-              <a:t>En faveur du client</a:t>
-            </a:r>
-          </a:p>
-        </p:txBody>
-      </p:sp>
-      <p:sp>
-        <p:nvSpPr>
-          <p:cNvPr id="16" name="Flèche : droite 15">
-            <a:extLst>
-              <a:ext uri="{FF2B5EF4-FFF2-40B4-BE49-F238E27FC236}">
-                <a16:creationId xmlns:a16="http://schemas.microsoft.com/office/drawing/2014/main" id="{454F8B5D-8DA1-451E-8063-1F0FBA639016}"/>
-              </a:ext>
-            </a:extLst>
-          </p:cNvPr>
-          <p:cNvSpPr/>
-          <p:nvPr/>
-        </p:nvSpPr>
-        <p:spPr>
-          <a:xfrm>
-            <a:off x="5833534" y="2755195"/>
-            <a:ext cx="3153834" cy="1329972"/>
-          </a:xfrm>
-          <a:prstGeom prst="rightArrow">
-            <a:avLst/>
-          </a:prstGeom>
-          <a:solidFill>
-            <a:srgbClr val="FFC000"/>
-          </a:solidFill>
-          <a:ln w="3175">
-            <a:noFill/>
-          </a:ln>
-        </p:spPr>
-        <p:style>
-          <a:lnRef idx="2">
-            <a:schemeClr val="accent1">
-              <a:shade val="50000"/>
-            </a:schemeClr>
-          </a:lnRef>
-          <a:fillRef idx="1">
-            <a:schemeClr val="accent1"/>
-          </a:fillRef>
-          <a:effectRef idx="0">
-            <a:schemeClr val="accent1"/>
-          </a:effectRef>
-          <a:fontRef idx="minor">
-            <a:schemeClr val="lt1"/>
-          </a:fontRef>
-        </p:style>
-        <p:txBody>
-          <a:bodyPr rot="0" spcFirstLastPara="0" vertOverflow="overflow" horzOverflow="overflow" vert="horz" wrap="square" lIns="91440" tIns="90000" rIns="91440" bIns="90000" numCol="1" spcCol="0" rtlCol="0" fromWordArt="0" anchor="ctr" anchorCtr="0" forceAA="0" compatLnSpc="1">
-            <a:prstTxWarp prst="textNoShape">
-              <a:avLst/>
-            </a:prstTxWarp>
-            <a:noAutofit/>
-          </a:bodyPr>
-          <a:lstStyle/>
-          <a:p>
-            <a:pPr algn="ctr"/>
-            <a:r>
-              <a:rPr lang="fr-FR" sz="1400" b="1" dirty="0">
-                <a:solidFill>
-                  <a:schemeClr val="tx1"/>
-                </a:solidFill>
-              </a:rPr>
-              <a:t>Augmentation</a:t>
-            </a:r>
-          </a:p>
-          <a:p>
-            <a:pPr algn="ctr"/>
-            <a:r>
-              <a:rPr lang="fr-FR" sz="1400" b="1" dirty="0">
-                <a:solidFill>
-                  <a:schemeClr val="tx1"/>
-                </a:solidFill>
-              </a:rPr>
-              <a:t>de la probabilité de défaut</a:t>
-            </a:r>
-          </a:p>
-          <a:p>
-            <a:pPr algn="ctr"/>
-            <a:r>
-              <a:rPr lang="fr-FR" sz="1400" b="1" dirty="0">
-                <a:solidFill>
-                  <a:schemeClr val="tx1"/>
-                </a:solidFill>
-              </a:rPr>
-              <a:t>En défaveur du client</a:t>
-            </a:r>
-          </a:p>
-        </p:txBody>
-      </p:sp>
-    </p:spTree>
-    <p:extLst>
-      <p:ext uri="{BB962C8B-B14F-4D97-AF65-F5344CB8AC3E}">
-        <p14:creationId xmlns:p14="http://schemas.microsoft.com/office/powerpoint/2010/main" val="2858115962"/>
-      </p:ext>
-    </p:extLst>
-  </p:cSld>
-  <p:clrMapOvr>
-    <a:masterClrMapping/>
-  </p:clrMapOvr>
-  <mc:AlternateContent xmlns:mc="http://schemas.openxmlformats.org/markup-compatibility/2006" xmlns:p14="http://schemas.microsoft.com/office/powerpoint/2010/main">
-    <mc:Choice Requires="p14">
-      <p:transition p14:dur="0"/>
-    </mc:Choice>
-    <mc:Fallback xmlns="">
-      <p:transition/>
-    </mc:Fallback>
-  </mc:AlternateContent>
-</p:sld>
-</file>
-
-<file path=ppt/slides/slide16.xml><?xml version="1.0" encoding="utf-8"?>
-<p:sld xmlns:a="http://schemas.openxmlformats.org/drawingml/2006/main" xmlns:r="http://schemas.openxmlformats.org/officeDocument/2006/relationships" xmlns:p="http://schemas.openxmlformats.org/presentationml/2006/main">
-  <p:cSld>
-    <p:spTree>
-      <p:nvGrpSpPr>
-        <p:cNvPr id="1" name=""/>
-        <p:cNvGrpSpPr/>
-        <p:nvPr/>
-      </p:nvGrpSpPr>
-      <p:grpSpPr>
-        <a:xfrm>
-          <a:off x="0" y="0"/>
-          <a:ext cx="0" cy="0"/>
-          <a:chOff x="0" y="0"/>
-          <a:chExt cx="0" cy="0"/>
-        </a:xfrm>
-      </p:grpSpPr>
-      <p:graphicFrame>
-        <p:nvGraphicFramePr>
-          <p:cNvPr id="2" name="Object 1" hidden="1"/>
-          <p:cNvGraphicFramePr>
-            <a:graphicFrameLocks noChangeAspect="1"/>
-          </p:cNvGraphicFramePr>
-          <p:nvPr>
-            <p:custDataLst>
-              <p:tags r:id="rId2"/>
-            </p:custDataLst>
-          </p:nvPr>
-        </p:nvGraphicFramePr>
-        <p:xfrm>
-          <a:off x="1466" y="1192"/>
-          <a:ext cx="1465" cy="1190"/>
-        </p:xfrm>
-        <a:graphic>
-          <a:graphicData uri="http://schemas.openxmlformats.org/presentationml/2006/ole">
-            <mc:AlternateContent xmlns:mc="http://schemas.openxmlformats.org/markup-compatibility/2006">
-              <mc:Choice xmlns:v="urn:schemas-microsoft-com:vml" Requires="v">
-                <p:oleObj spid="_x0000_s66583" name="think-cell Slide" r:id="rId5" imgW="270" imgH="270" progId="TCLayout.ActiveDocument.1">
-                  <p:embed/>
-                </p:oleObj>
-              </mc:Choice>
-              <mc:Fallback>
-                <p:oleObj name="think-cell Slide" r:id="rId5" imgW="270" imgH="270" progId="TCLayout.ActiveDocument.1">
-                  <p:embed/>
-                  <p:pic>
-                    <p:nvPicPr>
-                      <p:cNvPr id="2" name="Object 1" hidden="1"/>
-                      <p:cNvPicPr>
-                        <a:picLocks noChangeAspect="1" noChangeArrowheads="1"/>
-                      </p:cNvPicPr>
-                      <p:nvPr/>
-                    </p:nvPicPr>
-                    <p:blipFill>
-                      <a:blip r:embed="rId6">
-                        <a:extLst>
-                          <a:ext uri="{28A0092B-C50C-407E-A947-70E740481C1C}">
-                            <a14:useLocalDpi xmlns:a14="http://schemas.microsoft.com/office/drawing/2010/main" val="0"/>
-                          </a:ext>
-                        </a:extLst>
-                      </a:blip>
-                      <a:srcRect/>
-                      <a:stretch>
-                        <a:fillRect/>
-                      </a:stretch>
-                    </p:blipFill>
-                    <p:spPr bwMode="auto">
-                      <a:xfrm>
-                        <a:off x="1466" y="1192"/>
-                        <a:ext cx="1465" cy="1190"/>
-                      </a:xfrm>
-                      <a:prstGeom prst="rect">
-                        <a:avLst/>
-                      </a:prstGeom>
-                      <a:noFill/>
-                      <a:extLst>
-                        <a:ext uri="{909E8E84-426E-40DD-AFC4-6F175D3DCCD1}">
-                          <a14:hiddenFill xmlns:a14="http://schemas.microsoft.com/office/drawing/2010/main">
-                            <a:solidFill>
-                              <a:srgbClr val="FFFFFF"/>
-                            </a:solidFill>
-                          </a14:hiddenFill>
-                        </a:ext>
-                      </a:extLst>
-                    </p:spPr>
-                  </p:pic>
-                </p:oleObj>
-              </mc:Fallback>
-            </mc:AlternateContent>
-          </a:graphicData>
-        </a:graphic>
-      </p:graphicFrame>
-      <p:sp>
-        <p:nvSpPr>
-          <p:cNvPr id="18435" name="Titre 21"/>
-          <p:cNvSpPr>
-            <a:spLocks noGrp="1"/>
-          </p:cNvSpPr>
-          <p:nvPr>
-            <p:ph type="title"/>
-          </p:nvPr>
-        </p:nvSpPr>
-        <p:spPr/>
-        <p:txBody>
-          <a:bodyPr/>
-          <a:lstStyle/>
-          <a:p>
-            <a:r>
-              <a:rPr lang="fr-FR" sz="2000" dirty="0"/>
-              <a:t>Explications détaillées de la décision</a:t>
-            </a:r>
-          </a:p>
-        </p:txBody>
-      </p:sp>
-      <p:pic>
-        <p:nvPicPr>
-          <p:cNvPr id="11" name="Image 10">
-            <a:extLst>
-              <a:ext uri="{FF2B5EF4-FFF2-40B4-BE49-F238E27FC236}">
-                <a16:creationId xmlns:a16="http://schemas.microsoft.com/office/drawing/2014/main" id="{B92FF197-D211-470E-AA50-6382F52273BB}"/>
-              </a:ext>
-            </a:extLst>
-          </p:cNvPr>
-          <p:cNvPicPr>
-            <a:picLocks noChangeAspect="1"/>
-          </p:cNvPicPr>
-          <p:nvPr/>
-        </p:nvPicPr>
-        <p:blipFill>
-          <a:blip r:embed="rId7"/>
-          <a:stretch>
-            <a:fillRect/>
-          </a:stretch>
-        </p:blipFill>
-        <p:spPr>
-          <a:xfrm>
-            <a:off x="-17726" y="720254"/>
-            <a:ext cx="5951532" cy="1561513"/>
-          </a:xfrm>
-          <a:prstGeom prst="rect">
-            <a:avLst/>
-          </a:prstGeom>
-        </p:spPr>
-      </p:pic>
-      <p:pic>
-        <p:nvPicPr>
-          <p:cNvPr id="13" name="Image 12">
-            <a:extLst>
-              <a:ext uri="{FF2B5EF4-FFF2-40B4-BE49-F238E27FC236}">
-                <a16:creationId xmlns:a16="http://schemas.microsoft.com/office/drawing/2014/main" id="{DFE5448A-0143-479D-BC07-EA9C614C1B7A}"/>
-              </a:ext>
-            </a:extLst>
-          </p:cNvPr>
-          <p:cNvPicPr>
-            <a:picLocks noChangeAspect="1"/>
-          </p:cNvPicPr>
-          <p:nvPr/>
-        </p:nvPicPr>
-        <p:blipFill>
-          <a:blip r:embed="rId8"/>
-          <a:stretch>
-            <a:fillRect/>
-          </a:stretch>
-        </p:blipFill>
-        <p:spPr>
-          <a:xfrm>
-            <a:off x="70378" y="2520831"/>
-            <a:ext cx="8732227" cy="1293402"/>
-          </a:xfrm>
-          <a:prstGeom prst="rect">
-            <a:avLst/>
-          </a:prstGeom>
-        </p:spPr>
-      </p:pic>
-      <p:sp>
-        <p:nvSpPr>
-          <p:cNvPr id="15" name="Espace réservé du contenu 22">
-            <a:extLst>
-              <a:ext uri="{FF2B5EF4-FFF2-40B4-BE49-F238E27FC236}">
-                <a16:creationId xmlns:a16="http://schemas.microsoft.com/office/drawing/2014/main" id="{7664A111-0A24-4492-AC80-5962DDC91EFC}"/>
-              </a:ext>
-            </a:extLst>
-          </p:cNvPr>
-          <p:cNvSpPr txBox="1">
-            <a:spLocks/>
-          </p:cNvSpPr>
-          <p:nvPr/>
-        </p:nvSpPr>
-        <p:spPr bwMode="auto">
-          <a:xfrm>
-            <a:off x="1998132" y="3994546"/>
-            <a:ext cx="6803761" cy="558404"/>
-          </a:xfrm>
-          <a:prstGeom prst="rect">
-            <a:avLst/>
-          </a:prstGeom>
-          <a:noFill/>
-          <a:ln>
-            <a:noFill/>
-          </a:ln>
-          <a:extLst>
-            <a:ext uri="{909E8E84-426E-40DD-AFC4-6F175D3DCCD1}">
-              <a14:hiddenFill xmlns:a14="http://schemas.microsoft.com/office/drawing/2010/main">
-                <a:solidFill>
-                  <a:srgbClr val="FFFFFF"/>
-                </a:solidFill>
-              </a14:hiddenFill>
-            </a:ext>
-            <a:ext uri="{91240B29-F687-4F45-9708-019B960494DF}">
-              <a14:hiddenLine xmlns:a14="http://schemas.microsoft.com/office/drawing/2010/main" w="9525">
-                <a:solidFill>
-                  <a:srgbClr val="000000"/>
-                </a:solidFill>
-                <a:miter lim="800000"/>
-                <a:headEnd/>
-                <a:tailEnd/>
-              </a14:hiddenLine>
-            </a:ext>
-          </a:extLst>
-        </p:spPr>
-        <p:txBody>
-          <a:bodyPr vert="horz" wrap="square" lIns="0" tIns="0" rIns="0" bIns="0" numCol="1" anchor="t" anchorCtr="0" compatLnSpc="1">
-            <a:prstTxWarp prst="textNoShape">
-              <a:avLst/>
-            </a:prstTxWarp>
-          </a:bodyPr>
-          <a:lstStyle>
-            <a:lvl1pPr algn="l" rtl="0" eaLnBrk="0" fontAlgn="base" hangingPunct="0">
-              <a:spcBef>
-                <a:spcPts val="170"/>
-              </a:spcBef>
-              <a:spcAft>
-                <a:spcPct val="0"/>
-              </a:spcAft>
-              <a:buClr>
-                <a:srgbClr val="D2DCAA"/>
-              </a:buClr>
-              <a:buSzPct val="100000"/>
-              <a:defRPr sz="1600" b="1" kern="1200">
-                <a:solidFill>
-                  <a:schemeClr val="bg1"/>
-                </a:solidFill>
-                <a:latin typeface="+mn-lt"/>
-                <a:ea typeface="+mn-ea"/>
-                <a:cs typeface="+mn-cs"/>
-              </a:defRPr>
-            </a:lvl1pPr>
-            <a:lvl2pPr marL="300656" indent="-153396" algn="l" rtl="0" eaLnBrk="0" fontAlgn="base" hangingPunct="0">
-              <a:spcBef>
-                <a:spcPts val="170"/>
-              </a:spcBef>
-              <a:spcAft>
-                <a:spcPct val="0"/>
-              </a:spcAft>
-              <a:buClr>
-                <a:schemeClr val="accent4"/>
-              </a:buClr>
-              <a:buSzPct val="90000"/>
-              <a:buFont typeface="Wingdings" pitchFamily="2" charset="2"/>
-              <a:buChar char="§"/>
-              <a:defRPr sz="1600" kern="1200">
-                <a:solidFill>
-                  <a:schemeClr val="bg1"/>
-                </a:solidFill>
-                <a:latin typeface="+mn-lt"/>
-                <a:ea typeface="+mn-ea"/>
-                <a:cs typeface="+mn-cs"/>
-              </a:defRPr>
-            </a:lvl2pPr>
-            <a:lvl3pPr marL="616652" indent="-150328" algn="l" rtl="0" eaLnBrk="0" fontAlgn="base" hangingPunct="0">
-              <a:spcBef>
-                <a:spcPts val="170"/>
-              </a:spcBef>
-              <a:spcAft>
-                <a:spcPct val="0"/>
-              </a:spcAft>
-              <a:buClr>
-                <a:schemeClr val="accent4"/>
-              </a:buClr>
-              <a:buFont typeface="Wingdings" pitchFamily="2" charset="2"/>
-              <a:buChar char="§"/>
-              <a:defRPr sz="1600" kern="1200">
-                <a:solidFill>
-                  <a:schemeClr val="bg1"/>
-                </a:solidFill>
-                <a:latin typeface="+mn-lt"/>
-                <a:ea typeface="+mn-ea"/>
-                <a:cs typeface="+mn-cs"/>
-              </a:defRPr>
-            </a:lvl3pPr>
-            <a:lvl4pPr marL="923444" indent="-144192" algn="l" rtl="0" eaLnBrk="0" fontAlgn="base" hangingPunct="0">
-              <a:spcBef>
-                <a:spcPts val="170"/>
-              </a:spcBef>
-              <a:spcAft>
-                <a:spcPct val="0"/>
-              </a:spcAft>
-              <a:buClr>
-                <a:schemeClr val="bg2"/>
-              </a:buClr>
-              <a:buFont typeface="Wingdings" pitchFamily="2" charset="2"/>
-              <a:buChar char="§"/>
-              <a:defRPr sz="1600" kern="1200">
-                <a:solidFill>
-                  <a:schemeClr val="bg1"/>
-                </a:solidFill>
-                <a:latin typeface="+mn-lt"/>
-                <a:ea typeface="+mn-ea"/>
-                <a:cs typeface="+mn-cs"/>
-              </a:defRPr>
-            </a:lvl4pPr>
-            <a:lvl5pPr marL="2706" indent="4059" algn="l" rtl="0" eaLnBrk="0" fontAlgn="base" hangingPunct="0">
-              <a:spcBef>
-                <a:spcPts val="170"/>
-              </a:spcBef>
-              <a:spcAft>
-                <a:spcPct val="0"/>
-              </a:spcAft>
-              <a:defRPr sz="900" kern="1200">
-                <a:solidFill>
-                  <a:schemeClr val="bg2"/>
-                </a:solidFill>
-                <a:latin typeface="+mn-lt"/>
-                <a:ea typeface="+mn-ea"/>
-                <a:cs typeface="+mn-cs"/>
-              </a:defRPr>
-            </a:lvl5pPr>
-            <a:lvl6pPr marL="2142942" indent="-194813" algn="l" defTabSz="779252" rtl="0" eaLnBrk="1" latinLnBrk="0" hangingPunct="1">
-              <a:spcBef>
-                <a:spcPct val="20000"/>
-              </a:spcBef>
-              <a:buFont typeface="Arial" pitchFamily="34" charset="0"/>
-              <a:buChar char="•"/>
-              <a:defRPr sz="1700" kern="1200">
-                <a:solidFill>
-                  <a:schemeClr val="tx1"/>
-                </a:solidFill>
-                <a:latin typeface="+mn-lt"/>
-                <a:ea typeface="+mn-ea"/>
-                <a:cs typeface="+mn-cs"/>
-              </a:defRPr>
-            </a:lvl6pPr>
-            <a:lvl7pPr marL="2532568" indent="-194813" algn="l" defTabSz="779252" rtl="0" eaLnBrk="1" latinLnBrk="0" hangingPunct="1">
-              <a:spcBef>
-                <a:spcPct val="20000"/>
-              </a:spcBef>
-              <a:buFont typeface="Arial" pitchFamily="34" charset="0"/>
-              <a:buChar char="•"/>
-              <a:defRPr sz="1700" kern="1200">
-                <a:solidFill>
-                  <a:schemeClr val="tx1"/>
-                </a:solidFill>
-                <a:latin typeface="+mn-lt"/>
-                <a:ea typeface="+mn-ea"/>
-                <a:cs typeface="+mn-cs"/>
-              </a:defRPr>
-            </a:lvl7pPr>
-            <a:lvl8pPr marL="2922194" indent="-194813" algn="l" defTabSz="779252" rtl="0" eaLnBrk="1" latinLnBrk="0" hangingPunct="1">
-              <a:spcBef>
-                <a:spcPct val="20000"/>
-              </a:spcBef>
-              <a:buFont typeface="Arial" pitchFamily="34" charset="0"/>
-              <a:buChar char="•"/>
-              <a:defRPr sz="1700" kern="1200">
-                <a:solidFill>
-                  <a:schemeClr val="tx1"/>
-                </a:solidFill>
-                <a:latin typeface="+mn-lt"/>
-                <a:ea typeface="+mn-ea"/>
-                <a:cs typeface="+mn-cs"/>
-              </a:defRPr>
-            </a:lvl8pPr>
-            <a:lvl9pPr marL="3311820" indent="-194813" algn="l" defTabSz="779252" rtl="0" eaLnBrk="1" latinLnBrk="0" hangingPunct="1">
-              <a:spcBef>
-                <a:spcPct val="20000"/>
-              </a:spcBef>
-              <a:buFont typeface="Arial" pitchFamily="34" charset="0"/>
-              <a:buChar char="•"/>
-              <a:defRPr sz="1700" kern="1200">
-                <a:solidFill>
-                  <a:schemeClr val="tx1"/>
-                </a:solidFill>
-                <a:latin typeface="+mn-lt"/>
-                <a:ea typeface="+mn-ea"/>
-                <a:cs typeface="+mn-cs"/>
-              </a:defRPr>
-            </a:lvl9pPr>
-          </a:lstStyle>
-          <a:p>
-            <a:pPr marL="531813" lvl="1" indent="-171450">
-              <a:buFont typeface="Wingdings" panose="05000000000000000000" pitchFamily="2" charset="2"/>
-              <a:buChar char="ü"/>
-            </a:pPr>
-            <a:endParaRPr lang="en-US" sz="1100" b="1" dirty="0">
-              <a:solidFill>
-                <a:schemeClr val="bg1">
-                  <a:lumMod val="75000"/>
-                  <a:lumOff val="25000"/>
-                </a:schemeClr>
-              </a:solidFill>
-            </a:endParaRPr>
-          </a:p>
-          <a:p>
-            <a:pPr marL="360363" lvl="1" indent="0" algn="r">
-              <a:buNone/>
-            </a:pPr>
-            <a:r>
-              <a:rPr lang="en-US" sz="1000" dirty="0">
-                <a:solidFill>
-                  <a:schemeClr val="bg1">
-                    <a:lumMod val="75000"/>
-                    <a:lumOff val="25000"/>
-                  </a:schemeClr>
-                </a:solidFill>
-                <a:hlinkClick r:id="rId9"/>
-              </a:rPr>
-              <a:t>https://share.streamlit.io/madeslaurence/openclassrooms-scoring/main/PPAD_05_dashboard.py</a:t>
-            </a:r>
-            <a:endParaRPr lang="fr-FR" sz="1000" dirty="0">
-              <a:solidFill>
-                <a:srgbClr val="FF0000"/>
-              </a:solidFill>
-            </a:endParaRPr>
-          </a:p>
-        </p:txBody>
-      </p:sp>
-    </p:spTree>
-    <p:extLst>
-      <p:ext uri="{BB962C8B-B14F-4D97-AF65-F5344CB8AC3E}">
-        <p14:creationId xmlns:p14="http://schemas.microsoft.com/office/powerpoint/2010/main" val="2430442757"/>
-      </p:ext>
-    </p:extLst>
-  </p:cSld>
-  <p:clrMapOvr>
-    <a:masterClrMapping/>
-  </p:clrMapOvr>
-  <mc:AlternateContent xmlns:mc="http://schemas.openxmlformats.org/markup-compatibility/2006" xmlns:p14="http://schemas.microsoft.com/office/powerpoint/2010/main">
-    <mc:Choice Requires="p14">
-      <p:transition p14:dur="0"/>
-    </mc:Choice>
-    <mc:Fallback xmlns="">
-      <p:transition/>
-    </mc:Fallback>
-  </mc:AlternateContent>
-</p:sld>
-</file>
-
-<file path=ppt/slides/slide17.xml><?xml version="1.0" encoding="utf-8"?>
-<p:sld xmlns:a="http://schemas.openxmlformats.org/drawingml/2006/main" xmlns:r="http://schemas.openxmlformats.org/officeDocument/2006/relationships" xmlns:p="http://schemas.openxmlformats.org/presentationml/2006/main">
-  <p:cSld>
-    <p:spTree>
-      <p:nvGrpSpPr>
-        <p:cNvPr id="1" name=""/>
-        <p:cNvGrpSpPr/>
-        <p:nvPr/>
-      </p:nvGrpSpPr>
-      <p:grpSpPr>
-        <a:xfrm>
-          <a:off x="0" y="0"/>
-          <a:ext cx="0" cy="0"/>
-          <a:chOff x="0" y="0"/>
-          <a:chExt cx="0" cy="0"/>
-        </a:xfrm>
-      </p:grpSpPr>
-      <p:graphicFrame>
-        <p:nvGraphicFramePr>
-          <p:cNvPr id="2" name="Object 1" hidden="1"/>
-          <p:cNvGraphicFramePr>
-            <a:graphicFrameLocks noChangeAspect="1"/>
-          </p:cNvGraphicFramePr>
-          <p:nvPr>
-            <p:custDataLst>
-              <p:tags r:id="rId2"/>
-            </p:custDataLst>
-          </p:nvPr>
-        </p:nvGraphicFramePr>
-        <p:xfrm>
-          <a:off x="1466" y="1192"/>
-          <a:ext cx="1465" cy="1190"/>
-        </p:xfrm>
-        <a:graphic>
-          <a:graphicData uri="http://schemas.openxmlformats.org/presentationml/2006/ole">
-            <mc:AlternateContent xmlns:mc="http://schemas.openxmlformats.org/markup-compatibility/2006">
-              <mc:Choice xmlns:v="urn:schemas-microsoft-com:vml" Requires="v">
-                <p:oleObj spid="_x0000_s50252" name="think-cell Slide" r:id="rId5" imgW="270" imgH="270" progId="TCLayout.ActiveDocument.1">
+                <p:oleObj spid="_x0000_s50255" name="think-cell Slide" r:id="rId5" imgW="270" imgH="270" progId="TCLayout.ActiveDocument.1">
                   <p:embed/>
                 </p:oleObj>
               </mc:Choice>
@@ -11683,8 +11202,8 @@
         </p:nvSpPr>
         <p:spPr bwMode="auto">
           <a:xfrm>
-            <a:off x="342106" y="1086984"/>
-            <a:ext cx="8459788" cy="3106539"/>
+            <a:off x="342106" y="1054563"/>
+            <a:ext cx="8459788" cy="2883363"/>
           </a:xfrm>
           <a:prstGeom prst="rect">
             <a:avLst/>
@@ -11899,20 +11418,6 @@
             </a:r>
           </a:p>
           <a:p>
-            <a:pPr marL="531813" lvl="1" indent="-171450">
-              <a:buFont typeface="Wingdings" panose="05000000000000000000" pitchFamily="2" charset="2"/>
-              <a:buChar char="ü"/>
-            </a:pPr>
-            <a:endParaRPr lang="fr-FR" sz="1100" dirty="0">
-              <a:solidFill>
-                <a:schemeClr val="bg1">
-                  <a:lumMod val="75000"/>
-                  <a:lumOff val="25000"/>
-                </a:schemeClr>
-              </a:solidFill>
-            </a:endParaRPr>
-          </a:p>
-          <a:p>
             <a:pPr marL="847809" lvl="2" indent="-171450">
               <a:buFont typeface="Wingdings" panose="05000000000000000000" pitchFamily="2" charset="2"/>
               <a:buChar char="ü"/>
@@ -11978,20 +11483,6 @@
             </a:r>
           </a:p>
           <a:p>
-            <a:pPr marL="531813" lvl="1" indent="-171450">
-              <a:buFont typeface="Wingdings" panose="05000000000000000000" pitchFamily="2" charset="2"/>
-              <a:buChar char="ü"/>
-            </a:pPr>
-            <a:endParaRPr lang="fr-FR" sz="1100" dirty="0">
-              <a:solidFill>
-                <a:schemeClr val="bg1">
-                  <a:lumMod val="75000"/>
-                  <a:lumOff val="25000"/>
-                </a:schemeClr>
-              </a:solidFill>
-            </a:endParaRPr>
-          </a:p>
-          <a:p>
             <a:pPr marL="847809" lvl="2" indent="-171450">
               <a:buFont typeface="Wingdings" panose="05000000000000000000" pitchFamily="2" charset="2"/>
               <a:buChar char="ü"/>
@@ -12086,12 +11577,6 @@
               </a:rPr>
               <a:t>Améliorations</a:t>
             </a:r>
-          </a:p>
-          <a:p>
-            <a:pPr marL="531813" lvl="1" indent="-171450">
-              <a:buFont typeface="Wingdings" panose="05000000000000000000" pitchFamily="2" charset="2"/>
-              <a:buChar char="ü"/>
-            </a:pPr>
             <a:endParaRPr lang="fr-FR" sz="1100" b="0" dirty="0">
               <a:solidFill>
                 <a:schemeClr val="bg1">
@@ -12115,7 +11600,29 @@
                   </a:schemeClr>
                 </a:solidFill>
               </a:rPr>
-              <a:t>Entraîner le modèle sur plus d’individus pour mieux généraliser</a:t>
+              <a:t>Entraîner le modèle sur plus d’individus pour mieux généraliser (</a:t>
+            </a:r>
+            <a:r>
+              <a:rPr lang="fr-FR" sz="1100" dirty="0">
+                <a:solidFill>
+                  <a:schemeClr val="bg1">
+                    <a:lumMod val="75000"/>
+                    <a:lumOff val="25000"/>
+                  </a:schemeClr>
+                </a:solidFill>
+              </a:rPr>
+              <a:t>Coût global</a:t>
+            </a:r>
+            <a:r>
+              <a:rPr lang="fr-FR" sz="1100" b="0" dirty="0">
+                <a:solidFill>
+                  <a:schemeClr val="bg1">
+                    <a:lumMod val="75000"/>
+                    <a:lumOff val="25000"/>
+                  </a:schemeClr>
+                </a:solidFill>
+              </a:rPr>
+              <a:t> ~ 18 M€)</a:t>
             </a:r>
           </a:p>
           <a:p>
@@ -12198,31 +11705,33 @@
         </p:nvSpPr>
         <p:spPr>
           <a:xfrm>
-            <a:off x="341423" y="4302524"/>
-            <a:ext cx="8460471" cy="221681"/>
+            <a:off x="341423" y="4151510"/>
+            <a:ext cx="8460471" cy="372696"/>
           </a:xfrm>
           <a:prstGeom prst="rect">
             <a:avLst/>
           </a:prstGeom>
-          <a:noFill/>
+          <a:solidFill>
+            <a:schemeClr val="tx2"/>
+          </a:solidFill>
         </p:spPr>
         <p:txBody>
-          <a:bodyPr wrap="square" lIns="0" tIns="0" rIns="0" bIns="0" rtlCol="0">
+          <a:bodyPr wrap="square" lIns="0" tIns="0" rIns="0" bIns="0" rtlCol="0" anchor="ctr">
             <a:noAutofit/>
           </a:bodyPr>
           <a:lstStyle/>
           <a:p>
-            <a:pPr marL="0" lvl="2" algn="r"/>
+            <a:pPr marL="0" lvl="2" algn="ctr"/>
             <a:r>
-              <a:rPr lang="fr-FR" sz="1000" u="sng" dirty="0">
+              <a:rPr lang="fr-FR" sz="1400" u="sng" dirty="0">
                 <a:solidFill>
                   <a:srgbClr val="0070C0"/>
                 </a:solidFill>
                 <a:hlinkClick r:id="rId7"/>
               </a:rPr>
-              <a:t>https://github.com/MadesLaurence/OpenClassrooms-Scoring</a:t>
+              <a:t>Lien vers GitHub repository</a:t>
             </a:r>
-            <a:endParaRPr lang="fr-FR" sz="1000" b="1" u="sng" dirty="0">
+            <a:endParaRPr lang="fr-FR" sz="1400" b="1" u="sng" dirty="0">
               <a:solidFill>
                 <a:srgbClr val="0070C0"/>
               </a:solidFill>
@@ -12251,7 +11760,7 @@
 </p:sld>
 </file>
 
-<file path=ppt/slides/slide18.xml><?xml version="1.0" encoding="utf-8"?>
+<file path=ppt/slides/slide16.xml><?xml version="1.0" encoding="utf-8"?>
 <p:sld xmlns:a="http://schemas.openxmlformats.org/drawingml/2006/main" xmlns:r="http://schemas.openxmlformats.org/officeDocument/2006/relationships" xmlns:p="http://schemas.openxmlformats.org/presentationml/2006/main">
   <p:cSld>
     <p:spTree>
@@ -12288,7 +11797,7 @@
           <a:graphicData uri="http://schemas.openxmlformats.org/presentationml/2006/ole">
             <mc:AlternateContent xmlns:mc="http://schemas.openxmlformats.org/markup-compatibility/2006">
               <mc:Choice xmlns:v="urn:schemas-microsoft-com:vml" Requires="v">
-                <p:oleObj spid="_x0000_s22197" name="think-cell Slide" r:id="rId5" imgW="270" imgH="270" progId="TCLayout.ActiveDocument.1">
+                <p:oleObj spid="_x0000_s22200" name="think-cell Slide" r:id="rId5" imgW="270" imgH="270" progId="TCLayout.ActiveDocument.1">
                   <p:embed/>
                 </p:oleObj>
               </mc:Choice>
@@ -12419,7 +11928,7 @@
 </p:sld>
 </file>
 
-<file path=ppt/slides/slide19.xml><?xml version="1.0" encoding="utf-8"?>
+<file path=ppt/slides/slide17.xml><?xml version="1.0" encoding="utf-8"?>
 <p:sld xmlns:a="http://schemas.openxmlformats.org/drawingml/2006/main" xmlns:r="http://schemas.openxmlformats.org/officeDocument/2006/relationships" xmlns:p="http://schemas.openxmlformats.org/presentationml/2006/main">
   <p:cSld>
     <p:spTree>
@@ -12456,7 +11965,7 @@
           <a:graphicData uri="http://schemas.openxmlformats.org/presentationml/2006/ole">
             <mc:AlternateContent xmlns:mc="http://schemas.openxmlformats.org/markup-compatibility/2006">
               <mc:Choice xmlns:v="urn:schemas-microsoft-com:vml" Requires="v">
-                <p:oleObj spid="_x0000_s15030" name="think-cell Slide" r:id="rId5" imgW="270" imgH="270" progId="TCLayout.ActiveDocument.1">
+                <p:oleObj spid="_x0000_s15033" name="think-cell Slide" r:id="rId5" imgW="270" imgH="270" progId="TCLayout.ActiveDocument.1">
                   <p:embed/>
                 </p:oleObj>
               </mc:Choice>
@@ -12552,14 +12061,14 @@
           <p:nvPr>
             <p:extLst>
               <p:ext uri="{D42A27DB-BD31-4B8C-83A1-F6EECF244321}">
-                <p14:modId xmlns:p14="http://schemas.microsoft.com/office/powerpoint/2010/main" val="3762888201"/>
+                <p14:modId xmlns:p14="http://schemas.microsoft.com/office/powerpoint/2010/main" val="1176138862"/>
               </p:ext>
             </p:extLst>
           </p:nvPr>
         </p:nvGraphicFramePr>
         <p:xfrm>
-          <a:off x="757489" y="1348294"/>
-          <a:ext cx="7724809" cy="2499360"/>
+          <a:off x="457138" y="967851"/>
+          <a:ext cx="8407535" cy="3048000"/>
         </p:xfrm>
         <a:graphic>
           <a:graphicData uri="http://schemas.openxmlformats.org/drawingml/2006/table">
@@ -12568,14 +12077,14 @@
                 <a:tableStyleId>{00A15C55-8517-42AA-B614-E9B94910E393}</a:tableStyleId>
               </a:tblPr>
               <a:tblGrid>
-                <a:gridCol w="2371902">
+                <a:gridCol w="2610168">
                   <a:extLst>
                     <a:ext uri="{9D8B030D-6E8A-4147-A177-3AD203B41FA5}">
                       <a16:colId xmlns:a16="http://schemas.microsoft.com/office/drawing/2014/main" val="3637608875"/>
                     </a:ext>
                   </a:extLst>
                 </a:gridCol>
-                <a:gridCol w="2324458">
+                <a:gridCol w="2768918">
                   <a:extLst>
                     <a:ext uri="{9D8B030D-6E8A-4147-A177-3AD203B41FA5}">
                       <a16:colId xmlns:a16="http://schemas.microsoft.com/office/drawing/2014/main" val="301059068"/>
@@ -12597,20 +12106,20 @@
                     <a:lstStyle/>
                     <a:p>
                       <a:r>
-                        <a:rPr lang="fr-FR" sz="600" dirty="0"/>
+                        <a:rPr lang="fr-FR" sz="800" dirty="0"/>
                         <a:t>Compétition « Home </a:t>
                       </a:r>
                       <a:r>
-                        <a:rPr lang="fr-FR" sz="600" dirty="0" err="1"/>
+                        <a:rPr lang="fr-FR" sz="800" dirty="0" err="1"/>
                         <a:t>Credit</a:t>
                       </a:r>
                       <a:r>
-                        <a:rPr lang="fr-FR" sz="600" dirty="0"/>
+                        <a:rPr lang="fr-FR" sz="800" dirty="0"/>
                         <a:t> Default Risk »</a:t>
                       </a:r>
                     </a:p>
                     <a:p>
-                      <a:endParaRPr lang="fr-FR" sz="600" dirty="0"/>
+                      <a:endParaRPr lang="fr-FR" sz="800" dirty="0"/>
                     </a:p>
                   </a:txBody>
                   <a:tcPr/>
@@ -12621,7 +12130,7 @@
                     <a:lstStyle/>
                     <a:p>
                       <a:r>
-                        <a:rPr lang="fr-FR" sz="600" dirty="0"/>
+                        <a:rPr lang="fr-FR" sz="800" dirty="0"/>
                         <a:t>Analyse Exploratoire des Données</a:t>
                       </a:r>
                     </a:p>
@@ -12634,15 +12143,15 @@
                     <a:lstStyle/>
                     <a:p>
                       <a:r>
-                        <a:rPr lang="fr-FR" sz="600" dirty="0"/>
+                        <a:rPr lang="fr-FR" sz="800" dirty="0"/>
                         <a:t>« </a:t>
                       </a:r>
                       <a:r>
-                        <a:rPr lang="fr-FR" sz="600" dirty="0" err="1"/>
+                        <a:rPr lang="fr-FR" sz="800" dirty="0" err="1"/>
                         <a:t>Feature</a:t>
                       </a:r>
                       <a:r>
-                        <a:rPr lang="fr-FR" sz="600" dirty="0"/>
+                        <a:rPr lang="fr-FR" sz="800" dirty="0"/>
                         <a:t> engineering »</a:t>
                       </a:r>
                     </a:p>
@@ -12679,7 +12188,7 @@
                         <a:defRPr/>
                       </a:pPr>
                       <a:r>
-                        <a:rPr lang="fr-FR" sz="700" b="1" i="0" kern="1200" cap="all" dirty="0">
+                        <a:rPr lang="fr-FR" sz="800" b="1" i="0" kern="1200" cap="all" dirty="0">
                           <a:solidFill>
                             <a:schemeClr val="dk1"/>
                           </a:solidFill>
@@ -12710,7 +12219,7 @@
                         <a:defRPr/>
                       </a:pPr>
                       <a:r>
-                        <a:rPr lang="fr-FR" sz="600" i="0" dirty="0">
+                        <a:rPr lang="fr-FR" sz="800" i="0" dirty="0">
                           <a:solidFill>
                             <a:schemeClr val="bg1"/>
                           </a:solidFill>
@@ -12718,7 +12227,7 @@
                         <a:t>Start </a:t>
                       </a:r>
                       <a:r>
-                        <a:rPr lang="fr-FR" sz="600" i="0" dirty="0" err="1">
+                        <a:rPr lang="fr-FR" sz="800" i="0" dirty="0" err="1">
                           <a:solidFill>
                             <a:schemeClr val="bg1"/>
                           </a:solidFill>
@@ -12726,7 +12235,7 @@
                         <a:t>Here</a:t>
                       </a:r>
                       <a:r>
-                        <a:rPr lang="fr-FR" sz="600" i="0" dirty="0">
+                        <a:rPr lang="fr-FR" sz="800" i="0" dirty="0">
                           <a:solidFill>
                             <a:schemeClr val="bg1"/>
                           </a:solidFill>
@@ -12734,7 +12243,7 @@
                         <a:t>: A </a:t>
                       </a:r>
                       <a:r>
-                        <a:rPr lang="fr-FR" sz="600" i="0" dirty="0" err="1">
+                        <a:rPr lang="fr-FR" sz="800" i="0" dirty="0" err="1">
                           <a:solidFill>
                             <a:schemeClr val="bg1"/>
                           </a:solidFill>
@@ -12742,7 +12251,7 @@
                         <a:t>Gentle</a:t>
                       </a:r>
                       <a:r>
-                        <a:rPr lang="fr-FR" sz="600" i="0" dirty="0">
+                        <a:rPr lang="fr-FR" sz="800" i="0" dirty="0">
                           <a:solidFill>
                             <a:schemeClr val="bg1"/>
                           </a:solidFill>
@@ -12769,7 +12278,7 @@
                         <a:defRPr/>
                       </a:pPr>
                       <a:r>
-                        <a:rPr lang="fr-FR" sz="600" b="0" i="0" dirty="0">
+                        <a:rPr lang="fr-FR" sz="800" b="0" i="0" dirty="0">
                           <a:solidFill>
                             <a:schemeClr val="bg1"/>
                           </a:solidFill>
@@ -12777,7 +12286,7 @@
                         <a:t>Introduction to Manual </a:t>
                       </a:r>
                       <a:r>
-                        <a:rPr lang="fr-FR" sz="600" b="0" i="0" dirty="0" err="1">
+                        <a:rPr lang="fr-FR" sz="800" b="0" i="0" dirty="0" err="1">
                           <a:solidFill>
                             <a:schemeClr val="bg1"/>
                           </a:solidFill>
@@ -12785,7 +12294,7 @@
                         <a:t>Feature</a:t>
                       </a:r>
                       <a:r>
-                        <a:rPr lang="fr-FR" sz="600" b="0" i="0" dirty="0">
+                        <a:rPr lang="fr-FR" sz="800" b="0" i="0" dirty="0">
                           <a:solidFill>
                             <a:schemeClr val="bg1"/>
                           </a:solidFill>
@@ -12812,7 +12321,7 @@
                         <a:defRPr/>
                       </a:pPr>
                       <a:r>
-                        <a:rPr lang="en-US" sz="600" b="0" i="0" kern="1200" dirty="0">
+                        <a:rPr lang="en-US" sz="800" b="0" i="0" kern="1200" dirty="0">
                           <a:solidFill>
                             <a:schemeClr val="bg1"/>
                           </a:solidFill>
@@ -12842,7 +12351,7 @@
                         <a:defRPr/>
                       </a:pPr>
                       <a:r>
-                        <a:rPr lang="fr-FR" sz="600" b="0" i="0" kern="1200" dirty="0">
+                        <a:rPr lang="fr-FR" sz="800" b="0" i="0" kern="1200" dirty="0">
                           <a:solidFill>
                             <a:schemeClr val="bg1"/>
                           </a:solidFill>
@@ -12853,7 +12362,7 @@
                         <a:t>Introduction: </a:t>
                       </a:r>
                       <a:r>
-                        <a:rPr lang="fr-FR" sz="600" b="0" i="0" kern="1200" dirty="0" err="1">
+                        <a:rPr lang="fr-FR" sz="800" b="0" i="0" kern="1200" dirty="0" err="1">
                           <a:solidFill>
                             <a:schemeClr val="bg1"/>
                           </a:solidFill>
@@ -12864,7 +12373,7 @@
                         <a:t>Feature</a:t>
                       </a:r>
                       <a:r>
-                        <a:rPr lang="fr-FR" sz="600" b="0" i="0" kern="1200" dirty="0">
+                        <a:rPr lang="fr-FR" sz="800" b="0" i="0" kern="1200" dirty="0">
                           <a:solidFill>
                             <a:schemeClr val="bg1"/>
                           </a:solidFill>
@@ -12875,7 +12384,7 @@
                         <a:t> </a:t>
                       </a:r>
                       <a:r>
-                        <a:rPr lang="fr-FR" sz="600" b="0" i="0" kern="1200" dirty="0" err="1">
+                        <a:rPr lang="fr-FR" sz="800" b="0" i="0" kern="1200" dirty="0" err="1">
                           <a:solidFill>
                             <a:schemeClr val="bg1"/>
                           </a:solidFill>
@@ -12885,7 +12394,7 @@
                         </a:rPr>
                         <a:t>Selection</a:t>
                       </a:r>
-                      <a:endParaRPr lang="fr-FR" sz="600" i="0" dirty="0">
+                      <a:endParaRPr lang="fr-FR" sz="800" i="0" dirty="0">
                         <a:solidFill>
                           <a:schemeClr val="bg1"/>
                         </a:solidFill>
@@ -12921,7 +12430,7 @@
                         <a:defRPr/>
                       </a:pPr>
                       <a:r>
-                        <a:rPr lang="fr-FR" sz="600" b="0" i="0" kern="1200" dirty="0">
+                        <a:rPr lang="fr-FR" sz="800" b="0" i="0" kern="1200" dirty="0">
                           <a:solidFill>
                             <a:schemeClr val="bg1"/>
                           </a:solidFill>
@@ -12951,7 +12460,7 @@
                         <a:defRPr/>
                       </a:pPr>
                       <a:r>
-                        <a:rPr lang="fr-FR" sz="600" b="0" i="0" kern="1200" dirty="0">
+                        <a:rPr lang="fr-FR" sz="800" b="0" i="0" kern="1200" dirty="0">
                           <a:solidFill>
                             <a:schemeClr val="bg1"/>
                           </a:solidFill>
@@ -12981,7 +12490,7 @@
                         <a:defRPr/>
                       </a:pPr>
                       <a:r>
-                        <a:rPr lang="fr-FR" sz="600" b="0" i="0" kern="1200" dirty="0">
+                        <a:rPr lang="fr-FR" sz="800" b="0" i="0" kern="1200" dirty="0">
                           <a:solidFill>
                             <a:schemeClr val="bg1"/>
                           </a:solidFill>
@@ -12994,7 +12503,7 @@
                     </a:p>
                     <a:p>
                       <a:pPr algn="l"/>
-                      <a:endParaRPr lang="fr-FR" sz="600" b="0" i="0" kern="1200" dirty="0">
+                      <a:endParaRPr lang="fr-FR" sz="800" b="0" i="0" kern="1200" dirty="0">
                         <a:solidFill>
                           <a:schemeClr val="bg1"/>
                         </a:solidFill>
@@ -13033,7 +12542,7 @@
                         <a:defRPr/>
                       </a:pPr>
                       <a:r>
-                        <a:rPr lang="fr-FR" sz="600" b="0" i="0" kern="1200" dirty="0">
+                        <a:rPr lang="fr-FR" sz="800" b="0" i="0" kern="1200" dirty="0">
                           <a:solidFill>
                             <a:schemeClr val="bg1"/>
                           </a:solidFill>
@@ -13063,7 +12572,7 @@
                         <a:defRPr/>
                       </a:pPr>
                       <a:r>
-                        <a:rPr lang="fr-FR" sz="600" i="0" kern="1200" dirty="0">
+                        <a:rPr lang="fr-FR" sz="800" i="0" kern="1200" dirty="0">
                           <a:solidFill>
                             <a:schemeClr val="bg1"/>
                           </a:solidFill>
@@ -13093,7 +12602,7 @@
                         <a:defRPr/>
                       </a:pPr>
                       <a:r>
-                        <a:rPr lang="fr-FR" sz="600" i="0" kern="1200" dirty="0">
+                        <a:rPr lang="fr-FR" sz="800" i="0" kern="1200" dirty="0">
                           <a:solidFill>
                             <a:schemeClr val="bg1"/>
                           </a:solidFill>
@@ -13123,7 +12632,7 @@
                         <a:defRPr/>
                       </a:pPr>
                       <a:r>
-                        <a:rPr lang="fr-FR" sz="600" i="0" kern="1200" dirty="0" err="1">
+                        <a:rPr lang="fr-FR" sz="800" i="0" kern="1200" dirty="0" err="1">
                           <a:solidFill>
                             <a:schemeClr val="bg1"/>
                           </a:solidFill>
@@ -13134,7 +12643,7 @@
                         <a:t>Featuring</a:t>
                       </a:r>
                       <a:r>
-                        <a:rPr lang="fr-FR" sz="600" i="0" kern="1200" dirty="0">
+                        <a:rPr lang="fr-FR" sz="800" i="0" kern="1200" dirty="0">
                           <a:solidFill>
                             <a:schemeClr val="bg1"/>
                           </a:solidFill>
@@ -13164,7 +12673,7 @@
                         <a:defRPr/>
                       </a:pPr>
                       <a:r>
-                        <a:rPr lang="fr-FR" sz="600" i="0" kern="1200" dirty="0" err="1">
+                        <a:rPr lang="fr-FR" sz="800" i="0" kern="1200" dirty="0" err="1">
                           <a:solidFill>
                             <a:schemeClr val="bg1"/>
                           </a:solidFill>
@@ -13175,7 +12684,7 @@
                         <a:t>Featuring</a:t>
                       </a:r>
                       <a:r>
-                        <a:rPr lang="fr-FR" sz="600" i="0" kern="1200" dirty="0">
+                        <a:rPr lang="fr-FR" sz="800" i="0" kern="1200" dirty="0">
                           <a:solidFill>
                             <a:schemeClr val="bg1"/>
                           </a:solidFill>
@@ -13186,7 +12695,7 @@
                         <a:t> par </a:t>
                       </a:r>
                       <a:r>
-                        <a:rPr lang="fr-FR" sz="600" i="0" kern="1200" dirty="0" err="1">
+                        <a:rPr lang="fr-FR" sz="800" i="0" kern="1200" dirty="0" err="1">
                           <a:solidFill>
                             <a:schemeClr val="bg1"/>
                           </a:solidFill>
@@ -13196,7 +12705,7 @@
                         </a:rPr>
                         <a:t>agrégrats</a:t>
                       </a:r>
-                      <a:endParaRPr lang="fr-FR" sz="600" i="0" kern="1200" dirty="0">
+                      <a:endParaRPr lang="fr-FR" sz="800" i="0" kern="1200" dirty="0">
                         <a:solidFill>
                           <a:schemeClr val="bg1"/>
                         </a:solidFill>
@@ -13242,7 +12751,7 @@
                         <a:defRPr/>
                       </a:pPr>
                       <a:r>
-                        <a:rPr lang="fr-FR" sz="700" b="1" i="0" kern="1200" cap="all" dirty="0">
+                        <a:rPr lang="fr-FR" sz="800" b="1" i="0" kern="1200" cap="all" dirty="0">
                           <a:solidFill>
                             <a:schemeClr val="dk1"/>
                           </a:solidFill>
@@ -13273,7 +12782,7 @@
                         <a:defRPr/>
                       </a:pPr>
                       <a:r>
-                        <a:rPr lang="fr-FR" sz="600" b="0" i="0" dirty="0" err="1">
+                        <a:rPr lang="fr-FR" sz="800" b="0" i="0" dirty="0" err="1">
                           <a:solidFill>
                             <a:schemeClr val="bg1"/>
                           </a:solidFill>
@@ -13281,7 +12790,7 @@
                         <a:t>Automated</a:t>
                       </a:r>
                       <a:r>
-                        <a:rPr lang="fr-FR" sz="600" b="0" i="0" dirty="0">
+                        <a:rPr lang="fr-FR" sz="800" b="0" i="0" dirty="0">
                           <a:solidFill>
                             <a:schemeClr val="bg1"/>
                           </a:solidFill>
@@ -13289,7 +12798,7 @@
                         <a:t> </a:t>
                       </a:r>
                       <a:r>
-                        <a:rPr lang="fr-FR" sz="600" b="0" i="0" dirty="0" err="1">
+                        <a:rPr lang="fr-FR" sz="800" b="0" i="0" dirty="0" err="1">
                           <a:solidFill>
                             <a:schemeClr val="bg1"/>
                           </a:solidFill>
@@ -13297,7 +12806,7 @@
                         <a:t>Feature</a:t>
                       </a:r>
                       <a:r>
-                        <a:rPr lang="fr-FR" sz="600" b="0" i="0" dirty="0">
+                        <a:rPr lang="fr-FR" sz="800" b="0" i="0" dirty="0">
                           <a:solidFill>
                             <a:schemeClr val="bg1"/>
                           </a:solidFill>
@@ -13334,7 +12843,7 @@
                         <a:tabLst/>
                         <a:defRPr/>
                       </a:pPr>
-                      <a:endParaRPr lang="fr-FR" sz="600" b="0" i="0" kern="1200" dirty="0">
+                      <a:endParaRPr lang="fr-FR" sz="800" b="0" i="0" kern="1200" dirty="0">
                         <a:solidFill>
                           <a:schemeClr val="bg1"/>
                         </a:solidFill>
@@ -13373,7 +12882,7 @@
                         <a:defRPr/>
                       </a:pPr>
                       <a:r>
-                        <a:rPr lang="fr-FR" sz="600" b="0" i="0" kern="1200" dirty="0" err="1">
+                        <a:rPr lang="fr-FR" sz="800" b="0" i="0" kern="1200" dirty="0" err="1">
                           <a:solidFill>
                             <a:schemeClr val="bg1"/>
                           </a:solidFill>
@@ -13385,7 +12894,7 @@
                         <a:t>Deep</a:t>
                       </a:r>
                       <a:r>
-                        <a:rPr lang="fr-FR" sz="600" b="0" i="0" kern="1200" dirty="0">
+                        <a:rPr lang="fr-FR" sz="800" b="0" i="0" kern="1200" dirty="0">
                           <a:solidFill>
                             <a:schemeClr val="bg1"/>
                           </a:solidFill>
@@ -13397,7 +12906,7 @@
                         <a:t> </a:t>
                       </a:r>
                       <a:r>
-                        <a:rPr lang="fr-FR" sz="600" b="0" i="0" kern="1200" dirty="0" err="1">
+                        <a:rPr lang="fr-FR" sz="800" b="0" i="0" kern="1200" dirty="0" err="1">
                           <a:solidFill>
                             <a:schemeClr val="bg1"/>
                           </a:solidFill>
@@ -13409,7 +12918,7 @@
                         <a:t>Feature</a:t>
                       </a:r>
                       <a:r>
-                        <a:rPr lang="fr-FR" sz="600" b="0" i="0" kern="1200" dirty="0">
+                        <a:rPr lang="fr-FR" sz="800" b="0" i="0" kern="1200" dirty="0">
                           <a:solidFill>
                             <a:schemeClr val="bg1"/>
                           </a:solidFill>
@@ -13421,7 +12930,7 @@
                         <a:t> </a:t>
                       </a:r>
                       <a:r>
-                        <a:rPr lang="fr-FR" sz="600" b="0" i="0" kern="1200" dirty="0" err="1">
+                        <a:rPr lang="fr-FR" sz="800" b="0" i="0" kern="1200" dirty="0" err="1">
                           <a:solidFill>
                             <a:schemeClr val="bg1"/>
                           </a:solidFill>
@@ -13432,7 +12941,7 @@
                         </a:rPr>
                         <a:t>Synthesis</a:t>
                       </a:r>
-                      <a:endParaRPr lang="fr-FR" sz="600" b="0" i="0" kern="1200" dirty="0">
+                      <a:endParaRPr lang="fr-FR" sz="800" b="0" i="0" kern="1200" dirty="0">
                         <a:solidFill>
                           <a:schemeClr val="bg1"/>
                         </a:solidFill>
@@ -13479,14 +12988,14 @@
                         <a:defRPr/>
                       </a:pPr>
                       <a:r>
-                        <a:rPr lang="fr-FR" sz="600" b="1" i="0" dirty="0" err="1">
+                        <a:rPr lang="fr-FR" sz="800" b="1" i="0" dirty="0" err="1">
                           <a:solidFill>
                             <a:schemeClr val="bg1"/>
                           </a:solidFill>
                         </a:rPr>
                         <a:t>Aguiar</a:t>
                       </a:r>
-                      <a:endParaRPr lang="fr-FR" sz="600" b="1" i="0" dirty="0">
+                      <a:endParaRPr lang="fr-FR" sz="800" b="1" i="0" dirty="0">
                         <a:solidFill>
                           <a:schemeClr val="bg1"/>
                         </a:solidFill>
@@ -13495,7 +13004,7 @@
                     <a:p>
                       <a:pPr algn="l"/>
                       <a:r>
-                        <a:rPr lang="fr-FR" sz="600" i="0" dirty="0" err="1">
+                        <a:rPr lang="fr-FR" sz="800" i="0" dirty="0" err="1">
                           <a:solidFill>
                             <a:schemeClr val="bg1"/>
                           </a:solidFill>
@@ -13503,7 +13012,7 @@
                         <a:t>LightGBM</a:t>
                       </a:r>
                       <a:r>
-                        <a:rPr lang="fr-FR" sz="600" i="0" dirty="0">
+                        <a:rPr lang="fr-FR" sz="800" i="0" dirty="0">
                           <a:solidFill>
                             <a:schemeClr val="bg1"/>
                           </a:solidFill>
@@ -13511,7 +13020,7 @@
                         <a:t> </a:t>
                       </a:r>
                       <a:r>
-                        <a:rPr lang="fr-FR" sz="600" i="0" dirty="0" err="1">
+                        <a:rPr lang="fr-FR" sz="800" i="0" dirty="0" err="1">
                           <a:solidFill>
                             <a:schemeClr val="bg1"/>
                           </a:solidFill>
@@ -13519,7 +13028,7 @@
                         <a:t>with</a:t>
                       </a:r>
                       <a:r>
-                        <a:rPr lang="fr-FR" sz="600" i="0" dirty="0">
+                        <a:rPr lang="fr-FR" sz="800" i="0" dirty="0">
                           <a:solidFill>
                             <a:schemeClr val="bg1"/>
                           </a:solidFill>
@@ -13541,7 +13050,7 @@
                     <a:p>
                       <a:pPr algn="l"/>
                       <a:r>
-                        <a:rPr lang="fr-FR" sz="600" b="0" i="0" kern="1200" dirty="0">
+                        <a:rPr lang="fr-FR" sz="800" b="0" i="0" kern="1200" dirty="0">
                           <a:solidFill>
                             <a:schemeClr val="bg1"/>
                           </a:solidFill>
@@ -13582,7 +13091,7 @@
                         <a:defRPr/>
                       </a:pPr>
                       <a:r>
-                        <a:rPr lang="fr-FR" sz="600" b="0" i="0" dirty="0">
+                        <a:rPr lang="fr-FR" sz="800" b="0" i="0" dirty="0">
                           <a:solidFill>
                             <a:schemeClr val="bg1"/>
                           </a:solidFill>
@@ -13627,7 +13136,7 @@
                         <a:defRPr/>
                       </a:pPr>
                       <a:r>
-                        <a:rPr lang="fr-FR" sz="600" b="1" i="0" dirty="0">
+                        <a:rPr lang="fr-FR" sz="800" b="1" i="0" dirty="0">
                           <a:solidFill>
                             <a:schemeClr val="bg1"/>
                           </a:solidFill>
@@ -13654,7 +13163,7 @@
                         <a:defRPr/>
                       </a:pPr>
                       <a:r>
-                        <a:rPr lang="fr-FR" sz="600" b="0" i="0" dirty="0">
+                        <a:rPr lang="fr-FR" sz="800" b="0" i="0" dirty="0">
                           <a:solidFill>
                             <a:schemeClr val="bg1"/>
                           </a:solidFill>
@@ -13662,7 +13171,7 @@
                         <a:t>Home </a:t>
                       </a:r>
                       <a:r>
-                        <a:rPr lang="fr-FR" sz="600" b="0" i="0" dirty="0" err="1">
+                        <a:rPr lang="fr-FR" sz="800" b="0" i="0" dirty="0" err="1">
                           <a:solidFill>
                             <a:schemeClr val="bg1"/>
                           </a:solidFill>
@@ -13670,7 +13179,7 @@
                         <a:t>Credit</a:t>
                       </a:r>
                       <a:r>
-                        <a:rPr lang="fr-FR" sz="600" b="0" i="0" dirty="0">
+                        <a:rPr lang="fr-FR" sz="800" b="0" i="0" dirty="0">
                           <a:solidFill>
                             <a:schemeClr val="bg1"/>
                           </a:solidFill>
@@ -13678,7 +13187,7 @@
                         <a:t> : Complete EDA + </a:t>
                       </a:r>
                       <a:r>
-                        <a:rPr lang="fr-FR" sz="600" b="0" i="0" dirty="0" err="1">
+                        <a:rPr lang="fr-FR" sz="800" b="0" i="0" dirty="0" err="1">
                           <a:solidFill>
                             <a:schemeClr val="bg1"/>
                           </a:solidFill>
@@ -13686,7 +13195,7 @@
                         <a:t>Feature</a:t>
                       </a:r>
                       <a:r>
-                        <a:rPr lang="fr-FR" sz="600" b="0" i="0" dirty="0">
+                        <a:rPr lang="fr-FR" sz="800" b="0" i="0" dirty="0">
                           <a:solidFill>
                             <a:schemeClr val="bg1"/>
                           </a:solidFill>
@@ -13724,7 +13233,7 @@
                         <a:defRPr/>
                       </a:pPr>
                       <a:r>
-                        <a:rPr lang="fr-FR" sz="600" i="0" dirty="0">
+                        <a:rPr lang="fr-FR" sz="800" i="0" dirty="0">
                           <a:solidFill>
                             <a:schemeClr val="bg1"/>
                           </a:solidFill>
@@ -13732,7 +13241,7 @@
                         <a:t>sérieuse avec des visualisations (module </a:t>
                       </a:r>
                       <a:r>
-                        <a:rPr lang="fr-FR" sz="600" i="0" dirty="0" err="1">
+                        <a:rPr lang="fr-FR" sz="800" i="0" dirty="0" err="1">
                           <a:solidFill>
                             <a:schemeClr val="bg1"/>
                           </a:solidFill>
@@ -13740,7 +13249,7 @@
                         <a:t>plotly</a:t>
                       </a:r>
                       <a:r>
-                        <a:rPr lang="fr-FR" sz="600" i="0" dirty="0">
+                        <a:rPr lang="fr-FR" sz="800" i="0" dirty="0">
                           <a:solidFill>
                             <a:schemeClr val="bg1"/>
                           </a:solidFill>
@@ -13767,7 +13276,7 @@
                         <a:defRPr/>
                       </a:pPr>
                       <a:r>
-                        <a:rPr lang="fr-FR" sz="600" i="0" kern="1200" dirty="0" err="1">
+                        <a:rPr lang="fr-FR" sz="800" i="0" kern="1200" dirty="0" err="1">
                           <a:solidFill>
                             <a:schemeClr val="bg1"/>
                           </a:solidFill>
@@ -13778,7 +13287,7 @@
                         <a:t>application_train</a:t>
                       </a:r>
                       <a:r>
-                        <a:rPr lang="fr-FR" sz="600" i="0" kern="1200" dirty="0">
+                        <a:rPr lang="fr-FR" sz="800" i="0" kern="1200" dirty="0">
                           <a:solidFill>
                             <a:schemeClr val="bg1"/>
                           </a:solidFill>
@@ -13789,7 +13298,7 @@
                         <a:t>, </a:t>
                       </a:r>
                       <a:r>
-                        <a:rPr lang="fr-FR" sz="600" i="0" kern="1200" dirty="0" err="1">
+                        <a:rPr lang="fr-FR" sz="800" i="0" kern="1200" dirty="0" err="1">
                           <a:solidFill>
                             <a:schemeClr val="bg1"/>
                           </a:solidFill>
@@ -13799,7 +13308,7 @@
                         </a:rPr>
                         <a:t>previous_application</a:t>
                       </a:r>
-                      <a:endParaRPr lang="fr-FR" sz="600" i="0" kern="1200" dirty="0">
+                      <a:endParaRPr lang="fr-FR" sz="800" i="0" kern="1200" dirty="0">
                         <a:solidFill>
                           <a:schemeClr val="bg1"/>
                         </a:solidFill>
@@ -13838,7 +13347,7 @@
                         <a:defRPr/>
                       </a:pPr>
                       <a:r>
-                        <a:rPr lang="fr-FR" sz="600" i="0" kern="1200" dirty="0">
+                        <a:rPr lang="fr-FR" sz="800" i="0" kern="1200" dirty="0">
                           <a:solidFill>
                             <a:schemeClr val="bg1"/>
                           </a:solidFill>
@@ -13886,7 +13395,7 @@
                         <a:defRPr/>
                       </a:pPr>
                       <a:r>
-                        <a:rPr lang="fr-FR" sz="600" b="1" i="0" dirty="0">
+                        <a:rPr lang="fr-FR" sz="800" b="1" i="0" dirty="0">
                           <a:solidFill>
                             <a:schemeClr val="bg1"/>
                           </a:solidFill>
@@ -13913,7 +13422,7 @@
                         <a:defRPr/>
                       </a:pPr>
                       <a:r>
-                        <a:rPr lang="fr-FR" sz="600" b="0" i="0" dirty="0">
+                        <a:rPr lang="fr-FR" sz="800" b="0" i="0" dirty="0">
                           <a:solidFill>
                             <a:schemeClr val="bg1"/>
                           </a:solidFill>
@@ -13921,7 +13430,7 @@
                         <a:t>Home </a:t>
                       </a:r>
                       <a:r>
-                        <a:rPr lang="fr-FR" sz="600" b="0" i="0" dirty="0" err="1">
+                        <a:rPr lang="fr-FR" sz="800" b="0" i="0" dirty="0" err="1">
                           <a:solidFill>
                             <a:schemeClr val="bg1"/>
                           </a:solidFill>
@@ -13929,7 +13438,7 @@
                         <a:t>Credit</a:t>
                       </a:r>
                       <a:r>
-                        <a:rPr lang="fr-FR" sz="600" b="0" i="0" dirty="0">
+                        <a:rPr lang="fr-FR" sz="800" b="0" i="0" dirty="0">
                           <a:solidFill>
                             <a:schemeClr val="bg1"/>
                           </a:solidFill>
@@ -13967,7 +13476,7 @@
                         <a:defRPr/>
                       </a:pPr>
                       <a:r>
-                        <a:rPr lang="fr-FR" sz="600" i="0" dirty="0">
+                        <a:rPr lang="fr-FR" sz="800" i="0" dirty="0">
                           <a:solidFill>
                             <a:schemeClr val="bg1"/>
                           </a:solidFill>
@@ -13994,7 +13503,7 @@
                         <a:defRPr/>
                       </a:pPr>
                       <a:r>
-                        <a:rPr lang="fr-FR" sz="600" i="0" kern="1200" dirty="0" err="1">
+                        <a:rPr lang="fr-FR" sz="800" i="0" kern="1200" dirty="0" err="1">
                           <a:solidFill>
                             <a:schemeClr val="bg1"/>
                           </a:solidFill>
@@ -14005,7 +13514,7 @@
                         <a:t>application_train</a:t>
                       </a:r>
                       <a:r>
-                        <a:rPr lang="fr-FR" sz="600" i="0" kern="1200" dirty="0">
+                        <a:rPr lang="fr-FR" sz="800" i="0" kern="1200" dirty="0">
                           <a:solidFill>
                             <a:schemeClr val="bg1"/>
                           </a:solidFill>
@@ -14016,7 +13525,7 @@
                         <a:t>, bureau, </a:t>
                       </a:r>
                       <a:r>
-                        <a:rPr lang="fr-FR" sz="600" i="0" kern="1200" dirty="0" err="1">
+                        <a:rPr lang="fr-FR" sz="800" i="0" kern="1200" dirty="0" err="1">
                           <a:solidFill>
                             <a:schemeClr val="bg1"/>
                           </a:solidFill>
@@ -14026,7 +13535,7 @@
                         </a:rPr>
                         <a:t>previous_application</a:t>
                       </a:r>
-                      <a:endParaRPr lang="fr-FR" sz="600" i="0" kern="1200" dirty="0">
+                      <a:endParaRPr lang="fr-FR" sz="800" i="0" kern="1200" dirty="0">
                         <a:solidFill>
                           <a:schemeClr val="bg1"/>
                         </a:solidFill>
@@ -14048,7 +13557,7 @@
                     <a:lstStyle/>
                     <a:p>
                       <a:pPr algn="l"/>
-                      <a:endParaRPr lang="fr-FR" sz="600" i="0" kern="1200" dirty="0">
+                      <a:endParaRPr lang="fr-FR" sz="800" i="0" kern="1200" dirty="0">
                         <a:solidFill>
                           <a:schemeClr val="bg1"/>
                         </a:solidFill>
@@ -14094,7 +13603,7 @@
                         <a:defRPr/>
                       </a:pPr>
                       <a:r>
-                        <a:rPr lang="fr-FR" sz="600" b="1" i="0" dirty="0">
+                        <a:rPr lang="fr-FR" sz="800" b="1" i="0" dirty="0">
                           <a:solidFill>
                             <a:schemeClr val="bg1"/>
                           </a:solidFill>
@@ -14121,7 +13630,7 @@
                         <a:defRPr/>
                       </a:pPr>
                       <a:r>
-                        <a:rPr lang="fr-FR" sz="600" b="0" i="0" dirty="0">
+                        <a:rPr lang="fr-FR" sz="800" b="0" i="0" dirty="0">
                           <a:solidFill>
                             <a:schemeClr val="bg1"/>
                           </a:solidFill>
@@ -14159,7 +13668,7 @@
                         <a:defRPr/>
                       </a:pPr>
                       <a:r>
-                        <a:rPr lang="fr-FR" sz="600" i="0" kern="1200" dirty="0">
+                        <a:rPr lang="fr-FR" sz="800" i="0" kern="1200" dirty="0">
                           <a:solidFill>
                             <a:schemeClr val="bg1"/>
                           </a:solidFill>
@@ -14170,7 +13679,7 @@
                         <a:t>Exploration privilégiée sur le </a:t>
                       </a:r>
                       <a:r>
-                        <a:rPr lang="fr-FR" sz="600" i="0" kern="1200" dirty="0" err="1">
+                        <a:rPr lang="fr-FR" sz="800" i="0" kern="1200" dirty="0" err="1">
                           <a:solidFill>
                             <a:schemeClr val="bg1"/>
                           </a:solidFill>
@@ -14181,7 +13690,7 @@
                         <a:t>Feature</a:t>
                       </a:r>
                       <a:r>
-                        <a:rPr lang="fr-FR" sz="600" i="0" kern="1200" dirty="0">
+                        <a:rPr lang="fr-FR" sz="800" i="0" kern="1200" dirty="0">
                           <a:solidFill>
                             <a:schemeClr val="bg1"/>
                           </a:solidFill>
@@ -14211,7 +13720,7 @@
                         <a:defRPr/>
                       </a:pPr>
                       <a:r>
-                        <a:rPr lang="fr-FR" sz="600" i="0" kern="1200" dirty="0" err="1">
+                        <a:rPr lang="fr-FR" sz="800" i="0" kern="1200" dirty="0" err="1">
                           <a:solidFill>
                             <a:schemeClr val="bg1"/>
                           </a:solidFill>
@@ -14221,7 +13730,7 @@
                         </a:rPr>
                         <a:t>application_train</a:t>
                       </a:r>
-                      <a:endParaRPr lang="fr-FR" sz="600" i="0" kern="1200" dirty="0">
+                      <a:endParaRPr lang="fr-FR" sz="800" i="0" kern="1200" dirty="0">
                         <a:solidFill>
                           <a:schemeClr val="bg1"/>
                         </a:solidFill>
@@ -14244,7 +13753,7 @@
                     <a:p>
                       <a:pPr algn="l"/>
                       <a:r>
-                        <a:rPr lang="fr-FR" sz="600" i="0" kern="1200" dirty="0">
+                        <a:rPr lang="fr-FR" sz="800" i="0" kern="1200" dirty="0">
                           <a:solidFill>
                             <a:schemeClr val="bg1"/>
                           </a:solidFill>
@@ -14274,7 +13783,7 @@
                         <a:defRPr/>
                       </a:pPr>
                       <a:r>
-                        <a:rPr lang="fr-FR" sz="600" i="0" kern="1200" dirty="0">
+                        <a:rPr lang="fr-FR" sz="800" i="0" kern="1200" dirty="0">
                           <a:solidFill>
                             <a:schemeClr val="bg1"/>
                           </a:solidFill>
@@ -14322,7 +13831,7 @@
                         <a:defRPr/>
                       </a:pPr>
                       <a:r>
-                        <a:rPr lang="fr-FR" sz="600" b="1" i="0" dirty="0">
+                        <a:rPr lang="fr-FR" sz="800" b="1" i="0" dirty="0">
                           <a:solidFill>
                             <a:schemeClr val="bg1"/>
                           </a:solidFill>
@@ -14349,7 +13858,7 @@
                         <a:defRPr/>
                       </a:pPr>
                       <a:r>
-                        <a:rPr lang="fr-FR" sz="600" b="0" i="0" dirty="0" err="1">
+                        <a:rPr lang="fr-FR" sz="800" b="0" i="0" dirty="0" err="1">
                           <a:solidFill>
                             <a:schemeClr val="bg1"/>
                           </a:solidFill>
@@ -14357,7 +13866,7 @@
                         <a:t>HomeCreditRisk</a:t>
                       </a:r>
                       <a:r>
-                        <a:rPr lang="fr-FR" sz="600" b="0" i="0" dirty="0">
+                        <a:rPr lang="fr-FR" sz="800" b="0" i="0" dirty="0">
                           <a:solidFill>
                             <a:schemeClr val="bg1"/>
                           </a:solidFill>
@@ -14365,7 +13874,7 @@
                         <a:t> - Extensive EDA, </a:t>
                       </a:r>
                       <a:r>
-                        <a:rPr lang="fr-FR" sz="600" b="0" i="0" dirty="0" err="1">
+                        <a:rPr lang="fr-FR" sz="800" b="0" i="0" dirty="0" err="1">
                           <a:solidFill>
                             <a:schemeClr val="bg1"/>
                           </a:solidFill>
@@ -14373,7 +13882,7 @@
                         <a:t>Feature</a:t>
                       </a:r>
                       <a:r>
-                        <a:rPr lang="fr-FR" sz="600" b="0" i="0" dirty="0">
+                        <a:rPr lang="fr-FR" sz="800" b="0" i="0" dirty="0">
                           <a:solidFill>
                             <a:schemeClr val="bg1"/>
                           </a:solidFill>
@@ -14411,7 +13920,7 @@
                         <a:defRPr/>
                       </a:pPr>
                       <a:r>
-                        <a:rPr lang="fr-FR" sz="600" b="0" i="0" kern="1200" dirty="0">
+                        <a:rPr lang="fr-FR" sz="800" b="0" i="0" kern="1200" dirty="0">
                           <a:solidFill>
                             <a:schemeClr val="bg1"/>
                           </a:solidFill>
@@ -14441,7 +13950,7 @@
                         <a:defRPr/>
                       </a:pPr>
                       <a:r>
-                        <a:rPr lang="fr-FR" sz="600" b="0" i="0" kern="1200" dirty="0">
+                        <a:rPr lang="fr-FR" sz="800" b="0" i="0" kern="1200" dirty="0">
                           <a:solidFill>
                             <a:schemeClr val="bg1"/>
                           </a:solidFill>
@@ -14482,7 +13991,7 @@
                         <a:defRPr/>
                       </a:pPr>
                       <a:r>
-                        <a:rPr lang="fr-FR" sz="600" b="0" i="0" kern="1200" noProof="0" dirty="0">
+                        <a:rPr lang="fr-FR" sz="800" b="0" i="0" kern="1200" noProof="0" dirty="0">
                           <a:solidFill>
                             <a:schemeClr val="bg1"/>
                           </a:solidFill>
@@ -14531,280 +14040,7 @@
 </p:sld>
 </file>
 
-<file path=ppt/slides/slide2.xml><?xml version="1.0" encoding="utf-8"?>
-<p:sld xmlns:a="http://schemas.openxmlformats.org/drawingml/2006/main" xmlns:r="http://schemas.openxmlformats.org/officeDocument/2006/relationships" xmlns:p="http://schemas.openxmlformats.org/presentationml/2006/main">
-  <p:cSld>
-    <p:spTree>
-      <p:nvGrpSpPr>
-        <p:cNvPr id="1" name=""/>
-        <p:cNvGrpSpPr/>
-        <p:nvPr/>
-      </p:nvGrpSpPr>
-      <p:grpSpPr>
-        <a:xfrm>
-          <a:off x="0" y="0"/>
-          <a:ext cx="0" cy="0"/>
-          <a:chOff x="0" y="0"/>
-          <a:chExt cx="0" cy="0"/>
-        </a:xfrm>
-      </p:grpSpPr>
-      <p:graphicFrame>
-        <p:nvGraphicFramePr>
-          <p:cNvPr id="2" name="Object 1" hidden="1"/>
-          <p:cNvGraphicFramePr>
-            <a:graphicFrameLocks noChangeAspect="1"/>
-          </p:cNvGraphicFramePr>
-          <p:nvPr>
-            <p:custDataLst>
-              <p:tags r:id="rId2"/>
-            </p:custDataLst>
-          </p:nvPr>
-        </p:nvGraphicFramePr>
-        <p:xfrm>
-          <a:off x="1466" y="1192"/>
-          <a:ext cx="1465" cy="1190"/>
-        </p:xfrm>
-        <a:graphic>
-          <a:graphicData uri="http://schemas.openxmlformats.org/presentationml/2006/ole">
-            <mc:AlternateContent xmlns:mc="http://schemas.openxmlformats.org/markup-compatibility/2006">
-              <mc:Choice xmlns:v="urn:schemas-microsoft-com:vml" Requires="v">
-                <p:oleObj spid="_x0000_s8885" name="think-cell Slide" r:id="rId5" imgW="270" imgH="270" progId="TCLayout.ActiveDocument.1">
-                  <p:embed/>
-                </p:oleObj>
-              </mc:Choice>
-              <mc:Fallback>
-                <p:oleObj name="think-cell Slide" r:id="rId5" imgW="270" imgH="270" progId="TCLayout.ActiveDocument.1">
-                  <p:embed/>
-                  <p:pic>
-                    <p:nvPicPr>
-                      <p:cNvPr id="2" name="Object 1" hidden="1"/>
-                      <p:cNvPicPr>
-                        <a:picLocks noChangeAspect="1" noChangeArrowheads="1"/>
-                      </p:cNvPicPr>
-                      <p:nvPr/>
-                    </p:nvPicPr>
-                    <p:blipFill>
-                      <a:blip r:embed="rId6">
-                        <a:extLst>
-                          <a:ext uri="{28A0092B-C50C-407E-A947-70E740481C1C}">
-                            <a14:useLocalDpi xmlns:a14="http://schemas.microsoft.com/office/drawing/2010/main" val="0"/>
-                          </a:ext>
-                        </a:extLst>
-                      </a:blip>
-                      <a:srcRect/>
-                      <a:stretch>
-                        <a:fillRect/>
-                      </a:stretch>
-                    </p:blipFill>
-                    <p:spPr bwMode="auto">
-                      <a:xfrm>
-                        <a:off x="1466" y="1192"/>
-                        <a:ext cx="1465" cy="1190"/>
-                      </a:xfrm>
-                      <a:prstGeom prst="rect">
-                        <a:avLst/>
-                      </a:prstGeom>
-                      <a:noFill/>
-                      <a:extLst>
-                        <a:ext uri="{909E8E84-426E-40DD-AFC4-6F175D3DCCD1}">
-                          <a14:hiddenFill xmlns:a14="http://schemas.microsoft.com/office/drawing/2010/main">
-                            <a:solidFill>
-                              <a:srgbClr val="FFFFFF"/>
-                            </a:solidFill>
-                          </a14:hiddenFill>
-                        </a:ext>
-                      </a:extLst>
-                    </p:spPr>
-                  </p:pic>
-                </p:oleObj>
-              </mc:Fallback>
-            </mc:AlternateContent>
-          </a:graphicData>
-        </a:graphic>
-      </p:graphicFrame>
-      <p:sp>
-        <p:nvSpPr>
-          <p:cNvPr id="18434" name="Espace réservé du contenu 22"/>
-          <p:cNvSpPr>
-            <a:spLocks noGrp="1"/>
-          </p:cNvSpPr>
-          <p:nvPr>
-            <p:ph idx="1"/>
-          </p:nvPr>
-        </p:nvSpPr>
-        <p:spPr>
-          <a:xfrm>
-            <a:off x="727656" y="1459406"/>
-            <a:ext cx="8074921" cy="3106153"/>
-          </a:xfrm>
-        </p:spPr>
-        <p:txBody>
-          <a:bodyPr/>
-          <a:lstStyle/>
-          <a:p>
-            <a:pPr marL="490160" lvl="1" indent="-342900">
-              <a:buFont typeface="+mj-lt"/>
-              <a:buAutoNum type="arabicPeriod"/>
-            </a:pPr>
-            <a:r>
-              <a:rPr lang="fr-FR" sz="1400" dirty="0">
-                <a:solidFill>
-                  <a:srgbClr val="0070C0"/>
-                </a:solidFill>
-              </a:rPr>
-              <a:t>Problématique et jeu de données</a:t>
-            </a:r>
-          </a:p>
-          <a:p>
-            <a:pPr marL="490160" lvl="1" indent="-342900">
-              <a:buFont typeface="+mj-lt"/>
-              <a:buAutoNum type="arabicPeriod"/>
-            </a:pPr>
-            <a:endParaRPr lang="fr-FR" sz="1400" dirty="0">
-              <a:solidFill>
-                <a:srgbClr val="0070C0"/>
-              </a:solidFill>
-            </a:endParaRPr>
-          </a:p>
-          <a:p>
-            <a:pPr marL="490160" lvl="1" indent="-342900">
-              <a:buFont typeface="+mj-lt"/>
-              <a:buAutoNum type="arabicPeriod"/>
-            </a:pPr>
-            <a:r>
-              <a:rPr lang="fr-FR" sz="1400" dirty="0">
-                <a:solidFill>
-                  <a:srgbClr val="0070C0"/>
-                </a:solidFill>
-              </a:rPr>
-              <a:t>Explication de l’approche de modélisation</a:t>
-            </a:r>
-          </a:p>
-          <a:p>
-            <a:pPr marL="490160" lvl="1" indent="-342900">
-              <a:buFont typeface="+mj-lt"/>
-              <a:buAutoNum type="arabicPeriod"/>
-            </a:pPr>
-            <a:endParaRPr lang="fr-FR" sz="1400" dirty="0">
-              <a:solidFill>
-                <a:srgbClr val="0070C0"/>
-              </a:solidFill>
-            </a:endParaRPr>
-          </a:p>
-          <a:p>
-            <a:pPr marL="490160" lvl="1" indent="-342900">
-              <a:buFont typeface="+mj-lt"/>
-              <a:buAutoNum type="arabicPeriod"/>
-            </a:pPr>
-            <a:r>
-              <a:rPr lang="fr-FR" sz="1400" dirty="0">
-                <a:solidFill>
-                  <a:srgbClr val="0070C0"/>
-                </a:solidFill>
-              </a:rPr>
-              <a:t>Présentation du tableau de bord</a:t>
-            </a:r>
-          </a:p>
-          <a:p>
-            <a:pPr marL="490160" lvl="1" indent="-342900">
-              <a:buFont typeface="+mj-lt"/>
-              <a:buAutoNum type="arabicPeriod"/>
-            </a:pPr>
-            <a:endParaRPr lang="fr-FR" sz="1400" dirty="0">
-              <a:solidFill>
-                <a:srgbClr val="0070C0"/>
-              </a:solidFill>
-            </a:endParaRPr>
-          </a:p>
-          <a:p>
-            <a:pPr marL="490160" lvl="1" indent="-342900">
-              <a:buFont typeface="+mj-lt"/>
-              <a:buAutoNum type="arabicPeriod"/>
-            </a:pPr>
-            <a:r>
-              <a:rPr lang="fr-FR" sz="1400" dirty="0">
-                <a:solidFill>
-                  <a:srgbClr val="0070C0"/>
-                </a:solidFill>
-              </a:rPr>
-              <a:t>Conclusion</a:t>
-            </a:r>
-          </a:p>
-          <a:p>
-            <a:pPr marL="490160" lvl="1" indent="-342900">
-              <a:buFont typeface="+mj-lt"/>
-              <a:buAutoNum type="arabicPeriod"/>
-            </a:pPr>
-            <a:endParaRPr lang="fr-FR" sz="1400" dirty="0">
-              <a:solidFill>
-                <a:srgbClr val="0070C0"/>
-              </a:solidFill>
-            </a:endParaRPr>
-          </a:p>
-          <a:p>
-            <a:pPr marL="147260" lvl="1" indent="0">
-              <a:buNone/>
-            </a:pPr>
-            <a:r>
-              <a:rPr lang="fr-FR" sz="1400" dirty="0">
-                <a:solidFill>
-                  <a:srgbClr val="0070C0"/>
-                </a:solidFill>
-              </a:rPr>
-              <a:t>Annexes</a:t>
-            </a:r>
-          </a:p>
-          <a:p>
-            <a:pPr lvl="1"/>
-            <a:endParaRPr lang="fr-FR" altLang="fr-FR" dirty="0"/>
-          </a:p>
-        </p:txBody>
-      </p:sp>
-      <p:sp>
-        <p:nvSpPr>
-          <p:cNvPr id="18435" name="Titre 21"/>
-          <p:cNvSpPr>
-            <a:spLocks noGrp="1"/>
-          </p:cNvSpPr>
-          <p:nvPr>
-            <p:ph type="title"/>
-          </p:nvPr>
-        </p:nvSpPr>
-        <p:spPr/>
-        <p:txBody>
-          <a:bodyPr/>
-          <a:lstStyle/>
-          <a:p>
-            <a:r>
-              <a:rPr lang="fr-FR" sz="2000" dirty="0"/>
-              <a:t>Agenda</a:t>
-            </a:r>
-            <a:endParaRPr lang="fr-FR" altLang="fr-FR" sz="2000" dirty="0"/>
-          </a:p>
-        </p:txBody>
-      </p:sp>
-    </p:spTree>
-    <p:extLst>
-      <p:ext uri="{BB962C8B-B14F-4D97-AF65-F5344CB8AC3E}">
-        <p14:creationId xmlns:p14="http://schemas.microsoft.com/office/powerpoint/2010/main" val="4177623969"/>
-      </p:ext>
-    </p:extLst>
-  </p:cSld>
-  <p:clrMapOvr>
-    <a:masterClrMapping/>
-  </p:clrMapOvr>
-  <mc:AlternateContent xmlns:mc="http://schemas.openxmlformats.org/markup-compatibility/2006" xmlns:p14="http://schemas.microsoft.com/office/powerpoint/2010/main">
-    <mc:Choice Requires="p14">
-      <p:transition p14:dur="0"/>
-    </mc:Choice>
-    <mc:Fallback xmlns="">
-      <p:transition/>
-    </mc:Fallback>
-  </mc:AlternateContent>
-</p:sld>
-</file>
-
-<file path=ppt/slides/slide20.xml><?xml version="1.0" encoding="utf-8"?>
+<file path=ppt/slides/slide18.xml><?xml version="1.0" encoding="utf-8"?>
 <p:sld xmlns:a="http://schemas.openxmlformats.org/drawingml/2006/main" xmlns:r="http://schemas.openxmlformats.org/officeDocument/2006/relationships" xmlns:p="http://schemas.openxmlformats.org/presentationml/2006/main">
   <p:cSld>
     <p:spTree>
@@ -15576,7 +14812,7 @@
           <a:graphicData uri="http://schemas.openxmlformats.org/presentationml/2006/ole">
             <mc:AlternateContent xmlns:mc="http://schemas.openxmlformats.org/markup-compatibility/2006">
               <mc:Choice xmlns:v="urn:schemas-microsoft-com:vml" Requires="v">
-                <p:oleObj spid="_x0000_s68624" name="think-cell Slide" r:id="rId5" imgW="270" imgH="270" progId="TCLayout.ActiveDocument.1">
+                <p:oleObj spid="_x0000_s68627" name="think-cell Slide" r:id="rId5" imgW="270" imgH="270" progId="TCLayout.ActiveDocument.1">
                   <p:embed/>
                 </p:oleObj>
               </mc:Choice>
@@ -15989,7 +15225,7 @@
 </p:sld>
 </file>
 
-<file path=ppt/slides/slide21.xml><?xml version="1.0" encoding="utf-8"?>
+<file path=ppt/slides/slide19.xml><?xml version="1.0" encoding="utf-8"?>
 <p:sld xmlns:a="http://schemas.openxmlformats.org/drawingml/2006/main" xmlns:r="http://schemas.openxmlformats.org/officeDocument/2006/relationships" xmlns:p="http://schemas.openxmlformats.org/presentationml/2006/main">
   <p:cSld>
     <p:spTree>
@@ -16817,7 +16053,7 @@
 </p:sld>
 </file>
 
-<file path=ppt/slides/slide22.xml><?xml version="1.0" encoding="utf-8"?>
+<file path=ppt/slides/slide2.xml><?xml version="1.0" encoding="utf-8"?>
 <p:sld xmlns:a="http://schemas.openxmlformats.org/drawingml/2006/main" xmlns:r="http://schemas.openxmlformats.org/officeDocument/2006/relationships" xmlns:p="http://schemas.openxmlformats.org/presentationml/2006/main">
   <p:cSld>
     <p:spTree>
@@ -16834,289 +16070,6 @@
           <a:chExt cx="0" cy="0"/>
         </a:xfrm>
       </p:grpSpPr>
-      <p:sp>
-        <p:nvSpPr>
-          <p:cNvPr id="6" name="Espace réservé du contenu 22">
-            <a:extLst>
-              <a:ext uri="{FF2B5EF4-FFF2-40B4-BE49-F238E27FC236}">
-                <a16:creationId xmlns:a16="http://schemas.microsoft.com/office/drawing/2014/main" id="{80C0405A-3AB6-468A-97EB-7613CDDED00D}"/>
-              </a:ext>
-            </a:extLst>
-          </p:cNvPr>
-          <p:cNvSpPr txBox="1">
-            <a:spLocks/>
-          </p:cNvSpPr>
-          <p:nvPr/>
-        </p:nvSpPr>
-        <p:spPr bwMode="auto">
-          <a:xfrm>
-            <a:off x="342106" y="1548017"/>
-            <a:ext cx="8459788" cy="2178049"/>
-          </a:xfrm>
-          <a:prstGeom prst="rect">
-            <a:avLst/>
-          </a:prstGeom>
-          <a:noFill/>
-          <a:ln>
-            <a:noFill/>
-          </a:ln>
-          <a:extLst>
-            <a:ext uri="{909E8E84-426E-40DD-AFC4-6F175D3DCCD1}">
-              <a14:hiddenFill xmlns:a14="http://schemas.microsoft.com/office/drawing/2010/main">
-                <a:solidFill>
-                  <a:srgbClr val="FFFFFF"/>
-                </a:solidFill>
-              </a14:hiddenFill>
-            </a:ext>
-            <a:ext uri="{91240B29-F687-4F45-9708-019B960494DF}">
-              <a14:hiddenLine xmlns:a14="http://schemas.microsoft.com/office/drawing/2010/main" w="9525">
-                <a:solidFill>
-                  <a:srgbClr val="000000"/>
-                </a:solidFill>
-                <a:miter lim="800000"/>
-                <a:headEnd/>
-                <a:tailEnd/>
-              </a14:hiddenLine>
-            </a:ext>
-          </a:extLst>
-        </p:spPr>
-        <p:txBody>
-          <a:bodyPr vert="horz" wrap="square" lIns="0" tIns="0" rIns="0" bIns="0" numCol="1" anchor="t" anchorCtr="0" compatLnSpc="1">
-            <a:prstTxWarp prst="textNoShape">
-              <a:avLst/>
-            </a:prstTxWarp>
-          </a:bodyPr>
-          <a:lstStyle>
-            <a:lvl1pPr algn="l" rtl="0" eaLnBrk="0" fontAlgn="base" hangingPunct="0">
-              <a:spcBef>
-                <a:spcPts val="170"/>
-              </a:spcBef>
-              <a:spcAft>
-                <a:spcPct val="0"/>
-              </a:spcAft>
-              <a:buClr>
-                <a:srgbClr val="D2DCAA"/>
-              </a:buClr>
-              <a:buSzPct val="100000"/>
-              <a:defRPr sz="1600" b="1" kern="1200">
-                <a:solidFill>
-                  <a:schemeClr val="bg1"/>
-                </a:solidFill>
-                <a:latin typeface="+mn-lt"/>
-                <a:ea typeface="+mn-ea"/>
-                <a:cs typeface="+mn-cs"/>
-              </a:defRPr>
-            </a:lvl1pPr>
-            <a:lvl2pPr marL="300656" indent="-153396" algn="l" rtl="0" eaLnBrk="0" fontAlgn="base" hangingPunct="0">
-              <a:spcBef>
-                <a:spcPts val="170"/>
-              </a:spcBef>
-              <a:spcAft>
-                <a:spcPct val="0"/>
-              </a:spcAft>
-              <a:buClr>
-                <a:schemeClr val="accent4"/>
-              </a:buClr>
-              <a:buSzPct val="90000"/>
-              <a:buFont typeface="Wingdings" pitchFamily="2" charset="2"/>
-              <a:buChar char="§"/>
-              <a:defRPr sz="1600" kern="1200">
-                <a:solidFill>
-                  <a:schemeClr val="bg1"/>
-                </a:solidFill>
-                <a:latin typeface="+mn-lt"/>
-                <a:ea typeface="+mn-ea"/>
-                <a:cs typeface="+mn-cs"/>
-              </a:defRPr>
-            </a:lvl2pPr>
-            <a:lvl3pPr marL="616652" indent="-150328" algn="l" rtl="0" eaLnBrk="0" fontAlgn="base" hangingPunct="0">
-              <a:spcBef>
-                <a:spcPts val="170"/>
-              </a:spcBef>
-              <a:spcAft>
-                <a:spcPct val="0"/>
-              </a:spcAft>
-              <a:buClr>
-                <a:schemeClr val="accent4"/>
-              </a:buClr>
-              <a:buFont typeface="Wingdings" pitchFamily="2" charset="2"/>
-              <a:buChar char="§"/>
-              <a:defRPr sz="1600" kern="1200">
-                <a:solidFill>
-                  <a:schemeClr val="bg1"/>
-                </a:solidFill>
-                <a:latin typeface="+mn-lt"/>
-                <a:ea typeface="+mn-ea"/>
-                <a:cs typeface="+mn-cs"/>
-              </a:defRPr>
-            </a:lvl3pPr>
-            <a:lvl4pPr marL="923444" indent="-144192" algn="l" rtl="0" eaLnBrk="0" fontAlgn="base" hangingPunct="0">
-              <a:spcBef>
-                <a:spcPts val="170"/>
-              </a:spcBef>
-              <a:spcAft>
-                <a:spcPct val="0"/>
-              </a:spcAft>
-              <a:buClr>
-                <a:schemeClr val="bg2"/>
-              </a:buClr>
-              <a:buFont typeface="Wingdings" pitchFamily="2" charset="2"/>
-              <a:buChar char="§"/>
-              <a:defRPr sz="1600" kern="1200">
-                <a:solidFill>
-                  <a:schemeClr val="bg1"/>
-                </a:solidFill>
-                <a:latin typeface="+mn-lt"/>
-                <a:ea typeface="+mn-ea"/>
-                <a:cs typeface="+mn-cs"/>
-              </a:defRPr>
-            </a:lvl4pPr>
-            <a:lvl5pPr marL="2706" indent="4059" algn="l" rtl="0" eaLnBrk="0" fontAlgn="base" hangingPunct="0">
-              <a:spcBef>
-                <a:spcPts val="170"/>
-              </a:spcBef>
-              <a:spcAft>
-                <a:spcPct val="0"/>
-              </a:spcAft>
-              <a:defRPr sz="900" kern="1200">
-                <a:solidFill>
-                  <a:schemeClr val="bg2"/>
-                </a:solidFill>
-                <a:latin typeface="+mn-lt"/>
-                <a:ea typeface="+mn-ea"/>
-                <a:cs typeface="+mn-cs"/>
-              </a:defRPr>
-            </a:lvl5pPr>
-            <a:lvl6pPr marL="2142942" indent="-194813" algn="l" defTabSz="779252" rtl="0" eaLnBrk="1" latinLnBrk="0" hangingPunct="1">
-              <a:spcBef>
-                <a:spcPct val="20000"/>
-              </a:spcBef>
-              <a:buFont typeface="Arial" pitchFamily="34" charset="0"/>
-              <a:buChar char="•"/>
-              <a:defRPr sz="1700" kern="1200">
-                <a:solidFill>
-                  <a:schemeClr val="tx1"/>
-                </a:solidFill>
-                <a:latin typeface="+mn-lt"/>
-                <a:ea typeface="+mn-ea"/>
-                <a:cs typeface="+mn-cs"/>
-              </a:defRPr>
-            </a:lvl6pPr>
-            <a:lvl7pPr marL="2532568" indent="-194813" algn="l" defTabSz="779252" rtl="0" eaLnBrk="1" latinLnBrk="0" hangingPunct="1">
-              <a:spcBef>
-                <a:spcPct val="20000"/>
-              </a:spcBef>
-              <a:buFont typeface="Arial" pitchFamily="34" charset="0"/>
-              <a:buChar char="•"/>
-              <a:defRPr sz="1700" kern="1200">
-                <a:solidFill>
-                  <a:schemeClr val="tx1"/>
-                </a:solidFill>
-                <a:latin typeface="+mn-lt"/>
-                <a:ea typeface="+mn-ea"/>
-                <a:cs typeface="+mn-cs"/>
-              </a:defRPr>
-            </a:lvl7pPr>
-            <a:lvl8pPr marL="2922194" indent="-194813" algn="l" defTabSz="779252" rtl="0" eaLnBrk="1" latinLnBrk="0" hangingPunct="1">
-              <a:spcBef>
-                <a:spcPct val="20000"/>
-              </a:spcBef>
-              <a:buFont typeface="Arial" pitchFamily="34" charset="0"/>
-              <a:buChar char="•"/>
-              <a:defRPr sz="1700" kern="1200">
-                <a:solidFill>
-                  <a:schemeClr val="tx1"/>
-                </a:solidFill>
-                <a:latin typeface="+mn-lt"/>
-                <a:ea typeface="+mn-ea"/>
-                <a:cs typeface="+mn-cs"/>
-              </a:defRPr>
-            </a:lvl8pPr>
-            <a:lvl9pPr marL="3311820" indent="-194813" algn="l" defTabSz="779252" rtl="0" eaLnBrk="1" latinLnBrk="0" hangingPunct="1">
-              <a:spcBef>
-                <a:spcPct val="20000"/>
-              </a:spcBef>
-              <a:buFont typeface="Arial" pitchFamily="34" charset="0"/>
-              <a:buChar char="•"/>
-              <a:defRPr sz="1700" kern="1200">
-                <a:solidFill>
-                  <a:schemeClr val="tx1"/>
-                </a:solidFill>
-                <a:latin typeface="+mn-lt"/>
-                <a:ea typeface="+mn-ea"/>
-                <a:cs typeface="+mn-cs"/>
-              </a:defRPr>
-            </a:lvl9pPr>
-          </a:lstStyle>
-          <a:p>
-            <a:pPr marL="531813" lvl="1" indent="-171450">
-              <a:buFont typeface="Wingdings" panose="05000000000000000000" pitchFamily="2" charset="2"/>
-              <a:buChar char="ü"/>
-            </a:pPr>
-            <a:r>
-              <a:rPr lang="fr-FR" sz="1100" b="1" dirty="0">
-                <a:solidFill>
-                  <a:schemeClr val="bg1">
-                    <a:lumMod val="75000"/>
-                    <a:lumOff val="25000"/>
-                  </a:schemeClr>
-                </a:solidFill>
-              </a:rPr>
-              <a:t>Jeu</a:t>
-            </a:r>
-            <a:r>
-              <a:rPr lang="fr-FR" sz="1100" dirty="0">
-                <a:solidFill>
-                  <a:schemeClr val="bg1">
-                    <a:lumMod val="75000"/>
-                    <a:lumOff val="25000"/>
-                  </a:schemeClr>
-                </a:solidFill>
-              </a:rPr>
-              <a:t> </a:t>
-            </a:r>
-            <a:r>
-              <a:rPr lang="fr-FR" sz="1100" b="1" dirty="0">
-                <a:solidFill>
-                  <a:schemeClr val="bg1">
-                    <a:lumMod val="75000"/>
-                    <a:lumOff val="25000"/>
-                  </a:schemeClr>
-                </a:solidFill>
-              </a:rPr>
-              <a:t>très déséquilibré avec 8,1% d’individus en défaut</a:t>
-            </a:r>
-          </a:p>
-          <a:p>
-            <a:pPr marL="531813" lvl="1" indent="-171450">
-              <a:buFont typeface="Wingdings" panose="05000000000000000000" pitchFamily="2" charset="2"/>
-              <a:buChar char="ü"/>
-            </a:pPr>
-            <a:endParaRPr lang="fr-FR" sz="1100" b="1" dirty="0">
-              <a:solidFill>
-                <a:schemeClr val="bg1">
-                  <a:lumMod val="75000"/>
-                  <a:lumOff val="25000"/>
-                </a:schemeClr>
-              </a:solidFill>
-            </a:endParaRPr>
-          </a:p>
-          <a:p>
-            <a:pPr marL="531813" lvl="1" indent="-171450">
-              <a:buFont typeface="Wingdings" panose="05000000000000000000" pitchFamily="2" charset="2"/>
-              <a:buChar char="ü"/>
-            </a:pPr>
-            <a:endParaRPr lang="fr-FR" sz="1100" dirty="0">
-              <a:solidFill>
-                <a:schemeClr val="bg1">
-                  <a:lumMod val="75000"/>
-                  <a:lumOff val="25000"/>
-                </a:schemeClr>
-              </a:solidFill>
-            </a:endParaRPr>
-          </a:p>
-        </p:txBody>
-      </p:sp>
       <p:graphicFrame>
         <p:nvGraphicFramePr>
           <p:cNvPr id="2" name="Object 1" hidden="1"/>
@@ -17137,7 +16090,7 @@
           <a:graphicData uri="http://schemas.openxmlformats.org/presentationml/2006/ole">
             <mc:AlternateContent xmlns:mc="http://schemas.openxmlformats.org/markup-compatibility/2006">
               <mc:Choice xmlns:v="urn:schemas-microsoft-com:vml" Requires="v">
-                <p:oleObj spid="_x0000_s41082" name="think-cell Slide" r:id="rId5" imgW="270" imgH="270" progId="TCLayout.ActiveDocument.1">
+                <p:oleObj spid="_x0000_s8888" name="think-cell Slide" r:id="rId5" imgW="270" imgH="270" progId="TCLayout.ActiveDocument.1">
                   <p:embed/>
                 </p:oleObj>
               </mc:Choice>
@@ -17193,6 +16146,144 @@
       </p:graphicFrame>
       <p:sp>
         <p:nvSpPr>
+          <p:cNvPr id="18434" name="Espace réservé du contenu 22"/>
+          <p:cNvSpPr>
+            <a:spLocks noGrp="1"/>
+          </p:cNvSpPr>
+          <p:nvPr>
+            <p:ph idx="1"/>
+          </p:nvPr>
+        </p:nvSpPr>
+        <p:spPr>
+          <a:xfrm>
+            <a:off x="727656" y="1459406"/>
+            <a:ext cx="8074921" cy="3106153"/>
+          </a:xfrm>
+        </p:spPr>
+        <p:txBody>
+          <a:bodyPr/>
+          <a:lstStyle/>
+          <a:p>
+            <a:pPr marL="490160" lvl="1" indent="-342900">
+              <a:buFont typeface="+mj-lt"/>
+              <a:buAutoNum type="arabicPeriod"/>
+            </a:pPr>
+            <a:r>
+              <a:rPr lang="fr-FR" sz="1400" dirty="0">
+                <a:solidFill>
+                  <a:srgbClr val="0070C0"/>
+                </a:solidFill>
+              </a:rPr>
+              <a:t>Problématique et jeu de données</a:t>
+            </a:r>
+          </a:p>
+          <a:p>
+            <a:pPr marL="490160" lvl="1" indent="-342900">
+              <a:buFont typeface="+mj-lt"/>
+              <a:buAutoNum type="arabicPeriod"/>
+            </a:pPr>
+            <a:endParaRPr lang="fr-FR" sz="1400" dirty="0">
+              <a:solidFill>
+                <a:srgbClr val="0070C0"/>
+              </a:solidFill>
+            </a:endParaRPr>
+          </a:p>
+          <a:p>
+            <a:pPr marL="490160" lvl="1" indent="-342900">
+              <a:buFont typeface="+mj-lt"/>
+              <a:buAutoNum type="arabicPeriod"/>
+            </a:pPr>
+            <a:r>
+              <a:rPr lang="fr-FR" sz="1400" dirty="0">
+                <a:solidFill>
+                  <a:srgbClr val="0070C0"/>
+                </a:solidFill>
+              </a:rPr>
+              <a:t>Explication de l’approche de modélisation</a:t>
+            </a:r>
+          </a:p>
+          <a:p>
+            <a:pPr marL="490160" lvl="1" indent="-342900">
+              <a:buFont typeface="+mj-lt"/>
+              <a:buAutoNum type="arabicPeriod"/>
+            </a:pPr>
+            <a:endParaRPr lang="fr-FR" sz="1400" dirty="0">
+              <a:solidFill>
+                <a:srgbClr val="0070C0"/>
+              </a:solidFill>
+            </a:endParaRPr>
+          </a:p>
+          <a:p>
+            <a:pPr marL="490160" lvl="1" indent="-342900">
+              <a:buFont typeface="+mj-lt"/>
+              <a:buAutoNum type="arabicPeriod"/>
+            </a:pPr>
+            <a:r>
+              <a:rPr lang="fr-FR" sz="1400" dirty="0">
+                <a:solidFill>
+                  <a:srgbClr val="0070C0"/>
+                </a:solidFill>
+              </a:rPr>
+              <a:t>Présentation du tableau de bord</a:t>
+            </a:r>
+          </a:p>
+          <a:p>
+            <a:pPr marL="490160" lvl="1" indent="-342900">
+              <a:buFont typeface="+mj-lt"/>
+              <a:buAutoNum type="arabicPeriod"/>
+            </a:pPr>
+            <a:endParaRPr lang="fr-FR" sz="1400" dirty="0">
+              <a:solidFill>
+                <a:srgbClr val="0070C0"/>
+              </a:solidFill>
+            </a:endParaRPr>
+          </a:p>
+          <a:p>
+            <a:pPr marL="490160" lvl="1" indent="-342900">
+              <a:buFont typeface="+mj-lt"/>
+              <a:buAutoNum type="arabicPeriod"/>
+            </a:pPr>
+            <a:r>
+              <a:rPr lang="fr-FR" sz="1400" dirty="0">
+                <a:solidFill>
+                  <a:srgbClr val="0070C0"/>
+                </a:solidFill>
+              </a:rPr>
+              <a:t>Conclusion</a:t>
+            </a:r>
+          </a:p>
+          <a:p>
+            <a:pPr marL="490160" lvl="1" indent="-342900">
+              <a:buFont typeface="+mj-lt"/>
+              <a:buAutoNum type="arabicPeriod"/>
+            </a:pPr>
+            <a:endParaRPr lang="fr-FR" sz="1400" dirty="0">
+              <a:solidFill>
+                <a:srgbClr val="0070C0"/>
+              </a:solidFill>
+            </a:endParaRPr>
+          </a:p>
+          <a:p>
+            <a:pPr marL="147260" lvl="1" indent="0">
+              <a:buNone/>
+            </a:pPr>
+            <a:r>
+              <a:rPr lang="fr-FR" sz="1400" dirty="0">
+                <a:solidFill>
+                  <a:srgbClr val="0070C0"/>
+                </a:solidFill>
+              </a:rPr>
+              <a:t>Annexes</a:t>
+            </a:r>
+          </a:p>
+          <a:p>
+            <a:pPr lvl="1"/>
+            <a:endParaRPr lang="fr-FR" altLang="fr-FR" dirty="0"/>
+          </a:p>
+        </p:txBody>
+      </p:sp>
+      <p:sp>
+        <p:nvSpPr>
           <p:cNvPr id="18435" name="Titre 21"/>
           <p:cNvSpPr>
             <a:spLocks noGrp="1"/>
@@ -17208,522 +16299,16 @@
           <a:p>
             <a:r>
               <a:rPr lang="fr-FR" sz="2000" dirty="0"/>
-              <a:t>Equilibrer les classes</a:t>
+              <a:t>Agenda</a:t>
             </a:r>
-            <a:endParaRPr lang="en-US" altLang="fr-FR" sz="2000" dirty="0"/>
+            <a:endParaRPr lang="fr-FR" altLang="fr-FR" sz="2000" dirty="0"/>
           </a:p>
         </p:txBody>
       </p:sp>
-      <p:graphicFrame>
-        <p:nvGraphicFramePr>
-          <p:cNvPr id="3" name="Tableau 3">
-            <a:extLst>
-              <a:ext uri="{FF2B5EF4-FFF2-40B4-BE49-F238E27FC236}">
-                <a16:creationId xmlns:a16="http://schemas.microsoft.com/office/drawing/2014/main" id="{8A3111F0-3BAB-4155-B8E1-B37D29F36EAC}"/>
-              </a:ext>
-            </a:extLst>
-          </p:cNvPr>
-          <p:cNvGraphicFramePr>
-            <a:graphicFrameLocks noGrp="1"/>
-          </p:cNvGraphicFramePr>
-          <p:nvPr>
-            <p:extLst>
-              <p:ext uri="{D42A27DB-BD31-4B8C-83A1-F6EECF244321}">
-                <p14:modId xmlns:p14="http://schemas.microsoft.com/office/powerpoint/2010/main" val="535267455"/>
-              </p:ext>
-            </p:extLst>
-          </p:nvPr>
-        </p:nvGraphicFramePr>
-        <p:xfrm>
-          <a:off x="3387671" y="2179841"/>
-          <a:ext cx="5414223" cy="1280160"/>
-        </p:xfrm>
-        <a:graphic>
-          <a:graphicData uri="http://schemas.openxmlformats.org/drawingml/2006/table">
-            <a:tbl>
-              <a:tblPr firstRow="1" bandRow="1">
-                <a:tableStyleId>{5C22544A-7EE6-4342-B048-85BDC9FD1C3A}</a:tableStyleId>
-              </a:tblPr>
-              <a:tblGrid>
-                <a:gridCol w="3085834">
-                  <a:extLst>
-                    <a:ext uri="{9D8B030D-6E8A-4147-A177-3AD203B41FA5}">
-                      <a16:colId xmlns:a16="http://schemas.microsoft.com/office/drawing/2014/main" val="1670874726"/>
-                    </a:ext>
-                  </a:extLst>
-                </a:gridCol>
-                <a:gridCol w="1304988">
-                  <a:extLst>
-                    <a:ext uri="{9D8B030D-6E8A-4147-A177-3AD203B41FA5}">
-                      <a16:colId xmlns:a16="http://schemas.microsoft.com/office/drawing/2014/main" val="1589967629"/>
-                    </a:ext>
-                  </a:extLst>
-                </a:gridCol>
-                <a:gridCol w="1023401">
-                  <a:extLst>
-                    <a:ext uri="{9D8B030D-6E8A-4147-A177-3AD203B41FA5}">
-                      <a16:colId xmlns:a16="http://schemas.microsoft.com/office/drawing/2014/main" val="2217606141"/>
-                    </a:ext>
-                  </a:extLst>
-                </a:gridCol>
-              </a:tblGrid>
-              <a:tr h="218387">
-                <a:tc>
-                  <a:txBody>
-                    <a:bodyPr/>
-                    <a:lstStyle/>
-                    <a:p>
-                      <a:endParaRPr lang="fr-FR" dirty="0"/>
-                    </a:p>
-                  </a:txBody>
-                  <a:tcPr>
-                    <a:solidFill>
-                      <a:schemeClr val="accent4"/>
-                    </a:solidFill>
-                  </a:tcPr>
-                </a:tc>
-                <a:tc>
-                  <a:txBody>
-                    <a:bodyPr/>
-                    <a:lstStyle/>
-                    <a:p>
-                      <a:pPr algn="ctr"/>
-                      <a:r>
-                        <a:rPr lang="fr-FR" dirty="0"/>
-                        <a:t>Nombre d’individus</a:t>
-                      </a:r>
-                    </a:p>
-                  </a:txBody>
-                  <a:tcPr>
-                    <a:solidFill>
-                      <a:schemeClr val="accent4"/>
-                    </a:solidFill>
-                  </a:tcPr>
-                </a:tc>
-                <a:tc>
-                  <a:txBody>
-                    <a:bodyPr/>
-                    <a:lstStyle/>
-                    <a:p>
-                      <a:pPr algn="ctr"/>
-                      <a:r>
-                        <a:rPr lang="fr-FR" dirty="0"/>
-                        <a:t>Part des défaut</a:t>
-                      </a:r>
-                    </a:p>
-                  </a:txBody>
-                  <a:tcPr>
-                    <a:solidFill>
-                      <a:schemeClr val="accent4"/>
-                    </a:solidFill>
-                  </a:tcPr>
-                </a:tc>
-                <a:extLst>
-                  <a:ext uri="{0D108BD9-81ED-4DB2-BD59-A6C34878D82A}">
-                    <a16:rowId xmlns:a16="http://schemas.microsoft.com/office/drawing/2014/main" val="3907399435"/>
-                  </a:ext>
-                </a:extLst>
-              </a:tr>
-              <a:tr h="218387">
-                <a:tc>
-                  <a:txBody>
-                    <a:bodyPr/>
-                    <a:lstStyle/>
-                    <a:p>
-                      <a:pPr marL="0" lvl="1" indent="0"/>
-                      <a:r>
-                        <a:rPr lang="fr-FR" sz="1000" kern="1200" dirty="0">
-                          <a:solidFill>
-                            <a:schemeClr val="bg1">
-                              <a:lumMod val="75000"/>
-                              <a:lumOff val="25000"/>
-                            </a:schemeClr>
-                          </a:solidFill>
-                          <a:latin typeface="+mn-lt"/>
-                          <a:ea typeface="+mn-ea"/>
-                          <a:cs typeface="+mn-cs"/>
-                        </a:rPr>
-                        <a:t>Après suppression de 20% pour jeu de validation</a:t>
-                      </a:r>
-                    </a:p>
-                  </a:txBody>
-                  <a:tcPr>
-                    <a:solidFill>
-                      <a:schemeClr val="bg1">
-                        <a:lumMod val="10000"/>
-                        <a:lumOff val="90000"/>
-                      </a:schemeClr>
-                    </a:solidFill>
-                  </a:tcPr>
-                </a:tc>
-                <a:tc>
-                  <a:txBody>
-                    <a:bodyPr/>
-                    <a:lstStyle/>
-                    <a:p>
-                      <a:pPr marL="0" marR="0" lvl="0" indent="0" algn="r" defTabSz="779252" rtl="0" eaLnBrk="1" fontAlgn="auto" latinLnBrk="0" hangingPunct="1">
-                        <a:lnSpc>
-                          <a:spcPct val="100000"/>
-                        </a:lnSpc>
-                        <a:spcBef>
-                          <a:spcPts val="0"/>
-                        </a:spcBef>
-                        <a:spcAft>
-                          <a:spcPts val="0"/>
-                        </a:spcAft>
-                        <a:buClrTx/>
-                        <a:buSzTx/>
-                        <a:buFontTx/>
-                        <a:buNone/>
-                        <a:tabLst/>
-                        <a:defRPr/>
-                      </a:pPr>
-                      <a:r>
-                        <a:rPr lang="fr-FR" sz="1000" kern="1200" dirty="0">
-                          <a:solidFill>
-                            <a:schemeClr val="bg1">
-                              <a:lumMod val="75000"/>
-                              <a:lumOff val="25000"/>
-                            </a:schemeClr>
-                          </a:solidFill>
-                          <a:latin typeface="+mn-lt"/>
-                          <a:ea typeface="+mn-ea"/>
-                          <a:cs typeface="+mn-cs"/>
-                        </a:rPr>
-                        <a:t>246 000</a:t>
-                      </a:r>
-                    </a:p>
-                  </a:txBody>
-                  <a:tcPr>
-                    <a:solidFill>
-                      <a:schemeClr val="bg1">
-                        <a:lumMod val="10000"/>
-                        <a:lumOff val="90000"/>
-                      </a:schemeClr>
-                    </a:solidFill>
-                  </a:tcPr>
-                </a:tc>
-                <a:tc>
-                  <a:txBody>
-                    <a:bodyPr/>
-                    <a:lstStyle/>
-                    <a:p>
-                      <a:pPr marL="0" marR="0" lvl="0" indent="0" algn="r" defTabSz="779252" rtl="0" eaLnBrk="1" fontAlgn="auto" latinLnBrk="0" hangingPunct="1">
-                        <a:lnSpc>
-                          <a:spcPct val="100000"/>
-                        </a:lnSpc>
-                        <a:spcBef>
-                          <a:spcPts val="0"/>
-                        </a:spcBef>
-                        <a:spcAft>
-                          <a:spcPts val="0"/>
-                        </a:spcAft>
-                        <a:buClrTx/>
-                        <a:buSzTx/>
-                        <a:buFontTx/>
-                        <a:buNone/>
-                        <a:tabLst/>
-                        <a:defRPr/>
-                      </a:pPr>
-                      <a:r>
-                        <a:rPr lang="fr-FR" sz="1000" kern="1200" dirty="0">
-                          <a:solidFill>
-                            <a:schemeClr val="bg1">
-                              <a:lumMod val="75000"/>
-                              <a:lumOff val="25000"/>
-                            </a:schemeClr>
-                          </a:solidFill>
-                          <a:latin typeface="+mn-lt"/>
-                          <a:ea typeface="+mn-ea"/>
-                          <a:cs typeface="+mn-cs"/>
-                        </a:rPr>
-                        <a:t>8,1%</a:t>
-                      </a:r>
-                    </a:p>
-                  </a:txBody>
-                  <a:tcPr>
-                    <a:solidFill>
-                      <a:schemeClr val="bg1">
-                        <a:lumMod val="10000"/>
-                        <a:lumOff val="90000"/>
-                      </a:schemeClr>
-                    </a:solidFill>
-                  </a:tcPr>
-                </a:tc>
-                <a:extLst>
-                  <a:ext uri="{0D108BD9-81ED-4DB2-BD59-A6C34878D82A}">
-                    <a16:rowId xmlns:a16="http://schemas.microsoft.com/office/drawing/2014/main" val="2789836262"/>
-                  </a:ext>
-                </a:extLst>
-              </a:tr>
-              <a:tr h="218387">
-                <a:tc>
-                  <a:txBody>
-                    <a:bodyPr/>
-                    <a:lstStyle/>
-                    <a:p>
-                      <a:pPr marL="0" lvl="1" indent="0"/>
-                      <a:r>
-                        <a:rPr lang="fr-FR" sz="1000" kern="1200" dirty="0">
-                          <a:solidFill>
-                            <a:schemeClr val="bg1">
-                              <a:lumMod val="75000"/>
-                              <a:lumOff val="25000"/>
-                            </a:schemeClr>
-                          </a:solidFill>
-                          <a:latin typeface="+mn-lt"/>
-                          <a:ea typeface="+mn-ea"/>
-                          <a:cs typeface="+mn-cs"/>
-                        </a:rPr>
-                        <a:t>Echantillonnage aléatoire de 5 000 individus</a:t>
-                      </a:r>
-                    </a:p>
-                  </a:txBody>
-                  <a:tcPr>
-                    <a:solidFill>
-                      <a:schemeClr val="bg1">
-                        <a:lumMod val="10000"/>
-                        <a:lumOff val="90000"/>
-                      </a:schemeClr>
-                    </a:solidFill>
-                  </a:tcPr>
-                </a:tc>
-                <a:tc>
-                  <a:txBody>
-                    <a:bodyPr/>
-                    <a:lstStyle/>
-                    <a:p>
-                      <a:pPr marL="0" algn="r" defTabSz="779252" rtl="0" eaLnBrk="1" latinLnBrk="0" hangingPunct="1"/>
-                      <a:r>
-                        <a:rPr lang="fr-FR" sz="1000" kern="1200" dirty="0">
-                          <a:solidFill>
-                            <a:schemeClr val="bg1">
-                              <a:lumMod val="75000"/>
-                              <a:lumOff val="25000"/>
-                            </a:schemeClr>
-                          </a:solidFill>
-                          <a:latin typeface="+mn-lt"/>
-                          <a:ea typeface="+mn-ea"/>
-                          <a:cs typeface="+mn-cs"/>
-                        </a:rPr>
-                        <a:t>5 000</a:t>
-                      </a:r>
-                    </a:p>
-                  </a:txBody>
-                  <a:tcPr>
-                    <a:solidFill>
-                      <a:schemeClr val="bg1">
-                        <a:lumMod val="10000"/>
-                        <a:lumOff val="90000"/>
-                      </a:schemeClr>
-                    </a:solidFill>
-                  </a:tcPr>
-                </a:tc>
-                <a:tc>
-                  <a:txBody>
-                    <a:bodyPr/>
-                    <a:lstStyle/>
-                    <a:p>
-                      <a:pPr marL="0" marR="0" lvl="0" indent="0" algn="r" defTabSz="779252" rtl="0" eaLnBrk="1" fontAlgn="auto" latinLnBrk="0" hangingPunct="1">
-                        <a:lnSpc>
-                          <a:spcPct val="100000"/>
-                        </a:lnSpc>
-                        <a:spcBef>
-                          <a:spcPts val="0"/>
-                        </a:spcBef>
-                        <a:spcAft>
-                          <a:spcPts val="0"/>
-                        </a:spcAft>
-                        <a:buClrTx/>
-                        <a:buSzTx/>
-                        <a:buFontTx/>
-                        <a:buNone/>
-                        <a:tabLst/>
-                        <a:defRPr/>
-                      </a:pPr>
-                      <a:r>
-                        <a:rPr lang="fr-FR" sz="1000" kern="1200" dirty="0">
-                          <a:solidFill>
-                            <a:schemeClr val="bg1">
-                              <a:lumMod val="75000"/>
-                              <a:lumOff val="25000"/>
-                            </a:schemeClr>
-                          </a:solidFill>
-                          <a:latin typeface="+mn-lt"/>
-                          <a:ea typeface="+mn-ea"/>
-                          <a:cs typeface="+mn-cs"/>
-                        </a:rPr>
-                        <a:t>8,1%</a:t>
-                      </a:r>
-                    </a:p>
-                  </a:txBody>
-                  <a:tcPr>
-                    <a:solidFill>
-                      <a:schemeClr val="bg1">
-                        <a:lumMod val="10000"/>
-                        <a:lumOff val="90000"/>
-                      </a:schemeClr>
-                    </a:solidFill>
-                  </a:tcPr>
-                </a:tc>
-                <a:extLst>
-                  <a:ext uri="{0D108BD9-81ED-4DB2-BD59-A6C34878D82A}">
-                    <a16:rowId xmlns:a16="http://schemas.microsoft.com/office/drawing/2014/main" val="104385984"/>
-                  </a:ext>
-                </a:extLst>
-              </a:tr>
-              <a:tr h="218387">
-                <a:tc>
-                  <a:txBody>
-                    <a:bodyPr/>
-                    <a:lstStyle/>
-                    <a:p>
-                      <a:pPr marL="0" lvl="1" indent="0"/>
-                      <a:r>
-                        <a:rPr lang="fr-FR" sz="1000" kern="1200" dirty="0">
-                          <a:solidFill>
-                            <a:schemeClr val="bg1">
-                              <a:lumMod val="75000"/>
-                              <a:lumOff val="25000"/>
-                            </a:schemeClr>
-                          </a:solidFill>
-                          <a:latin typeface="+mn-lt"/>
-                          <a:ea typeface="+mn-ea"/>
-                          <a:cs typeface="+mn-cs"/>
-                        </a:rPr>
-                        <a:t>SMOTE  a</a:t>
-                      </a:r>
-                      <a:r>
-                        <a:rPr lang="fr-FR" sz="1000" dirty="0">
-                          <a:solidFill>
-                            <a:schemeClr val="bg1">
-                              <a:lumMod val="75000"/>
-                              <a:lumOff val="25000"/>
-                            </a:schemeClr>
-                          </a:solidFill>
-                        </a:rPr>
-                        <a:t>vec « </a:t>
-                      </a:r>
-                      <a:r>
-                        <a:rPr lang="fr-FR" sz="1000" dirty="0" err="1">
-                          <a:solidFill>
-                            <a:schemeClr val="bg1">
-                              <a:lumMod val="75000"/>
-                              <a:lumOff val="25000"/>
-                            </a:schemeClr>
-                          </a:solidFill>
-                        </a:rPr>
-                        <a:t>sampling_strategy</a:t>
-                      </a:r>
-                      <a:r>
-                        <a:rPr lang="fr-FR" sz="1000" dirty="0">
-                          <a:solidFill>
-                            <a:schemeClr val="bg1">
-                              <a:lumMod val="75000"/>
-                              <a:lumOff val="25000"/>
-                            </a:schemeClr>
-                          </a:solidFill>
-                        </a:rPr>
-                        <a:t> » = 1.0</a:t>
-                      </a:r>
-                      <a:endParaRPr lang="fr-FR" sz="1000" kern="1200" dirty="0">
-                        <a:solidFill>
-                          <a:schemeClr val="bg1">
-                            <a:lumMod val="75000"/>
-                            <a:lumOff val="25000"/>
-                          </a:schemeClr>
-                        </a:solidFill>
-                        <a:latin typeface="+mn-lt"/>
-                        <a:ea typeface="+mn-ea"/>
-                        <a:cs typeface="+mn-cs"/>
-                      </a:endParaRPr>
-                    </a:p>
-                  </a:txBody>
-                  <a:tcPr>
-                    <a:solidFill>
-                      <a:schemeClr val="bg1">
-                        <a:lumMod val="10000"/>
-                        <a:lumOff val="90000"/>
-                      </a:schemeClr>
-                    </a:solidFill>
-                  </a:tcPr>
-                </a:tc>
-                <a:tc>
-                  <a:txBody>
-                    <a:bodyPr/>
-                    <a:lstStyle/>
-                    <a:p>
-                      <a:pPr marL="0" algn="r" defTabSz="779252" rtl="0" eaLnBrk="1" latinLnBrk="0" hangingPunct="1"/>
-                      <a:r>
-                        <a:rPr lang="fr-FR" sz="1000" kern="1200" dirty="0">
-                          <a:solidFill>
-                            <a:schemeClr val="bg1">
-                              <a:lumMod val="75000"/>
-                              <a:lumOff val="25000"/>
-                            </a:schemeClr>
-                          </a:solidFill>
-                          <a:latin typeface="+mn-lt"/>
-                          <a:ea typeface="+mn-ea"/>
-                          <a:cs typeface="+mn-cs"/>
-                        </a:rPr>
-                        <a:t>9 198</a:t>
-                      </a:r>
-                    </a:p>
-                  </a:txBody>
-                  <a:tcPr>
-                    <a:solidFill>
-                      <a:schemeClr val="bg1">
-                        <a:lumMod val="10000"/>
-                        <a:lumOff val="90000"/>
-                      </a:schemeClr>
-                    </a:solidFill>
-                  </a:tcPr>
-                </a:tc>
-                <a:tc>
-                  <a:txBody>
-                    <a:bodyPr/>
-                    <a:lstStyle/>
-                    <a:p>
-                      <a:pPr marL="0" algn="r" defTabSz="779252" rtl="0" eaLnBrk="1" latinLnBrk="0" hangingPunct="1"/>
-                      <a:r>
-                        <a:rPr lang="fr-FR" sz="1000" kern="1200" dirty="0">
-                          <a:solidFill>
-                            <a:schemeClr val="bg1">
-                              <a:lumMod val="75000"/>
-                              <a:lumOff val="25000"/>
-                            </a:schemeClr>
-                          </a:solidFill>
-                          <a:latin typeface="+mn-lt"/>
-                          <a:ea typeface="+mn-ea"/>
-                          <a:cs typeface="+mn-cs"/>
-                        </a:rPr>
-                        <a:t>50%</a:t>
-                      </a:r>
-                    </a:p>
-                  </a:txBody>
-                  <a:tcPr>
-                    <a:solidFill>
-                      <a:schemeClr val="bg1">
-                        <a:lumMod val="10000"/>
-                        <a:lumOff val="90000"/>
-                      </a:schemeClr>
-                    </a:solidFill>
-                  </a:tcPr>
-                </a:tc>
-                <a:extLst>
-                  <a:ext uri="{0D108BD9-81ED-4DB2-BD59-A6C34878D82A}">
-                    <a16:rowId xmlns:a16="http://schemas.microsoft.com/office/drawing/2014/main" val="690524135"/>
-                  </a:ext>
-                </a:extLst>
-              </a:tr>
-            </a:tbl>
-          </a:graphicData>
-        </a:graphic>
-      </p:graphicFrame>
     </p:spTree>
     <p:extLst>
       <p:ext uri="{BB962C8B-B14F-4D97-AF65-F5344CB8AC3E}">
-        <p14:creationId xmlns:p14="http://schemas.microsoft.com/office/powerpoint/2010/main" val="1729906503"/>
+        <p14:creationId xmlns:p14="http://schemas.microsoft.com/office/powerpoint/2010/main" val="4177623969"/>
       </p:ext>
     </p:extLst>
   </p:cSld>
@@ -17741,7 +16326,7 @@
 </p:sld>
 </file>
 
-<file path=ppt/slides/slide23.xml><?xml version="1.0" encoding="utf-8"?>
+<file path=ppt/slides/slide20.xml><?xml version="1.0" encoding="utf-8"?>
 <p:sld xmlns:a="http://schemas.openxmlformats.org/drawingml/2006/main" xmlns:r="http://schemas.openxmlformats.org/officeDocument/2006/relationships" xmlns:p="http://schemas.openxmlformats.org/presentationml/2006/main">
   <p:cSld>
     <p:spTree>
@@ -18122,7 +16707,7 @@
           <a:graphicData uri="http://schemas.openxmlformats.org/presentationml/2006/ole">
             <mc:AlternateContent xmlns:mc="http://schemas.openxmlformats.org/markup-compatibility/2006">
               <mc:Choice xmlns:v="urn:schemas-microsoft-com:vml" Requires="v">
-                <p:oleObj spid="_x0000_s43122" name="think-cell Slide" r:id="rId5" imgW="270" imgH="270" progId="TCLayout.ActiveDocument.1">
+                <p:oleObj spid="_x0000_s43125" name="think-cell Slide" r:id="rId5" imgW="270" imgH="270" progId="TCLayout.ActiveDocument.1">
                   <p:embed/>
                 </p:oleObj>
               </mc:Choice>
@@ -19094,7 +17679,7 @@
 </p:sld>
 </file>
 
-<file path=ppt/slides/slide24.xml><?xml version="1.0" encoding="utf-8"?>
+<file path=ppt/slides/slide21.xml><?xml version="1.0" encoding="utf-8"?>
 <p:sld xmlns:a="http://schemas.openxmlformats.org/drawingml/2006/main" xmlns:r="http://schemas.openxmlformats.org/officeDocument/2006/relationships" xmlns:p="http://schemas.openxmlformats.org/presentationml/2006/main">
   <p:cSld>
     <p:spTree>
@@ -19131,7 +17716,7 @@
           <a:graphicData uri="http://schemas.openxmlformats.org/presentationml/2006/ole">
             <mc:AlternateContent xmlns:mc="http://schemas.openxmlformats.org/markup-compatibility/2006">
               <mc:Choice xmlns:v="urn:schemas-microsoft-com:vml" Requires="v">
-                <p:oleObj spid="_x0000_s45151" name="think-cell Slide" r:id="rId5" imgW="270" imgH="270" progId="TCLayout.ActiveDocument.1">
+                <p:oleObj spid="_x0000_s45154" name="think-cell Slide" r:id="rId5" imgW="270" imgH="270" progId="TCLayout.ActiveDocument.1">
                   <p:embed/>
                 </p:oleObj>
               </mc:Choice>
@@ -20046,7 +18631,7 @@
 </p:sld>
 </file>
 
-<file path=ppt/slides/slide25.xml><?xml version="1.0" encoding="utf-8"?>
+<file path=ppt/slides/slide22.xml><?xml version="1.0" encoding="utf-8"?>
 <p:sld xmlns:a="http://schemas.openxmlformats.org/drawingml/2006/main" xmlns:r="http://schemas.openxmlformats.org/officeDocument/2006/relationships" xmlns:p="http://schemas.openxmlformats.org/presentationml/2006/main">
   <p:cSld>
     <p:spTree>
@@ -20113,7 +18698,7 @@
           <a:graphicData uri="http://schemas.openxmlformats.org/presentationml/2006/ole">
             <mc:AlternateContent xmlns:mc="http://schemas.openxmlformats.org/markup-compatibility/2006">
               <mc:Choice xmlns:v="urn:schemas-microsoft-com:vml" Requires="v">
-                <p:oleObj spid="_x0000_s60458" name="think-cell Slide" r:id="rId6" imgW="270" imgH="270" progId="TCLayout.ActiveDocument.1">
+                <p:oleObj spid="_x0000_s60461" name="think-cell Slide" r:id="rId6" imgW="270" imgH="270" progId="TCLayout.ActiveDocument.1">
                   <p:embed/>
                 </p:oleObj>
               </mc:Choice>
@@ -20211,7 +18796,7 @@
 </p:sld>
 </file>
 
-<file path=ppt/slides/slide26.xml><?xml version="1.0" encoding="utf-8"?>
+<file path=ppt/slides/slide23.xml><?xml version="1.0" encoding="utf-8"?>
 <p:sld xmlns:a="http://schemas.openxmlformats.org/drawingml/2006/main" xmlns:r="http://schemas.openxmlformats.org/officeDocument/2006/relationships" xmlns:p="http://schemas.openxmlformats.org/presentationml/2006/main">
   <p:cSld>
     <p:spTree>
@@ -20248,7 +18833,7 @@
           <a:graphicData uri="http://schemas.openxmlformats.org/presentationml/2006/ole">
             <mc:AlternateContent xmlns:mc="http://schemas.openxmlformats.org/markup-compatibility/2006">
               <mc:Choice xmlns:v="urn:schemas-microsoft-com:vml" Requires="v">
-                <p:oleObj spid="_x0000_s58412" name="think-cell Slide" r:id="rId5" imgW="270" imgH="270" progId="TCLayout.ActiveDocument.1">
+                <p:oleObj spid="_x0000_s58415" name="think-cell Slide" r:id="rId5" imgW="270" imgH="270" progId="TCLayout.ActiveDocument.1">
                   <p:embed/>
                 </p:oleObj>
               </mc:Choice>
@@ -20775,6 +19360,760 @@
 </p:sld>
 </file>
 
+<file path=ppt/slides/slide24.xml><?xml version="1.0" encoding="utf-8"?>
+<p:sld xmlns:a="http://schemas.openxmlformats.org/drawingml/2006/main" xmlns:r="http://schemas.openxmlformats.org/officeDocument/2006/relationships" xmlns:p="http://schemas.openxmlformats.org/presentationml/2006/main">
+  <p:cSld>
+    <p:spTree>
+      <p:nvGrpSpPr>
+        <p:cNvPr id="1" name=""/>
+        <p:cNvGrpSpPr/>
+        <p:nvPr/>
+      </p:nvGrpSpPr>
+      <p:grpSpPr>
+        <a:xfrm>
+          <a:off x="0" y="0"/>
+          <a:ext cx="0" cy="0"/>
+          <a:chOff x="0" y="0"/>
+          <a:chExt cx="0" cy="0"/>
+        </a:xfrm>
+      </p:grpSpPr>
+      <p:graphicFrame>
+        <p:nvGraphicFramePr>
+          <p:cNvPr id="2" name="Object 1" hidden="1"/>
+          <p:cNvGraphicFramePr>
+            <a:graphicFrameLocks noChangeAspect="1"/>
+          </p:cNvGraphicFramePr>
+          <p:nvPr>
+            <p:custDataLst>
+              <p:tags r:id="rId2"/>
+            </p:custDataLst>
+          </p:nvPr>
+        </p:nvGraphicFramePr>
+        <p:xfrm>
+          <a:off x="1466" y="1192"/>
+          <a:ext cx="1465" cy="1190"/>
+        </p:xfrm>
+        <a:graphic>
+          <a:graphicData uri="http://schemas.openxmlformats.org/presentationml/2006/ole">
+            <mc:AlternateContent xmlns:mc="http://schemas.openxmlformats.org/markup-compatibility/2006">
+              <mc:Choice xmlns:v="urn:schemas-microsoft-com:vml" Requires="v">
+                <p:oleObj spid="_x0000_s56388" name="think-cell Slide" r:id="rId5" imgW="270" imgH="270" progId="TCLayout.ActiveDocument.1">
+                  <p:embed/>
+                </p:oleObj>
+              </mc:Choice>
+              <mc:Fallback>
+                <p:oleObj name="think-cell Slide" r:id="rId5" imgW="270" imgH="270" progId="TCLayout.ActiveDocument.1">
+                  <p:embed/>
+                  <p:pic>
+                    <p:nvPicPr>
+                      <p:cNvPr id="2" name="Object 1" hidden="1"/>
+                      <p:cNvPicPr>
+                        <a:picLocks noChangeAspect="1" noChangeArrowheads="1"/>
+                      </p:cNvPicPr>
+                      <p:nvPr/>
+                    </p:nvPicPr>
+                    <p:blipFill>
+                      <a:blip r:embed="rId6">
+                        <a:extLst>
+                          <a:ext uri="{28A0092B-C50C-407E-A947-70E740481C1C}">
+                            <a14:useLocalDpi xmlns:a14="http://schemas.microsoft.com/office/drawing/2010/main" val="0"/>
+                          </a:ext>
+                        </a:extLst>
+                      </a:blip>
+                      <a:srcRect/>
+                      <a:stretch>
+                        <a:fillRect/>
+                      </a:stretch>
+                    </p:blipFill>
+                    <p:spPr bwMode="auto">
+                      <a:xfrm>
+                        <a:off x="1466" y="1192"/>
+                        <a:ext cx="1465" cy="1190"/>
+                      </a:xfrm>
+                      <a:prstGeom prst="rect">
+                        <a:avLst/>
+                      </a:prstGeom>
+                      <a:noFill/>
+                      <a:extLst>
+                        <a:ext uri="{909E8E84-426E-40DD-AFC4-6F175D3DCCD1}">
+                          <a14:hiddenFill xmlns:a14="http://schemas.microsoft.com/office/drawing/2010/main">
+                            <a:solidFill>
+                              <a:srgbClr val="FFFFFF"/>
+                            </a:solidFill>
+                          </a14:hiddenFill>
+                        </a:ext>
+                      </a:extLst>
+                    </p:spPr>
+                  </p:pic>
+                </p:oleObj>
+              </mc:Fallback>
+            </mc:AlternateContent>
+          </a:graphicData>
+        </a:graphic>
+      </p:graphicFrame>
+      <p:sp>
+        <p:nvSpPr>
+          <p:cNvPr id="18435" name="Titre 21"/>
+          <p:cNvSpPr>
+            <a:spLocks noGrp="1"/>
+          </p:cNvSpPr>
+          <p:nvPr>
+            <p:ph type="title"/>
+          </p:nvPr>
+        </p:nvSpPr>
+        <p:spPr/>
+        <p:txBody>
+          <a:bodyPr/>
+          <a:lstStyle/>
+          <a:p>
+            <a:r>
+              <a:rPr lang="fr-FR" sz="2000" dirty="0"/>
+              <a:t>Navigation / Décision et Jauge de probabilité de défaut</a:t>
+            </a:r>
+          </a:p>
+        </p:txBody>
+      </p:sp>
+      <p:pic>
+        <p:nvPicPr>
+          <p:cNvPr id="13" name="Image 12">
+            <a:extLst>
+              <a:ext uri="{FF2B5EF4-FFF2-40B4-BE49-F238E27FC236}">
+                <a16:creationId xmlns:a16="http://schemas.microsoft.com/office/drawing/2014/main" id="{4205BCE6-DE2F-4585-83DC-07DA395EE6AC}"/>
+              </a:ext>
+            </a:extLst>
+          </p:cNvPr>
+          <p:cNvPicPr>
+            <a:picLocks noChangeAspect="1"/>
+          </p:cNvPicPr>
+          <p:nvPr/>
+        </p:nvPicPr>
+        <p:blipFill>
+          <a:blip r:embed="rId7"/>
+          <a:stretch>
+            <a:fillRect/>
+          </a:stretch>
+        </p:blipFill>
+        <p:spPr>
+          <a:xfrm>
+            <a:off x="375556" y="723900"/>
+            <a:ext cx="2233445" cy="3729567"/>
+          </a:xfrm>
+          <a:prstGeom prst="rect">
+            <a:avLst/>
+          </a:prstGeom>
+        </p:spPr>
+      </p:pic>
+      <p:pic>
+        <p:nvPicPr>
+          <p:cNvPr id="15" name="Image 14">
+            <a:extLst>
+              <a:ext uri="{FF2B5EF4-FFF2-40B4-BE49-F238E27FC236}">
+                <a16:creationId xmlns:a16="http://schemas.microsoft.com/office/drawing/2014/main" id="{A47366D2-2B01-4CEB-8C2A-D26C5A9E3471}"/>
+              </a:ext>
+            </a:extLst>
+          </p:cNvPr>
+          <p:cNvPicPr>
+            <a:picLocks noChangeAspect="1"/>
+          </p:cNvPicPr>
+          <p:nvPr/>
+        </p:nvPicPr>
+        <p:blipFill>
+          <a:blip r:embed="rId8"/>
+          <a:stretch>
+            <a:fillRect/>
+          </a:stretch>
+        </p:blipFill>
+        <p:spPr>
+          <a:xfrm>
+            <a:off x="3031066" y="2302934"/>
+            <a:ext cx="2819400" cy="619125"/>
+          </a:xfrm>
+          <a:prstGeom prst="rect">
+            <a:avLst/>
+          </a:prstGeom>
+        </p:spPr>
+      </p:pic>
+      <p:pic>
+        <p:nvPicPr>
+          <p:cNvPr id="17" name="Image 16">
+            <a:extLst>
+              <a:ext uri="{FF2B5EF4-FFF2-40B4-BE49-F238E27FC236}">
+                <a16:creationId xmlns:a16="http://schemas.microsoft.com/office/drawing/2014/main" id="{BCC64919-BDFF-4609-A74A-CBD67B438DC8}"/>
+              </a:ext>
+            </a:extLst>
+          </p:cNvPr>
+          <p:cNvPicPr>
+            <a:picLocks noChangeAspect="1"/>
+          </p:cNvPicPr>
+          <p:nvPr/>
+        </p:nvPicPr>
+        <p:blipFill>
+          <a:blip r:embed="rId9"/>
+          <a:stretch>
+            <a:fillRect/>
+          </a:stretch>
+        </p:blipFill>
+        <p:spPr>
+          <a:xfrm>
+            <a:off x="6443133" y="723900"/>
+            <a:ext cx="2358761" cy="3855516"/>
+          </a:xfrm>
+          <a:prstGeom prst="rect">
+            <a:avLst/>
+          </a:prstGeom>
+        </p:spPr>
+      </p:pic>
+    </p:spTree>
+    <p:extLst>
+      <p:ext uri="{BB962C8B-B14F-4D97-AF65-F5344CB8AC3E}">
+        <p14:creationId xmlns:p14="http://schemas.microsoft.com/office/powerpoint/2010/main" val="2322906470"/>
+      </p:ext>
+    </p:extLst>
+  </p:cSld>
+  <p:clrMapOvr>
+    <a:masterClrMapping/>
+  </p:clrMapOvr>
+  <mc:AlternateContent xmlns:mc="http://schemas.openxmlformats.org/markup-compatibility/2006" xmlns:p14="http://schemas.microsoft.com/office/powerpoint/2010/main">
+    <mc:Choice Requires="p14">
+      <p:transition p14:dur="0"/>
+    </mc:Choice>
+    <mc:Fallback xmlns="">
+      <p:transition/>
+    </mc:Fallback>
+  </mc:AlternateContent>
+</p:sld>
+</file>
+
+<file path=ppt/slides/slide25.xml><?xml version="1.0" encoding="utf-8"?>
+<p:sld xmlns:a="http://schemas.openxmlformats.org/drawingml/2006/main" xmlns:r="http://schemas.openxmlformats.org/officeDocument/2006/relationships" xmlns:p="http://schemas.openxmlformats.org/presentationml/2006/main">
+  <p:cSld>
+    <p:spTree>
+      <p:nvGrpSpPr>
+        <p:cNvPr id="1" name=""/>
+        <p:cNvGrpSpPr/>
+        <p:nvPr/>
+      </p:nvGrpSpPr>
+      <p:grpSpPr>
+        <a:xfrm>
+          <a:off x="0" y="0"/>
+          <a:ext cx="0" cy="0"/>
+          <a:chOff x="0" y="0"/>
+          <a:chExt cx="0" cy="0"/>
+        </a:xfrm>
+      </p:grpSpPr>
+      <p:graphicFrame>
+        <p:nvGraphicFramePr>
+          <p:cNvPr id="2" name="Object 1" hidden="1"/>
+          <p:cNvGraphicFramePr>
+            <a:graphicFrameLocks noChangeAspect="1"/>
+          </p:cNvGraphicFramePr>
+          <p:nvPr>
+            <p:custDataLst>
+              <p:tags r:id="rId2"/>
+            </p:custDataLst>
+          </p:nvPr>
+        </p:nvGraphicFramePr>
+        <p:xfrm>
+          <a:off x="1466" y="1192"/>
+          <a:ext cx="1465" cy="1190"/>
+        </p:xfrm>
+        <a:graphic>
+          <a:graphicData uri="http://schemas.openxmlformats.org/presentationml/2006/ole">
+            <mc:AlternateContent xmlns:mc="http://schemas.openxmlformats.org/markup-compatibility/2006">
+              <mc:Choice xmlns:v="urn:schemas-microsoft-com:vml" Requires="v">
+                <p:oleObj spid="_x0000_s65562" name="think-cell Slide" r:id="rId5" imgW="270" imgH="270" progId="TCLayout.ActiveDocument.1">
+                  <p:embed/>
+                </p:oleObj>
+              </mc:Choice>
+              <mc:Fallback>
+                <p:oleObj name="think-cell Slide" r:id="rId5" imgW="270" imgH="270" progId="TCLayout.ActiveDocument.1">
+                  <p:embed/>
+                  <p:pic>
+                    <p:nvPicPr>
+                      <p:cNvPr id="2" name="Object 1" hidden="1"/>
+                      <p:cNvPicPr>
+                        <a:picLocks noChangeAspect="1" noChangeArrowheads="1"/>
+                      </p:cNvPicPr>
+                      <p:nvPr/>
+                    </p:nvPicPr>
+                    <p:blipFill>
+                      <a:blip r:embed="rId6">
+                        <a:extLst>
+                          <a:ext uri="{28A0092B-C50C-407E-A947-70E740481C1C}">
+                            <a14:useLocalDpi xmlns:a14="http://schemas.microsoft.com/office/drawing/2010/main" val="0"/>
+                          </a:ext>
+                        </a:extLst>
+                      </a:blip>
+                      <a:srcRect/>
+                      <a:stretch>
+                        <a:fillRect/>
+                      </a:stretch>
+                    </p:blipFill>
+                    <p:spPr bwMode="auto">
+                      <a:xfrm>
+                        <a:off x="1466" y="1192"/>
+                        <a:ext cx="1465" cy="1190"/>
+                      </a:xfrm>
+                      <a:prstGeom prst="rect">
+                        <a:avLst/>
+                      </a:prstGeom>
+                      <a:noFill/>
+                      <a:extLst>
+                        <a:ext uri="{909E8E84-426E-40DD-AFC4-6F175D3DCCD1}">
+                          <a14:hiddenFill xmlns:a14="http://schemas.microsoft.com/office/drawing/2010/main">
+                            <a:solidFill>
+                              <a:srgbClr val="FFFFFF"/>
+                            </a:solidFill>
+                          </a14:hiddenFill>
+                        </a:ext>
+                      </a:extLst>
+                    </p:spPr>
+                  </p:pic>
+                </p:oleObj>
+              </mc:Fallback>
+            </mc:AlternateContent>
+          </a:graphicData>
+        </a:graphic>
+      </p:graphicFrame>
+      <p:sp>
+        <p:nvSpPr>
+          <p:cNvPr id="18435" name="Titre 21"/>
+          <p:cNvSpPr>
+            <a:spLocks noGrp="1"/>
+          </p:cNvSpPr>
+          <p:nvPr>
+            <p:ph type="title"/>
+          </p:nvPr>
+        </p:nvSpPr>
+        <p:spPr/>
+        <p:txBody>
+          <a:bodyPr/>
+          <a:lstStyle/>
+          <a:p>
+            <a:r>
+              <a:rPr lang="fr-FR" sz="2000" dirty="0"/>
+              <a:t>Explication synthétique de la décision</a:t>
+            </a:r>
+          </a:p>
+        </p:txBody>
+      </p:sp>
+      <p:sp>
+        <p:nvSpPr>
+          <p:cNvPr id="15" name="Flèche : gauche 14">
+            <a:extLst>
+              <a:ext uri="{FF2B5EF4-FFF2-40B4-BE49-F238E27FC236}">
+                <a16:creationId xmlns:a16="http://schemas.microsoft.com/office/drawing/2014/main" id="{F36325D8-43CC-4D6A-816A-D53F53265107}"/>
+              </a:ext>
+            </a:extLst>
+          </p:cNvPr>
+          <p:cNvSpPr/>
+          <p:nvPr/>
+        </p:nvSpPr>
+        <p:spPr>
+          <a:xfrm>
+            <a:off x="325966" y="3382218"/>
+            <a:ext cx="3224843" cy="1329971"/>
+          </a:xfrm>
+          <a:prstGeom prst="leftArrow">
+            <a:avLst/>
+          </a:prstGeom>
+          <a:solidFill>
+            <a:schemeClr val="accent1"/>
+          </a:solidFill>
+          <a:ln w="3175">
+            <a:noFill/>
+          </a:ln>
+        </p:spPr>
+        <p:style>
+          <a:lnRef idx="2">
+            <a:schemeClr val="accent1">
+              <a:shade val="50000"/>
+            </a:schemeClr>
+          </a:lnRef>
+          <a:fillRef idx="1">
+            <a:schemeClr val="accent1"/>
+          </a:fillRef>
+          <a:effectRef idx="0">
+            <a:schemeClr val="accent1"/>
+          </a:effectRef>
+          <a:fontRef idx="minor">
+            <a:schemeClr val="lt1"/>
+          </a:fontRef>
+        </p:style>
+        <p:txBody>
+          <a:bodyPr rot="0" spcFirstLastPara="0" vertOverflow="overflow" horzOverflow="overflow" vert="horz" wrap="square" lIns="91440" tIns="90000" rIns="91440" bIns="90000" numCol="1" spcCol="0" rtlCol="0" fromWordArt="0" anchor="ctr" anchorCtr="0" forceAA="0" compatLnSpc="1">
+            <a:prstTxWarp prst="textNoShape">
+              <a:avLst/>
+            </a:prstTxWarp>
+            <a:noAutofit/>
+          </a:bodyPr>
+          <a:lstStyle/>
+          <a:p>
+            <a:pPr algn="ctr"/>
+            <a:r>
+              <a:rPr lang="fr-FR" sz="1400" b="1" dirty="0">
+                <a:solidFill>
+                  <a:schemeClr val="tx1"/>
+                </a:solidFill>
+              </a:rPr>
+              <a:t>Diminution</a:t>
+            </a:r>
+          </a:p>
+          <a:p>
+            <a:pPr algn="ctr"/>
+            <a:r>
+              <a:rPr lang="fr-FR" sz="1400" b="1" dirty="0">
+                <a:solidFill>
+                  <a:schemeClr val="tx1"/>
+                </a:solidFill>
+              </a:rPr>
+              <a:t>de la probabilité de défaut</a:t>
+            </a:r>
+          </a:p>
+          <a:p>
+            <a:pPr algn="ctr"/>
+            <a:r>
+              <a:rPr lang="fr-FR" sz="1400" b="1" dirty="0">
+                <a:solidFill>
+                  <a:schemeClr val="tx1"/>
+                </a:solidFill>
+              </a:rPr>
+              <a:t>En faveur du client</a:t>
+            </a:r>
+          </a:p>
+        </p:txBody>
+      </p:sp>
+      <p:sp>
+        <p:nvSpPr>
+          <p:cNvPr id="16" name="Flèche : droite 15">
+            <a:extLst>
+              <a:ext uri="{FF2B5EF4-FFF2-40B4-BE49-F238E27FC236}">
+                <a16:creationId xmlns:a16="http://schemas.microsoft.com/office/drawing/2014/main" id="{454F8B5D-8DA1-451E-8063-1F0FBA639016}"/>
+              </a:ext>
+            </a:extLst>
+          </p:cNvPr>
+          <p:cNvSpPr/>
+          <p:nvPr/>
+        </p:nvSpPr>
+        <p:spPr>
+          <a:xfrm>
+            <a:off x="3566949" y="3382219"/>
+            <a:ext cx="4942978" cy="1329972"/>
+          </a:xfrm>
+          <a:prstGeom prst="rightArrow">
+            <a:avLst/>
+          </a:prstGeom>
+          <a:solidFill>
+            <a:srgbClr val="FFC000"/>
+          </a:solidFill>
+          <a:ln w="3175">
+            <a:noFill/>
+          </a:ln>
+        </p:spPr>
+        <p:style>
+          <a:lnRef idx="2">
+            <a:schemeClr val="accent1">
+              <a:shade val="50000"/>
+            </a:schemeClr>
+          </a:lnRef>
+          <a:fillRef idx="1">
+            <a:schemeClr val="accent1"/>
+          </a:fillRef>
+          <a:effectRef idx="0">
+            <a:schemeClr val="accent1"/>
+          </a:effectRef>
+          <a:fontRef idx="minor">
+            <a:schemeClr val="lt1"/>
+          </a:fontRef>
+        </p:style>
+        <p:txBody>
+          <a:bodyPr rot="0" spcFirstLastPara="0" vertOverflow="overflow" horzOverflow="overflow" vert="horz" wrap="square" lIns="91440" tIns="90000" rIns="91440" bIns="90000" numCol="1" spcCol="0" rtlCol="0" fromWordArt="0" anchor="ctr" anchorCtr="0" forceAA="0" compatLnSpc="1">
+            <a:prstTxWarp prst="textNoShape">
+              <a:avLst/>
+            </a:prstTxWarp>
+            <a:noAutofit/>
+          </a:bodyPr>
+          <a:lstStyle/>
+          <a:p>
+            <a:pPr algn="ctr"/>
+            <a:r>
+              <a:rPr lang="fr-FR" sz="1400" b="1" dirty="0">
+                <a:solidFill>
+                  <a:schemeClr val="tx1"/>
+                </a:solidFill>
+              </a:rPr>
+              <a:t>Augmentation</a:t>
+            </a:r>
+          </a:p>
+          <a:p>
+            <a:pPr algn="ctr"/>
+            <a:r>
+              <a:rPr lang="fr-FR" sz="1400" b="1" dirty="0">
+                <a:solidFill>
+                  <a:schemeClr val="tx1"/>
+                </a:solidFill>
+              </a:rPr>
+              <a:t>de la probabilité de défaut</a:t>
+            </a:r>
+          </a:p>
+          <a:p>
+            <a:pPr algn="ctr"/>
+            <a:r>
+              <a:rPr lang="fr-FR" sz="1400" b="1" dirty="0">
+                <a:solidFill>
+                  <a:schemeClr val="tx1"/>
+                </a:solidFill>
+              </a:rPr>
+              <a:t>En défaveur du client</a:t>
+            </a:r>
+          </a:p>
+        </p:txBody>
+      </p:sp>
+      <p:pic>
+        <p:nvPicPr>
+          <p:cNvPr id="7" name="Image 6">
+            <a:extLst>
+              <a:ext uri="{FF2B5EF4-FFF2-40B4-BE49-F238E27FC236}">
+                <a16:creationId xmlns:a16="http://schemas.microsoft.com/office/drawing/2014/main" id="{763F28F7-1BC9-4535-BABF-C44778825B71}"/>
+              </a:ext>
+            </a:extLst>
+          </p:cNvPr>
+          <p:cNvPicPr>
+            <a:picLocks noChangeAspect="1"/>
+          </p:cNvPicPr>
+          <p:nvPr/>
+        </p:nvPicPr>
+        <p:blipFill>
+          <a:blip r:embed="rId7"/>
+          <a:stretch>
+            <a:fillRect/>
+          </a:stretch>
+        </p:blipFill>
+        <p:spPr>
+          <a:xfrm>
+            <a:off x="342106" y="783203"/>
+            <a:ext cx="8302206" cy="2599015"/>
+          </a:xfrm>
+          <a:prstGeom prst="rect">
+            <a:avLst/>
+          </a:prstGeom>
+        </p:spPr>
+      </p:pic>
+    </p:spTree>
+    <p:extLst>
+      <p:ext uri="{BB962C8B-B14F-4D97-AF65-F5344CB8AC3E}">
+        <p14:creationId xmlns:p14="http://schemas.microsoft.com/office/powerpoint/2010/main" val="2858115962"/>
+      </p:ext>
+    </p:extLst>
+  </p:cSld>
+  <p:clrMapOvr>
+    <a:masterClrMapping/>
+  </p:clrMapOvr>
+  <mc:AlternateContent xmlns:mc="http://schemas.openxmlformats.org/markup-compatibility/2006" xmlns:p14="http://schemas.microsoft.com/office/powerpoint/2010/main">
+    <mc:Choice Requires="p14">
+      <p:transition p14:dur="0"/>
+    </mc:Choice>
+    <mc:Fallback xmlns="">
+      <p:transition/>
+    </mc:Fallback>
+  </mc:AlternateContent>
+</p:sld>
+</file>
+
+<file path=ppt/slides/slide26.xml><?xml version="1.0" encoding="utf-8"?>
+<p:sld xmlns:a="http://schemas.openxmlformats.org/drawingml/2006/main" xmlns:r="http://schemas.openxmlformats.org/officeDocument/2006/relationships" xmlns:p="http://schemas.openxmlformats.org/presentationml/2006/main">
+  <p:cSld>
+    <p:spTree>
+      <p:nvGrpSpPr>
+        <p:cNvPr id="1" name=""/>
+        <p:cNvGrpSpPr/>
+        <p:nvPr/>
+      </p:nvGrpSpPr>
+      <p:grpSpPr>
+        <a:xfrm>
+          <a:off x="0" y="0"/>
+          <a:ext cx="0" cy="0"/>
+          <a:chOff x="0" y="0"/>
+          <a:chExt cx="0" cy="0"/>
+        </a:xfrm>
+      </p:grpSpPr>
+      <p:graphicFrame>
+        <p:nvGraphicFramePr>
+          <p:cNvPr id="2" name="Object 1" hidden="1"/>
+          <p:cNvGraphicFramePr>
+            <a:graphicFrameLocks noChangeAspect="1"/>
+          </p:cNvGraphicFramePr>
+          <p:nvPr>
+            <p:custDataLst>
+              <p:tags r:id="rId2"/>
+            </p:custDataLst>
+          </p:nvPr>
+        </p:nvGraphicFramePr>
+        <p:xfrm>
+          <a:off x="1466" y="1192"/>
+          <a:ext cx="1465" cy="1190"/>
+        </p:xfrm>
+        <a:graphic>
+          <a:graphicData uri="http://schemas.openxmlformats.org/presentationml/2006/ole">
+            <mc:AlternateContent xmlns:mc="http://schemas.openxmlformats.org/markup-compatibility/2006">
+              <mc:Choice xmlns:v="urn:schemas-microsoft-com:vml" Requires="v">
+                <p:oleObj spid="_x0000_s66586" name="think-cell Slide" r:id="rId5" imgW="270" imgH="270" progId="TCLayout.ActiveDocument.1">
+                  <p:embed/>
+                </p:oleObj>
+              </mc:Choice>
+              <mc:Fallback>
+                <p:oleObj name="think-cell Slide" r:id="rId5" imgW="270" imgH="270" progId="TCLayout.ActiveDocument.1">
+                  <p:embed/>
+                  <p:pic>
+                    <p:nvPicPr>
+                      <p:cNvPr id="2" name="Object 1" hidden="1"/>
+                      <p:cNvPicPr>
+                        <a:picLocks noChangeAspect="1" noChangeArrowheads="1"/>
+                      </p:cNvPicPr>
+                      <p:nvPr/>
+                    </p:nvPicPr>
+                    <p:blipFill>
+                      <a:blip r:embed="rId6">
+                        <a:extLst>
+                          <a:ext uri="{28A0092B-C50C-407E-A947-70E740481C1C}">
+                            <a14:useLocalDpi xmlns:a14="http://schemas.microsoft.com/office/drawing/2010/main" val="0"/>
+                          </a:ext>
+                        </a:extLst>
+                      </a:blip>
+                      <a:srcRect/>
+                      <a:stretch>
+                        <a:fillRect/>
+                      </a:stretch>
+                    </p:blipFill>
+                    <p:spPr bwMode="auto">
+                      <a:xfrm>
+                        <a:off x="1466" y="1192"/>
+                        <a:ext cx="1465" cy="1190"/>
+                      </a:xfrm>
+                      <a:prstGeom prst="rect">
+                        <a:avLst/>
+                      </a:prstGeom>
+                      <a:noFill/>
+                      <a:extLst>
+                        <a:ext uri="{909E8E84-426E-40DD-AFC4-6F175D3DCCD1}">
+                          <a14:hiddenFill xmlns:a14="http://schemas.microsoft.com/office/drawing/2010/main">
+                            <a:solidFill>
+                              <a:srgbClr val="FFFFFF"/>
+                            </a:solidFill>
+                          </a14:hiddenFill>
+                        </a:ext>
+                      </a:extLst>
+                    </p:spPr>
+                  </p:pic>
+                </p:oleObj>
+              </mc:Fallback>
+            </mc:AlternateContent>
+          </a:graphicData>
+        </a:graphic>
+      </p:graphicFrame>
+      <p:sp>
+        <p:nvSpPr>
+          <p:cNvPr id="18435" name="Titre 21"/>
+          <p:cNvSpPr>
+            <a:spLocks noGrp="1"/>
+          </p:cNvSpPr>
+          <p:nvPr>
+            <p:ph type="title"/>
+          </p:nvPr>
+        </p:nvSpPr>
+        <p:spPr/>
+        <p:txBody>
+          <a:bodyPr/>
+          <a:lstStyle/>
+          <a:p>
+            <a:r>
+              <a:rPr lang="fr-FR" sz="2000" dirty="0"/>
+              <a:t>Explications détaillées de la décision</a:t>
+            </a:r>
+          </a:p>
+        </p:txBody>
+      </p:sp>
+      <p:pic>
+        <p:nvPicPr>
+          <p:cNvPr id="11" name="Image 10">
+            <a:extLst>
+              <a:ext uri="{FF2B5EF4-FFF2-40B4-BE49-F238E27FC236}">
+                <a16:creationId xmlns:a16="http://schemas.microsoft.com/office/drawing/2014/main" id="{B92FF197-D211-470E-AA50-6382F52273BB}"/>
+              </a:ext>
+            </a:extLst>
+          </p:cNvPr>
+          <p:cNvPicPr>
+            <a:picLocks noChangeAspect="1"/>
+          </p:cNvPicPr>
+          <p:nvPr/>
+        </p:nvPicPr>
+        <p:blipFill>
+          <a:blip r:embed="rId7"/>
+          <a:stretch>
+            <a:fillRect/>
+          </a:stretch>
+        </p:blipFill>
+        <p:spPr>
+          <a:xfrm>
+            <a:off x="-17726" y="720254"/>
+            <a:ext cx="5951532" cy="1561513"/>
+          </a:xfrm>
+          <a:prstGeom prst="rect">
+            <a:avLst/>
+          </a:prstGeom>
+        </p:spPr>
+      </p:pic>
+      <p:pic>
+        <p:nvPicPr>
+          <p:cNvPr id="13" name="Image 12">
+            <a:extLst>
+              <a:ext uri="{FF2B5EF4-FFF2-40B4-BE49-F238E27FC236}">
+                <a16:creationId xmlns:a16="http://schemas.microsoft.com/office/drawing/2014/main" id="{DFE5448A-0143-479D-BC07-EA9C614C1B7A}"/>
+              </a:ext>
+            </a:extLst>
+          </p:cNvPr>
+          <p:cNvPicPr>
+            <a:picLocks noChangeAspect="1"/>
+          </p:cNvPicPr>
+          <p:nvPr/>
+        </p:nvPicPr>
+        <p:blipFill>
+          <a:blip r:embed="rId8"/>
+          <a:stretch>
+            <a:fillRect/>
+          </a:stretch>
+        </p:blipFill>
+        <p:spPr>
+          <a:xfrm>
+            <a:off x="70378" y="2520831"/>
+            <a:ext cx="8732227" cy="1293402"/>
+          </a:xfrm>
+          <a:prstGeom prst="rect">
+            <a:avLst/>
+          </a:prstGeom>
+        </p:spPr>
+      </p:pic>
+    </p:spTree>
+    <p:extLst>
+      <p:ext uri="{BB962C8B-B14F-4D97-AF65-F5344CB8AC3E}">
+        <p14:creationId xmlns:p14="http://schemas.microsoft.com/office/powerpoint/2010/main" val="2430442757"/>
+      </p:ext>
+    </p:extLst>
+  </p:cSld>
+  <p:clrMapOvr>
+    <a:masterClrMapping/>
+  </p:clrMapOvr>
+  <mc:AlternateContent xmlns:mc="http://schemas.openxmlformats.org/markup-compatibility/2006" xmlns:p14="http://schemas.microsoft.com/office/powerpoint/2010/main">
+    <mc:Choice Requires="p14">
+      <p:transition p14:dur="0"/>
+    </mc:Choice>
+    <mc:Fallback xmlns="">
+      <p:transition/>
+    </mc:Fallback>
+  </mc:AlternateContent>
+</p:sld>
+</file>
+
 <file path=ppt/slides/slide27.xml><?xml version="1.0" encoding="utf-8"?>
 <p:sld xmlns:a="http://schemas.openxmlformats.org/drawingml/2006/main" xmlns:r="http://schemas.openxmlformats.org/officeDocument/2006/relationships" xmlns:p="http://schemas.openxmlformats.org/presentationml/2006/main">
   <p:cSld>
@@ -20817,7 +20156,7 @@
           <a:graphicData uri="http://schemas.openxmlformats.org/presentationml/2006/ole">
             <mc:AlternateContent xmlns:mc="http://schemas.openxmlformats.org/markup-compatibility/2006">
               <mc:Choice xmlns:v="urn:schemas-microsoft-com:vml" Requires="v">
-                <p:oleObj spid="_x0000_s25269" name="think-cell Slide" r:id="rId5" imgW="270" imgH="270" progId="TCLayout.ActiveDocument.1">
+                <p:oleObj spid="_x0000_s25272" name="think-cell Slide" r:id="rId5" imgW="270" imgH="270" progId="TCLayout.ActiveDocument.1">
                   <p:embed/>
                 </p:oleObj>
               </mc:Choice>
@@ -20924,7 +20263,7 @@
           <a:graphicData uri="http://schemas.openxmlformats.org/presentationml/2006/ole">
             <mc:AlternateContent xmlns:mc="http://schemas.openxmlformats.org/markup-compatibility/2006">
               <mc:Choice xmlns:v="urn:schemas-microsoft-com:vml" Requires="v">
-                <p:oleObj spid="_x0000_s9909" name="think-cell Slide" r:id="rId5" imgW="270" imgH="270" progId="TCLayout.ActiveDocument.1">
+                <p:oleObj spid="_x0000_s9912" name="think-cell Slide" r:id="rId5" imgW="270" imgH="270" progId="TCLayout.ActiveDocument.1">
                   <p:embed/>
                 </p:oleObj>
               </mc:Choice>
@@ -21596,7 +20935,7 @@
           <a:graphicData uri="http://schemas.openxmlformats.org/presentationml/2006/ole">
             <mc:AlternateContent xmlns:mc="http://schemas.openxmlformats.org/markup-compatibility/2006">
               <mc:Choice xmlns:v="urn:schemas-microsoft-com:vml" Requires="v">
-                <p:oleObj spid="_x0000_s10933" name="think-cell Slide" r:id="rId5" imgW="270" imgH="270" progId="TCLayout.ActiveDocument.1">
+                <p:oleObj spid="_x0000_s10936" name="think-cell Slide" r:id="rId5" imgW="270" imgH="270" progId="TCLayout.ActiveDocument.1">
                   <p:embed/>
                 </p:oleObj>
               </mc:Choice>
@@ -21761,7 +21100,7 @@
           <a:graphicData uri="http://schemas.openxmlformats.org/presentationml/2006/ole">
             <mc:AlternateContent xmlns:mc="http://schemas.openxmlformats.org/markup-compatibility/2006">
               <mc:Choice xmlns:v="urn:schemas-microsoft-com:vml" Requires="v">
-                <p:oleObj spid="_x0000_s32156" name="think-cell Slide" r:id="rId5" imgW="270" imgH="270" progId="TCLayout.ActiveDocument.1">
+                <p:oleObj spid="_x0000_s32159" name="think-cell Slide" r:id="rId5" imgW="270" imgH="270" progId="TCLayout.ActiveDocument.1">
                   <p:embed/>
                 </p:oleObj>
               </mc:Choice>
@@ -24372,7 +23711,7 @@
           <a:graphicData uri="http://schemas.openxmlformats.org/presentationml/2006/ole">
             <mc:AlternateContent xmlns:mc="http://schemas.openxmlformats.org/markup-compatibility/2006">
               <mc:Choice xmlns:v="urn:schemas-microsoft-com:vml" Requires="v">
-                <p:oleObj spid="_x0000_s40071" name="think-cell Slide" r:id="rId5" imgW="270" imgH="270" progId="TCLayout.ActiveDocument.1">
+                <p:oleObj spid="_x0000_s40074" name="think-cell Slide" r:id="rId5" imgW="270" imgH="270" progId="TCLayout.ActiveDocument.1">
                   <p:embed/>
                 </p:oleObj>
               </mc:Choice>
@@ -24569,7 +23908,7 @@
           <a:graphicData uri="http://schemas.openxmlformats.org/presentationml/2006/ole">
             <mc:AlternateContent xmlns:mc="http://schemas.openxmlformats.org/markup-compatibility/2006">
               <mc:Choice xmlns:v="urn:schemas-microsoft-com:vml" Requires="v">
-                <p:oleObj spid="_x0000_s62503" name="think-cell Slide" r:id="rId5" imgW="270" imgH="270" progId="TCLayout.ActiveDocument.1">
+                <p:oleObj spid="_x0000_s62506" name="think-cell Slide" r:id="rId5" imgW="270" imgH="270" progId="TCLayout.ActiveDocument.1">
                   <p:embed/>
                 </p:oleObj>
               </mc:Choice>
@@ -26483,7 +25822,7 @@
                   </a:schemeClr>
                 </a:solidFill>
               </a:rPr>
-              <a:t>Git, GitHub: </a:t>
+              <a:t>Git, GitHub: Plateforme  de développement collaborative</a:t>
             </a:r>
           </a:p>
         </p:txBody>
@@ -26505,7 +25844,7 @@
         <p:spPr bwMode="auto">
           <a:xfrm>
             <a:off x="5425852" y="743484"/>
-            <a:ext cx="3376039" cy="158805"/>
+            <a:ext cx="3376039" cy="217776"/>
           </a:xfrm>
           <a:prstGeom prst="rect">
             <a:avLst/>
@@ -26714,7 +26053,7 @@
                   </a:schemeClr>
                 </a:solidFill>
               </a:rPr>
-              <a:t>: Plateforme de partage de Data Science</a:t>
+              <a:t>: Plateforme de partage utilisée par la communauté des Data Scientists</a:t>
             </a:r>
           </a:p>
         </p:txBody>
@@ -27328,6 +26667,930 @@
 </file>
 
 <file path=ppt/slides/slide8.xml><?xml version="1.0" encoding="utf-8"?>
+<p:sld xmlns:a="http://schemas.openxmlformats.org/drawingml/2006/main" xmlns:r="http://schemas.openxmlformats.org/officeDocument/2006/relationships" xmlns:p="http://schemas.openxmlformats.org/presentationml/2006/main">
+  <p:cSld>
+    <p:spTree>
+      <p:nvGrpSpPr>
+        <p:cNvPr id="1" name=""/>
+        <p:cNvGrpSpPr/>
+        <p:nvPr/>
+      </p:nvGrpSpPr>
+      <p:grpSpPr>
+        <a:xfrm>
+          <a:off x="0" y="0"/>
+          <a:ext cx="0" cy="0"/>
+          <a:chOff x="0" y="0"/>
+          <a:chExt cx="0" cy="0"/>
+        </a:xfrm>
+      </p:grpSpPr>
+      <p:sp>
+        <p:nvSpPr>
+          <p:cNvPr id="6" name="Espace réservé du contenu 22">
+            <a:extLst>
+              <a:ext uri="{FF2B5EF4-FFF2-40B4-BE49-F238E27FC236}">
+                <a16:creationId xmlns:a16="http://schemas.microsoft.com/office/drawing/2014/main" id="{80C0405A-3AB6-468A-97EB-7613CDDED00D}"/>
+              </a:ext>
+            </a:extLst>
+          </p:cNvPr>
+          <p:cNvSpPr txBox="1">
+            <a:spLocks/>
+          </p:cNvSpPr>
+          <p:nvPr/>
+        </p:nvSpPr>
+        <p:spPr bwMode="auto">
+          <a:xfrm>
+            <a:off x="342106" y="1548017"/>
+            <a:ext cx="8459788" cy="2178049"/>
+          </a:xfrm>
+          <a:prstGeom prst="rect">
+            <a:avLst/>
+          </a:prstGeom>
+          <a:noFill/>
+          <a:ln>
+            <a:noFill/>
+          </a:ln>
+          <a:extLst>
+            <a:ext uri="{909E8E84-426E-40DD-AFC4-6F175D3DCCD1}">
+              <a14:hiddenFill xmlns:a14="http://schemas.microsoft.com/office/drawing/2010/main">
+                <a:solidFill>
+                  <a:srgbClr val="FFFFFF"/>
+                </a:solidFill>
+              </a14:hiddenFill>
+            </a:ext>
+            <a:ext uri="{91240B29-F687-4F45-9708-019B960494DF}">
+              <a14:hiddenLine xmlns:a14="http://schemas.microsoft.com/office/drawing/2010/main" w="9525">
+                <a:solidFill>
+                  <a:srgbClr val="000000"/>
+                </a:solidFill>
+                <a:miter lim="800000"/>
+                <a:headEnd/>
+                <a:tailEnd/>
+              </a14:hiddenLine>
+            </a:ext>
+          </a:extLst>
+        </p:spPr>
+        <p:txBody>
+          <a:bodyPr vert="horz" wrap="square" lIns="0" tIns="0" rIns="0" bIns="0" numCol="1" anchor="t" anchorCtr="0" compatLnSpc="1">
+            <a:prstTxWarp prst="textNoShape">
+              <a:avLst/>
+            </a:prstTxWarp>
+          </a:bodyPr>
+          <a:lstStyle>
+            <a:lvl1pPr algn="l" rtl="0" eaLnBrk="0" fontAlgn="base" hangingPunct="0">
+              <a:spcBef>
+                <a:spcPts val="170"/>
+              </a:spcBef>
+              <a:spcAft>
+                <a:spcPct val="0"/>
+              </a:spcAft>
+              <a:buClr>
+                <a:srgbClr val="D2DCAA"/>
+              </a:buClr>
+              <a:buSzPct val="100000"/>
+              <a:defRPr sz="1600" b="1" kern="1200">
+                <a:solidFill>
+                  <a:schemeClr val="bg1"/>
+                </a:solidFill>
+                <a:latin typeface="+mn-lt"/>
+                <a:ea typeface="+mn-ea"/>
+                <a:cs typeface="+mn-cs"/>
+              </a:defRPr>
+            </a:lvl1pPr>
+            <a:lvl2pPr marL="300656" indent="-153396" algn="l" rtl="0" eaLnBrk="0" fontAlgn="base" hangingPunct="0">
+              <a:spcBef>
+                <a:spcPts val="170"/>
+              </a:spcBef>
+              <a:spcAft>
+                <a:spcPct val="0"/>
+              </a:spcAft>
+              <a:buClr>
+                <a:schemeClr val="accent4"/>
+              </a:buClr>
+              <a:buSzPct val="90000"/>
+              <a:buFont typeface="Wingdings" pitchFamily="2" charset="2"/>
+              <a:buChar char="§"/>
+              <a:defRPr sz="1600" kern="1200">
+                <a:solidFill>
+                  <a:schemeClr val="bg1"/>
+                </a:solidFill>
+                <a:latin typeface="+mn-lt"/>
+                <a:ea typeface="+mn-ea"/>
+                <a:cs typeface="+mn-cs"/>
+              </a:defRPr>
+            </a:lvl2pPr>
+            <a:lvl3pPr marL="616652" indent="-150328" algn="l" rtl="0" eaLnBrk="0" fontAlgn="base" hangingPunct="0">
+              <a:spcBef>
+                <a:spcPts val="170"/>
+              </a:spcBef>
+              <a:spcAft>
+                <a:spcPct val="0"/>
+              </a:spcAft>
+              <a:buClr>
+                <a:schemeClr val="accent4"/>
+              </a:buClr>
+              <a:buFont typeface="Wingdings" pitchFamily="2" charset="2"/>
+              <a:buChar char="§"/>
+              <a:defRPr sz="1600" kern="1200">
+                <a:solidFill>
+                  <a:schemeClr val="bg1"/>
+                </a:solidFill>
+                <a:latin typeface="+mn-lt"/>
+                <a:ea typeface="+mn-ea"/>
+                <a:cs typeface="+mn-cs"/>
+              </a:defRPr>
+            </a:lvl3pPr>
+            <a:lvl4pPr marL="923444" indent="-144192" algn="l" rtl="0" eaLnBrk="0" fontAlgn="base" hangingPunct="0">
+              <a:spcBef>
+                <a:spcPts val="170"/>
+              </a:spcBef>
+              <a:spcAft>
+                <a:spcPct val="0"/>
+              </a:spcAft>
+              <a:buClr>
+                <a:schemeClr val="bg2"/>
+              </a:buClr>
+              <a:buFont typeface="Wingdings" pitchFamily="2" charset="2"/>
+              <a:buChar char="§"/>
+              <a:defRPr sz="1600" kern="1200">
+                <a:solidFill>
+                  <a:schemeClr val="bg1"/>
+                </a:solidFill>
+                <a:latin typeface="+mn-lt"/>
+                <a:ea typeface="+mn-ea"/>
+                <a:cs typeface="+mn-cs"/>
+              </a:defRPr>
+            </a:lvl4pPr>
+            <a:lvl5pPr marL="2706" indent="4059" algn="l" rtl="0" eaLnBrk="0" fontAlgn="base" hangingPunct="0">
+              <a:spcBef>
+                <a:spcPts val="170"/>
+              </a:spcBef>
+              <a:spcAft>
+                <a:spcPct val="0"/>
+              </a:spcAft>
+              <a:defRPr sz="900" kern="1200">
+                <a:solidFill>
+                  <a:schemeClr val="bg2"/>
+                </a:solidFill>
+                <a:latin typeface="+mn-lt"/>
+                <a:ea typeface="+mn-ea"/>
+                <a:cs typeface="+mn-cs"/>
+              </a:defRPr>
+            </a:lvl5pPr>
+            <a:lvl6pPr marL="2142942" indent="-194813" algn="l" defTabSz="779252" rtl="0" eaLnBrk="1" latinLnBrk="0" hangingPunct="1">
+              <a:spcBef>
+                <a:spcPct val="20000"/>
+              </a:spcBef>
+              <a:buFont typeface="Arial" pitchFamily="34" charset="0"/>
+              <a:buChar char="•"/>
+              <a:defRPr sz="1700" kern="1200">
+                <a:solidFill>
+                  <a:schemeClr val="tx1"/>
+                </a:solidFill>
+                <a:latin typeface="+mn-lt"/>
+                <a:ea typeface="+mn-ea"/>
+                <a:cs typeface="+mn-cs"/>
+              </a:defRPr>
+            </a:lvl6pPr>
+            <a:lvl7pPr marL="2532568" indent="-194813" algn="l" defTabSz="779252" rtl="0" eaLnBrk="1" latinLnBrk="0" hangingPunct="1">
+              <a:spcBef>
+                <a:spcPct val="20000"/>
+              </a:spcBef>
+              <a:buFont typeface="Arial" pitchFamily="34" charset="0"/>
+              <a:buChar char="•"/>
+              <a:defRPr sz="1700" kern="1200">
+                <a:solidFill>
+                  <a:schemeClr val="tx1"/>
+                </a:solidFill>
+                <a:latin typeface="+mn-lt"/>
+                <a:ea typeface="+mn-ea"/>
+                <a:cs typeface="+mn-cs"/>
+              </a:defRPr>
+            </a:lvl7pPr>
+            <a:lvl8pPr marL="2922194" indent="-194813" algn="l" defTabSz="779252" rtl="0" eaLnBrk="1" latinLnBrk="0" hangingPunct="1">
+              <a:spcBef>
+                <a:spcPct val="20000"/>
+              </a:spcBef>
+              <a:buFont typeface="Arial" pitchFamily="34" charset="0"/>
+              <a:buChar char="•"/>
+              <a:defRPr sz="1700" kern="1200">
+                <a:solidFill>
+                  <a:schemeClr val="tx1"/>
+                </a:solidFill>
+                <a:latin typeface="+mn-lt"/>
+                <a:ea typeface="+mn-ea"/>
+                <a:cs typeface="+mn-cs"/>
+              </a:defRPr>
+            </a:lvl8pPr>
+            <a:lvl9pPr marL="3311820" indent="-194813" algn="l" defTabSz="779252" rtl="0" eaLnBrk="1" latinLnBrk="0" hangingPunct="1">
+              <a:spcBef>
+                <a:spcPct val="20000"/>
+              </a:spcBef>
+              <a:buFont typeface="Arial" pitchFamily="34" charset="0"/>
+              <a:buChar char="•"/>
+              <a:defRPr sz="1700" kern="1200">
+                <a:solidFill>
+                  <a:schemeClr val="tx1"/>
+                </a:solidFill>
+                <a:latin typeface="+mn-lt"/>
+                <a:ea typeface="+mn-ea"/>
+                <a:cs typeface="+mn-cs"/>
+              </a:defRPr>
+            </a:lvl9pPr>
+          </a:lstStyle>
+          <a:p>
+            <a:pPr marL="531813" lvl="1" indent="-171450">
+              <a:buFont typeface="Wingdings" panose="05000000000000000000" pitchFamily="2" charset="2"/>
+              <a:buChar char="ü"/>
+            </a:pPr>
+            <a:r>
+              <a:rPr lang="fr-FR" sz="1100" b="1" dirty="0">
+                <a:solidFill>
+                  <a:schemeClr val="bg1">
+                    <a:lumMod val="75000"/>
+                    <a:lumOff val="25000"/>
+                  </a:schemeClr>
+                </a:solidFill>
+              </a:rPr>
+              <a:t>Jeu</a:t>
+            </a:r>
+            <a:r>
+              <a:rPr lang="fr-FR" sz="1100" dirty="0">
+                <a:solidFill>
+                  <a:schemeClr val="bg1">
+                    <a:lumMod val="75000"/>
+                    <a:lumOff val="25000"/>
+                  </a:schemeClr>
+                </a:solidFill>
+              </a:rPr>
+              <a:t> </a:t>
+            </a:r>
+            <a:r>
+              <a:rPr lang="fr-FR" sz="1100" b="1" dirty="0">
+                <a:solidFill>
+                  <a:schemeClr val="bg1">
+                    <a:lumMod val="75000"/>
+                    <a:lumOff val="25000"/>
+                  </a:schemeClr>
+                </a:solidFill>
+              </a:rPr>
+              <a:t>très déséquilibré avec 8,1% d’individus en défaut</a:t>
+            </a:r>
+          </a:p>
+          <a:p>
+            <a:pPr marL="531813" lvl="1" indent="-171450">
+              <a:buFont typeface="Wingdings" panose="05000000000000000000" pitchFamily="2" charset="2"/>
+              <a:buChar char="ü"/>
+            </a:pPr>
+            <a:endParaRPr lang="fr-FR" sz="1100" b="1" dirty="0">
+              <a:solidFill>
+                <a:schemeClr val="bg1">
+                  <a:lumMod val="75000"/>
+                  <a:lumOff val="25000"/>
+                </a:schemeClr>
+              </a:solidFill>
+            </a:endParaRPr>
+          </a:p>
+          <a:p>
+            <a:pPr marL="531813" lvl="1" indent="-171450">
+              <a:buFont typeface="Wingdings" panose="05000000000000000000" pitchFamily="2" charset="2"/>
+              <a:buChar char="ü"/>
+            </a:pPr>
+            <a:endParaRPr lang="fr-FR" sz="1100" dirty="0">
+              <a:solidFill>
+                <a:schemeClr val="bg1">
+                  <a:lumMod val="75000"/>
+                  <a:lumOff val="25000"/>
+                </a:schemeClr>
+              </a:solidFill>
+            </a:endParaRPr>
+          </a:p>
+        </p:txBody>
+      </p:sp>
+      <p:graphicFrame>
+        <p:nvGraphicFramePr>
+          <p:cNvPr id="2" name="Object 1" hidden="1"/>
+          <p:cNvGraphicFramePr>
+            <a:graphicFrameLocks noChangeAspect="1"/>
+          </p:cNvGraphicFramePr>
+          <p:nvPr>
+            <p:custDataLst>
+              <p:tags r:id="rId2"/>
+            </p:custDataLst>
+          </p:nvPr>
+        </p:nvGraphicFramePr>
+        <p:xfrm>
+          <a:off x="1466" y="1192"/>
+          <a:ext cx="1465" cy="1190"/>
+        </p:xfrm>
+        <a:graphic>
+          <a:graphicData uri="http://schemas.openxmlformats.org/presentationml/2006/ole">
+            <mc:AlternateContent xmlns:mc="http://schemas.openxmlformats.org/markup-compatibility/2006">
+              <mc:Choice xmlns:v="urn:schemas-microsoft-com:vml" Requires="v">
+                <p:oleObj spid="_x0000_s41085" name="think-cell Slide" r:id="rId5" imgW="270" imgH="270" progId="TCLayout.ActiveDocument.1">
+                  <p:embed/>
+                </p:oleObj>
+              </mc:Choice>
+              <mc:Fallback>
+                <p:oleObj name="think-cell Slide" r:id="rId5" imgW="270" imgH="270" progId="TCLayout.ActiveDocument.1">
+                  <p:embed/>
+                  <p:pic>
+                    <p:nvPicPr>
+                      <p:cNvPr id="2" name="Object 1" hidden="1"/>
+                      <p:cNvPicPr>
+                        <a:picLocks noChangeAspect="1" noChangeArrowheads="1"/>
+                      </p:cNvPicPr>
+                      <p:nvPr/>
+                    </p:nvPicPr>
+                    <p:blipFill>
+                      <a:blip r:embed="rId6">
+                        <a:extLst>
+                          <a:ext uri="{28A0092B-C50C-407E-A947-70E740481C1C}">
+                            <a14:useLocalDpi xmlns:a14="http://schemas.microsoft.com/office/drawing/2010/main" val="0"/>
+                          </a:ext>
+                        </a:extLst>
+                      </a:blip>
+                      <a:srcRect/>
+                      <a:stretch>
+                        <a:fillRect/>
+                      </a:stretch>
+                    </p:blipFill>
+                    <p:spPr bwMode="auto">
+                      <a:xfrm>
+                        <a:off x="1466" y="1192"/>
+                        <a:ext cx="1465" cy="1190"/>
+                      </a:xfrm>
+                      <a:prstGeom prst="rect">
+                        <a:avLst/>
+                      </a:prstGeom>
+                      <a:noFill/>
+                      <a:extLst>
+                        <a:ext uri="{909E8E84-426E-40DD-AFC4-6F175D3DCCD1}">
+                          <a14:hiddenFill xmlns:a14="http://schemas.microsoft.com/office/drawing/2010/main">
+                            <a:solidFill>
+                              <a:srgbClr val="FFFFFF"/>
+                            </a:solidFill>
+                          </a14:hiddenFill>
+                        </a:ext>
+                      </a:extLst>
+                    </p:spPr>
+                  </p:pic>
+                </p:oleObj>
+              </mc:Fallback>
+            </mc:AlternateContent>
+          </a:graphicData>
+        </a:graphic>
+      </p:graphicFrame>
+      <p:sp>
+        <p:nvSpPr>
+          <p:cNvPr id="18435" name="Titre 21"/>
+          <p:cNvSpPr>
+            <a:spLocks noGrp="1"/>
+          </p:cNvSpPr>
+          <p:nvPr>
+            <p:ph type="title"/>
+          </p:nvPr>
+        </p:nvSpPr>
+        <p:spPr/>
+        <p:txBody>
+          <a:bodyPr/>
+          <a:lstStyle/>
+          <a:p>
+            <a:r>
+              <a:rPr lang="fr-FR" sz="2000" dirty="0"/>
+              <a:t>Equilibrer les classes</a:t>
+            </a:r>
+            <a:endParaRPr lang="en-US" altLang="fr-FR" sz="2000" dirty="0"/>
+          </a:p>
+        </p:txBody>
+      </p:sp>
+      <p:graphicFrame>
+        <p:nvGraphicFramePr>
+          <p:cNvPr id="3" name="Tableau 3">
+            <a:extLst>
+              <a:ext uri="{FF2B5EF4-FFF2-40B4-BE49-F238E27FC236}">
+                <a16:creationId xmlns:a16="http://schemas.microsoft.com/office/drawing/2014/main" id="{8A3111F0-3BAB-4155-B8E1-B37D29F36EAC}"/>
+              </a:ext>
+            </a:extLst>
+          </p:cNvPr>
+          <p:cNvGraphicFramePr>
+            <a:graphicFrameLocks noGrp="1"/>
+          </p:cNvGraphicFramePr>
+          <p:nvPr>
+            <p:extLst>
+              <p:ext uri="{D42A27DB-BD31-4B8C-83A1-F6EECF244321}">
+                <p14:modId xmlns:p14="http://schemas.microsoft.com/office/powerpoint/2010/main" val="535267455"/>
+              </p:ext>
+            </p:extLst>
+          </p:nvPr>
+        </p:nvGraphicFramePr>
+        <p:xfrm>
+          <a:off x="3387671" y="2179841"/>
+          <a:ext cx="5414223" cy="1280160"/>
+        </p:xfrm>
+        <a:graphic>
+          <a:graphicData uri="http://schemas.openxmlformats.org/drawingml/2006/table">
+            <a:tbl>
+              <a:tblPr firstRow="1" bandRow="1">
+                <a:tableStyleId>{5C22544A-7EE6-4342-B048-85BDC9FD1C3A}</a:tableStyleId>
+              </a:tblPr>
+              <a:tblGrid>
+                <a:gridCol w="3085834">
+                  <a:extLst>
+                    <a:ext uri="{9D8B030D-6E8A-4147-A177-3AD203B41FA5}">
+                      <a16:colId xmlns:a16="http://schemas.microsoft.com/office/drawing/2014/main" val="1670874726"/>
+                    </a:ext>
+                  </a:extLst>
+                </a:gridCol>
+                <a:gridCol w="1304988">
+                  <a:extLst>
+                    <a:ext uri="{9D8B030D-6E8A-4147-A177-3AD203B41FA5}">
+                      <a16:colId xmlns:a16="http://schemas.microsoft.com/office/drawing/2014/main" val="1589967629"/>
+                    </a:ext>
+                  </a:extLst>
+                </a:gridCol>
+                <a:gridCol w="1023401">
+                  <a:extLst>
+                    <a:ext uri="{9D8B030D-6E8A-4147-A177-3AD203B41FA5}">
+                      <a16:colId xmlns:a16="http://schemas.microsoft.com/office/drawing/2014/main" val="2217606141"/>
+                    </a:ext>
+                  </a:extLst>
+                </a:gridCol>
+              </a:tblGrid>
+              <a:tr h="218387">
+                <a:tc>
+                  <a:txBody>
+                    <a:bodyPr/>
+                    <a:lstStyle/>
+                    <a:p>
+                      <a:endParaRPr lang="fr-FR" dirty="0"/>
+                    </a:p>
+                  </a:txBody>
+                  <a:tcPr>
+                    <a:solidFill>
+                      <a:schemeClr val="accent4"/>
+                    </a:solidFill>
+                  </a:tcPr>
+                </a:tc>
+                <a:tc>
+                  <a:txBody>
+                    <a:bodyPr/>
+                    <a:lstStyle/>
+                    <a:p>
+                      <a:pPr algn="ctr"/>
+                      <a:r>
+                        <a:rPr lang="fr-FR" dirty="0"/>
+                        <a:t>Nombre d’individus</a:t>
+                      </a:r>
+                    </a:p>
+                  </a:txBody>
+                  <a:tcPr>
+                    <a:solidFill>
+                      <a:schemeClr val="accent4"/>
+                    </a:solidFill>
+                  </a:tcPr>
+                </a:tc>
+                <a:tc>
+                  <a:txBody>
+                    <a:bodyPr/>
+                    <a:lstStyle/>
+                    <a:p>
+                      <a:pPr algn="ctr"/>
+                      <a:r>
+                        <a:rPr lang="fr-FR" dirty="0"/>
+                        <a:t>Part des défaut</a:t>
+                      </a:r>
+                    </a:p>
+                  </a:txBody>
+                  <a:tcPr>
+                    <a:solidFill>
+                      <a:schemeClr val="accent4"/>
+                    </a:solidFill>
+                  </a:tcPr>
+                </a:tc>
+                <a:extLst>
+                  <a:ext uri="{0D108BD9-81ED-4DB2-BD59-A6C34878D82A}">
+                    <a16:rowId xmlns:a16="http://schemas.microsoft.com/office/drawing/2014/main" val="3907399435"/>
+                  </a:ext>
+                </a:extLst>
+              </a:tr>
+              <a:tr h="218387">
+                <a:tc>
+                  <a:txBody>
+                    <a:bodyPr/>
+                    <a:lstStyle/>
+                    <a:p>
+                      <a:pPr marL="0" lvl="1" indent="0"/>
+                      <a:r>
+                        <a:rPr lang="fr-FR" sz="1000" kern="1200" dirty="0">
+                          <a:solidFill>
+                            <a:schemeClr val="bg1">
+                              <a:lumMod val="75000"/>
+                              <a:lumOff val="25000"/>
+                            </a:schemeClr>
+                          </a:solidFill>
+                          <a:latin typeface="+mn-lt"/>
+                          <a:ea typeface="+mn-ea"/>
+                          <a:cs typeface="+mn-cs"/>
+                        </a:rPr>
+                        <a:t>Après suppression de 20% pour jeu de validation</a:t>
+                      </a:r>
+                    </a:p>
+                  </a:txBody>
+                  <a:tcPr>
+                    <a:solidFill>
+                      <a:schemeClr val="bg1">
+                        <a:lumMod val="10000"/>
+                        <a:lumOff val="90000"/>
+                      </a:schemeClr>
+                    </a:solidFill>
+                  </a:tcPr>
+                </a:tc>
+                <a:tc>
+                  <a:txBody>
+                    <a:bodyPr/>
+                    <a:lstStyle/>
+                    <a:p>
+                      <a:pPr marL="0" marR="0" lvl="0" indent="0" algn="r" defTabSz="779252" rtl="0" eaLnBrk="1" fontAlgn="auto" latinLnBrk="0" hangingPunct="1">
+                        <a:lnSpc>
+                          <a:spcPct val="100000"/>
+                        </a:lnSpc>
+                        <a:spcBef>
+                          <a:spcPts val="0"/>
+                        </a:spcBef>
+                        <a:spcAft>
+                          <a:spcPts val="0"/>
+                        </a:spcAft>
+                        <a:buClrTx/>
+                        <a:buSzTx/>
+                        <a:buFontTx/>
+                        <a:buNone/>
+                        <a:tabLst/>
+                        <a:defRPr/>
+                      </a:pPr>
+                      <a:r>
+                        <a:rPr lang="fr-FR" sz="1000" kern="1200" dirty="0">
+                          <a:solidFill>
+                            <a:schemeClr val="bg1">
+                              <a:lumMod val="75000"/>
+                              <a:lumOff val="25000"/>
+                            </a:schemeClr>
+                          </a:solidFill>
+                          <a:latin typeface="+mn-lt"/>
+                          <a:ea typeface="+mn-ea"/>
+                          <a:cs typeface="+mn-cs"/>
+                        </a:rPr>
+                        <a:t>246 000</a:t>
+                      </a:r>
+                    </a:p>
+                  </a:txBody>
+                  <a:tcPr>
+                    <a:solidFill>
+                      <a:schemeClr val="bg1">
+                        <a:lumMod val="10000"/>
+                        <a:lumOff val="90000"/>
+                      </a:schemeClr>
+                    </a:solidFill>
+                  </a:tcPr>
+                </a:tc>
+                <a:tc>
+                  <a:txBody>
+                    <a:bodyPr/>
+                    <a:lstStyle/>
+                    <a:p>
+                      <a:pPr marL="0" marR="0" lvl="0" indent="0" algn="r" defTabSz="779252" rtl="0" eaLnBrk="1" fontAlgn="auto" latinLnBrk="0" hangingPunct="1">
+                        <a:lnSpc>
+                          <a:spcPct val="100000"/>
+                        </a:lnSpc>
+                        <a:spcBef>
+                          <a:spcPts val="0"/>
+                        </a:spcBef>
+                        <a:spcAft>
+                          <a:spcPts val="0"/>
+                        </a:spcAft>
+                        <a:buClrTx/>
+                        <a:buSzTx/>
+                        <a:buFontTx/>
+                        <a:buNone/>
+                        <a:tabLst/>
+                        <a:defRPr/>
+                      </a:pPr>
+                      <a:r>
+                        <a:rPr lang="fr-FR" sz="1000" kern="1200" dirty="0">
+                          <a:solidFill>
+                            <a:schemeClr val="bg1">
+                              <a:lumMod val="75000"/>
+                              <a:lumOff val="25000"/>
+                            </a:schemeClr>
+                          </a:solidFill>
+                          <a:latin typeface="+mn-lt"/>
+                          <a:ea typeface="+mn-ea"/>
+                          <a:cs typeface="+mn-cs"/>
+                        </a:rPr>
+                        <a:t>8,1%</a:t>
+                      </a:r>
+                    </a:p>
+                  </a:txBody>
+                  <a:tcPr>
+                    <a:solidFill>
+                      <a:schemeClr val="bg1">
+                        <a:lumMod val="10000"/>
+                        <a:lumOff val="90000"/>
+                      </a:schemeClr>
+                    </a:solidFill>
+                  </a:tcPr>
+                </a:tc>
+                <a:extLst>
+                  <a:ext uri="{0D108BD9-81ED-4DB2-BD59-A6C34878D82A}">
+                    <a16:rowId xmlns:a16="http://schemas.microsoft.com/office/drawing/2014/main" val="2789836262"/>
+                  </a:ext>
+                </a:extLst>
+              </a:tr>
+              <a:tr h="218387">
+                <a:tc>
+                  <a:txBody>
+                    <a:bodyPr/>
+                    <a:lstStyle/>
+                    <a:p>
+                      <a:pPr marL="0" lvl="1" indent="0"/>
+                      <a:r>
+                        <a:rPr lang="fr-FR" sz="1000" kern="1200" dirty="0">
+                          <a:solidFill>
+                            <a:schemeClr val="bg1">
+                              <a:lumMod val="75000"/>
+                              <a:lumOff val="25000"/>
+                            </a:schemeClr>
+                          </a:solidFill>
+                          <a:latin typeface="+mn-lt"/>
+                          <a:ea typeface="+mn-ea"/>
+                          <a:cs typeface="+mn-cs"/>
+                        </a:rPr>
+                        <a:t>Echantillonnage aléatoire de 5 000 individus</a:t>
+                      </a:r>
+                    </a:p>
+                  </a:txBody>
+                  <a:tcPr>
+                    <a:solidFill>
+                      <a:schemeClr val="bg1">
+                        <a:lumMod val="10000"/>
+                        <a:lumOff val="90000"/>
+                      </a:schemeClr>
+                    </a:solidFill>
+                  </a:tcPr>
+                </a:tc>
+                <a:tc>
+                  <a:txBody>
+                    <a:bodyPr/>
+                    <a:lstStyle/>
+                    <a:p>
+                      <a:pPr marL="0" algn="r" defTabSz="779252" rtl="0" eaLnBrk="1" latinLnBrk="0" hangingPunct="1"/>
+                      <a:r>
+                        <a:rPr lang="fr-FR" sz="1000" kern="1200" dirty="0">
+                          <a:solidFill>
+                            <a:schemeClr val="bg1">
+                              <a:lumMod val="75000"/>
+                              <a:lumOff val="25000"/>
+                            </a:schemeClr>
+                          </a:solidFill>
+                          <a:latin typeface="+mn-lt"/>
+                          <a:ea typeface="+mn-ea"/>
+                          <a:cs typeface="+mn-cs"/>
+                        </a:rPr>
+                        <a:t>5 000</a:t>
+                      </a:r>
+                    </a:p>
+                  </a:txBody>
+                  <a:tcPr>
+                    <a:solidFill>
+                      <a:schemeClr val="bg1">
+                        <a:lumMod val="10000"/>
+                        <a:lumOff val="90000"/>
+                      </a:schemeClr>
+                    </a:solidFill>
+                  </a:tcPr>
+                </a:tc>
+                <a:tc>
+                  <a:txBody>
+                    <a:bodyPr/>
+                    <a:lstStyle/>
+                    <a:p>
+                      <a:pPr marL="0" marR="0" lvl="0" indent="0" algn="r" defTabSz="779252" rtl="0" eaLnBrk="1" fontAlgn="auto" latinLnBrk="0" hangingPunct="1">
+                        <a:lnSpc>
+                          <a:spcPct val="100000"/>
+                        </a:lnSpc>
+                        <a:spcBef>
+                          <a:spcPts val="0"/>
+                        </a:spcBef>
+                        <a:spcAft>
+                          <a:spcPts val="0"/>
+                        </a:spcAft>
+                        <a:buClrTx/>
+                        <a:buSzTx/>
+                        <a:buFontTx/>
+                        <a:buNone/>
+                        <a:tabLst/>
+                        <a:defRPr/>
+                      </a:pPr>
+                      <a:r>
+                        <a:rPr lang="fr-FR" sz="1000" kern="1200" dirty="0">
+                          <a:solidFill>
+                            <a:schemeClr val="bg1">
+                              <a:lumMod val="75000"/>
+                              <a:lumOff val="25000"/>
+                            </a:schemeClr>
+                          </a:solidFill>
+                          <a:latin typeface="+mn-lt"/>
+                          <a:ea typeface="+mn-ea"/>
+                          <a:cs typeface="+mn-cs"/>
+                        </a:rPr>
+                        <a:t>8,1%</a:t>
+                      </a:r>
+                    </a:p>
+                  </a:txBody>
+                  <a:tcPr>
+                    <a:solidFill>
+                      <a:schemeClr val="bg1">
+                        <a:lumMod val="10000"/>
+                        <a:lumOff val="90000"/>
+                      </a:schemeClr>
+                    </a:solidFill>
+                  </a:tcPr>
+                </a:tc>
+                <a:extLst>
+                  <a:ext uri="{0D108BD9-81ED-4DB2-BD59-A6C34878D82A}">
+                    <a16:rowId xmlns:a16="http://schemas.microsoft.com/office/drawing/2014/main" val="104385984"/>
+                  </a:ext>
+                </a:extLst>
+              </a:tr>
+              <a:tr h="218387">
+                <a:tc>
+                  <a:txBody>
+                    <a:bodyPr/>
+                    <a:lstStyle/>
+                    <a:p>
+                      <a:pPr marL="0" lvl="1" indent="0"/>
+                      <a:r>
+                        <a:rPr lang="fr-FR" sz="1000" kern="1200" dirty="0">
+                          <a:solidFill>
+                            <a:schemeClr val="bg1">
+                              <a:lumMod val="75000"/>
+                              <a:lumOff val="25000"/>
+                            </a:schemeClr>
+                          </a:solidFill>
+                          <a:latin typeface="+mn-lt"/>
+                          <a:ea typeface="+mn-ea"/>
+                          <a:cs typeface="+mn-cs"/>
+                        </a:rPr>
+                        <a:t>SMOTE  a</a:t>
+                      </a:r>
+                      <a:r>
+                        <a:rPr lang="fr-FR" sz="1000" dirty="0">
+                          <a:solidFill>
+                            <a:schemeClr val="bg1">
+                              <a:lumMod val="75000"/>
+                              <a:lumOff val="25000"/>
+                            </a:schemeClr>
+                          </a:solidFill>
+                        </a:rPr>
+                        <a:t>vec « </a:t>
+                      </a:r>
+                      <a:r>
+                        <a:rPr lang="fr-FR" sz="1000" dirty="0" err="1">
+                          <a:solidFill>
+                            <a:schemeClr val="bg1">
+                              <a:lumMod val="75000"/>
+                              <a:lumOff val="25000"/>
+                            </a:schemeClr>
+                          </a:solidFill>
+                        </a:rPr>
+                        <a:t>sampling_strategy</a:t>
+                      </a:r>
+                      <a:r>
+                        <a:rPr lang="fr-FR" sz="1000" dirty="0">
+                          <a:solidFill>
+                            <a:schemeClr val="bg1">
+                              <a:lumMod val="75000"/>
+                              <a:lumOff val="25000"/>
+                            </a:schemeClr>
+                          </a:solidFill>
+                        </a:rPr>
+                        <a:t> » = 1.0</a:t>
+                      </a:r>
+                      <a:endParaRPr lang="fr-FR" sz="1000" kern="1200" dirty="0">
+                        <a:solidFill>
+                          <a:schemeClr val="bg1">
+                            <a:lumMod val="75000"/>
+                            <a:lumOff val="25000"/>
+                          </a:schemeClr>
+                        </a:solidFill>
+                        <a:latin typeface="+mn-lt"/>
+                        <a:ea typeface="+mn-ea"/>
+                        <a:cs typeface="+mn-cs"/>
+                      </a:endParaRPr>
+                    </a:p>
+                  </a:txBody>
+                  <a:tcPr>
+                    <a:solidFill>
+                      <a:schemeClr val="bg1">
+                        <a:lumMod val="10000"/>
+                        <a:lumOff val="90000"/>
+                      </a:schemeClr>
+                    </a:solidFill>
+                  </a:tcPr>
+                </a:tc>
+                <a:tc>
+                  <a:txBody>
+                    <a:bodyPr/>
+                    <a:lstStyle/>
+                    <a:p>
+                      <a:pPr marL="0" algn="r" defTabSz="779252" rtl="0" eaLnBrk="1" latinLnBrk="0" hangingPunct="1"/>
+                      <a:r>
+                        <a:rPr lang="fr-FR" sz="1000" kern="1200" dirty="0">
+                          <a:solidFill>
+                            <a:schemeClr val="bg1">
+                              <a:lumMod val="75000"/>
+                              <a:lumOff val="25000"/>
+                            </a:schemeClr>
+                          </a:solidFill>
+                          <a:latin typeface="+mn-lt"/>
+                          <a:ea typeface="+mn-ea"/>
+                          <a:cs typeface="+mn-cs"/>
+                        </a:rPr>
+                        <a:t>9 198</a:t>
+                      </a:r>
+                    </a:p>
+                  </a:txBody>
+                  <a:tcPr>
+                    <a:solidFill>
+                      <a:schemeClr val="bg1">
+                        <a:lumMod val="10000"/>
+                        <a:lumOff val="90000"/>
+                      </a:schemeClr>
+                    </a:solidFill>
+                  </a:tcPr>
+                </a:tc>
+                <a:tc>
+                  <a:txBody>
+                    <a:bodyPr/>
+                    <a:lstStyle/>
+                    <a:p>
+                      <a:pPr marL="0" algn="r" defTabSz="779252" rtl="0" eaLnBrk="1" latinLnBrk="0" hangingPunct="1"/>
+                      <a:r>
+                        <a:rPr lang="fr-FR" sz="1000" kern="1200" dirty="0">
+                          <a:solidFill>
+                            <a:schemeClr val="bg1">
+                              <a:lumMod val="75000"/>
+                              <a:lumOff val="25000"/>
+                            </a:schemeClr>
+                          </a:solidFill>
+                          <a:latin typeface="+mn-lt"/>
+                          <a:ea typeface="+mn-ea"/>
+                          <a:cs typeface="+mn-cs"/>
+                        </a:rPr>
+                        <a:t>50%</a:t>
+                      </a:r>
+                    </a:p>
+                  </a:txBody>
+                  <a:tcPr>
+                    <a:solidFill>
+                      <a:schemeClr val="bg1">
+                        <a:lumMod val="10000"/>
+                        <a:lumOff val="90000"/>
+                      </a:schemeClr>
+                    </a:solidFill>
+                  </a:tcPr>
+                </a:tc>
+                <a:extLst>
+                  <a:ext uri="{0D108BD9-81ED-4DB2-BD59-A6C34878D82A}">
+                    <a16:rowId xmlns:a16="http://schemas.microsoft.com/office/drawing/2014/main" val="690524135"/>
+                  </a:ext>
+                </a:extLst>
+              </a:tr>
+            </a:tbl>
+          </a:graphicData>
+        </a:graphic>
+      </p:graphicFrame>
+    </p:spTree>
+    <p:extLst>
+      <p:ext uri="{BB962C8B-B14F-4D97-AF65-F5344CB8AC3E}">
+        <p14:creationId xmlns:p14="http://schemas.microsoft.com/office/powerpoint/2010/main" val="1729906503"/>
+      </p:ext>
+    </p:extLst>
+  </p:cSld>
+  <p:clrMapOvr>
+    <a:masterClrMapping/>
+  </p:clrMapOvr>
+  <mc:AlternateContent xmlns:mc="http://schemas.openxmlformats.org/markup-compatibility/2006" xmlns:p14="http://schemas.microsoft.com/office/powerpoint/2010/main">
+    <mc:Choice Requires="p14">
+      <p:transition p14:dur="0"/>
+    </mc:Choice>
+    <mc:Fallback xmlns="">
+      <p:transition/>
+    </mc:Fallback>
+  </mc:AlternateContent>
+</p:sld>
+</file>
+
+<file path=ppt/slides/slide9.xml><?xml version="1.0" encoding="utf-8"?>
 <p:sld xmlns:a="http://schemas.openxmlformats.org/drawingml/2006/main" xmlns:r="http://schemas.openxmlformats.org/officeDocument/2006/relationships" xmlns:p="http://schemas.openxmlformats.org/presentationml/2006/main">
   <p:cSld>
     <p:spTree>
@@ -28147,7 +28410,7 @@
           <a:graphicData uri="http://schemas.openxmlformats.org/presentationml/2006/ole">
             <mc:AlternateContent xmlns:mc="http://schemas.openxmlformats.org/markup-compatibility/2006">
               <mc:Choice xmlns:v="urn:schemas-microsoft-com:vml" Requires="v">
-                <p:oleObj spid="_x0000_s42105" name="think-cell Slide" r:id="rId6" imgW="270" imgH="270" progId="TCLayout.ActiveDocument.1">
+                <p:oleObj spid="_x0000_s42108" name="think-cell Slide" r:id="rId6" imgW="270" imgH="270" progId="TCLayout.ActiveDocument.1">
                   <p:embed/>
                 </p:oleObj>
               </mc:Choice>
@@ -28885,171 +29148,6 @@
     <p:extLst>
       <p:ext uri="{BB962C8B-B14F-4D97-AF65-F5344CB8AC3E}">
         <p14:creationId xmlns:p14="http://schemas.microsoft.com/office/powerpoint/2010/main" val="1107767159"/>
-      </p:ext>
-    </p:extLst>
-  </p:cSld>
-  <p:clrMapOvr>
-    <a:masterClrMapping/>
-  </p:clrMapOvr>
-  <mc:AlternateContent xmlns:mc="http://schemas.openxmlformats.org/markup-compatibility/2006" xmlns:p14="http://schemas.microsoft.com/office/powerpoint/2010/main">
-    <mc:Choice Requires="p14">
-      <p:transition p14:dur="0"/>
-    </mc:Choice>
-    <mc:Fallback xmlns="">
-      <p:transition/>
-    </mc:Fallback>
-  </mc:AlternateContent>
-</p:sld>
-</file>
-
-<file path=ppt/slides/slide9.xml><?xml version="1.0" encoding="utf-8"?>
-<p:sld xmlns:a="http://schemas.openxmlformats.org/drawingml/2006/main" xmlns:r="http://schemas.openxmlformats.org/officeDocument/2006/relationships" xmlns:p="http://schemas.openxmlformats.org/presentationml/2006/main">
-  <p:cSld>
-    <p:spTree>
-      <p:nvGrpSpPr>
-        <p:cNvPr id="1" name=""/>
-        <p:cNvGrpSpPr/>
-        <p:nvPr/>
-      </p:nvGrpSpPr>
-      <p:grpSpPr>
-        <a:xfrm>
-          <a:off x="0" y="0"/>
-          <a:ext cx="0" cy="0"/>
-          <a:chOff x="0" y="0"/>
-          <a:chExt cx="0" cy="0"/>
-        </a:xfrm>
-      </p:grpSpPr>
-      <p:pic>
-        <p:nvPicPr>
-          <p:cNvPr id="4" name="Image 3">
-            <a:extLst>
-              <a:ext uri="{FF2B5EF4-FFF2-40B4-BE49-F238E27FC236}">
-                <a16:creationId xmlns:a16="http://schemas.microsoft.com/office/drawing/2014/main" id="{09A7E469-D1E4-41CA-A6FD-E460B1142701}"/>
-              </a:ext>
-            </a:extLst>
-          </p:cNvPr>
-          <p:cNvPicPr>
-            <a:picLocks noChangeAspect="1"/>
-          </p:cNvPicPr>
-          <p:nvPr/>
-        </p:nvPicPr>
-        <p:blipFill>
-          <a:blip r:embed="rId5"/>
-          <a:stretch>
-            <a:fillRect/>
-          </a:stretch>
-        </p:blipFill>
-        <p:spPr>
-          <a:xfrm>
-            <a:off x="1562100" y="723900"/>
-            <a:ext cx="6019800" cy="3695700"/>
-          </a:xfrm>
-          <a:prstGeom prst="rect">
-            <a:avLst/>
-          </a:prstGeom>
-        </p:spPr>
-      </p:pic>
-      <p:graphicFrame>
-        <p:nvGraphicFramePr>
-          <p:cNvPr id="2" name="Object 1" hidden="1"/>
-          <p:cNvGraphicFramePr>
-            <a:graphicFrameLocks noChangeAspect="1"/>
-          </p:cNvGraphicFramePr>
-          <p:nvPr>
-            <p:custDataLst>
-              <p:tags r:id="rId2"/>
-            </p:custDataLst>
-          </p:nvPr>
-        </p:nvGraphicFramePr>
-        <p:xfrm>
-          <a:off x="1466" y="1192"/>
-          <a:ext cx="1465" cy="1190"/>
-        </p:xfrm>
-        <a:graphic>
-          <a:graphicData uri="http://schemas.openxmlformats.org/presentationml/2006/ole">
-            <mc:AlternateContent xmlns:mc="http://schemas.openxmlformats.org/markup-compatibility/2006">
-              <mc:Choice xmlns:v="urn:schemas-microsoft-com:vml" Requires="v">
-                <p:oleObj spid="_x0000_s44137" name="think-cell Slide" r:id="rId6" imgW="270" imgH="270" progId="TCLayout.ActiveDocument.1">
-                  <p:embed/>
-                </p:oleObj>
-              </mc:Choice>
-              <mc:Fallback>
-                <p:oleObj name="think-cell Slide" r:id="rId6" imgW="270" imgH="270" progId="TCLayout.ActiveDocument.1">
-                  <p:embed/>
-                  <p:pic>
-                    <p:nvPicPr>
-                      <p:cNvPr id="2" name="Object 1" hidden="1"/>
-                      <p:cNvPicPr>
-                        <a:picLocks noChangeAspect="1" noChangeArrowheads="1"/>
-                      </p:cNvPicPr>
-                      <p:nvPr/>
-                    </p:nvPicPr>
-                    <p:blipFill>
-                      <a:blip r:embed="rId7">
-                        <a:extLst>
-                          <a:ext uri="{28A0092B-C50C-407E-A947-70E740481C1C}">
-                            <a14:useLocalDpi xmlns:a14="http://schemas.microsoft.com/office/drawing/2010/main" val="0"/>
-                          </a:ext>
-                        </a:extLst>
-                      </a:blip>
-                      <a:srcRect/>
-                      <a:stretch>
-                        <a:fillRect/>
-                      </a:stretch>
-                    </p:blipFill>
-                    <p:spPr bwMode="auto">
-                      <a:xfrm>
-                        <a:off x="1466" y="1192"/>
-                        <a:ext cx="1465" cy="1190"/>
-                      </a:xfrm>
-                      <a:prstGeom prst="rect">
-                        <a:avLst/>
-                      </a:prstGeom>
-                      <a:noFill/>
-                      <a:extLst>
-                        <a:ext uri="{909E8E84-426E-40DD-AFC4-6F175D3DCCD1}">
-                          <a14:hiddenFill xmlns:a14="http://schemas.microsoft.com/office/drawing/2010/main">
-                            <a:solidFill>
-                              <a:srgbClr val="FFFFFF"/>
-                            </a:solidFill>
-                          </a14:hiddenFill>
-                        </a:ext>
-                      </a:extLst>
-                    </p:spPr>
-                  </p:pic>
-                </p:oleObj>
-              </mc:Fallback>
-            </mc:AlternateContent>
-          </a:graphicData>
-        </a:graphic>
-      </p:graphicFrame>
-      <p:sp>
-        <p:nvSpPr>
-          <p:cNvPr id="18435" name="Titre 21"/>
-          <p:cNvSpPr>
-            <a:spLocks noGrp="1"/>
-          </p:cNvSpPr>
-          <p:nvPr>
-            <p:ph type="title"/>
-          </p:nvPr>
-        </p:nvSpPr>
-        <p:spPr/>
-        <p:txBody>
-          <a:bodyPr/>
-          <a:lstStyle/>
-          <a:p>
-            <a:r>
-              <a:rPr lang="fr-FR" sz="2000" dirty="0"/>
-              <a:t>Comparer les différents modèles de classification avec le jeu « LGBM »</a:t>
-            </a:r>
-            <a:endParaRPr lang="en-US" altLang="fr-FR" sz="2000" dirty="0"/>
-          </a:p>
-        </p:txBody>
-      </p:sp>
-    </p:spTree>
-    <p:extLst>
-      <p:ext uri="{BB962C8B-B14F-4D97-AF65-F5344CB8AC3E}">
-        <p14:creationId xmlns:p14="http://schemas.microsoft.com/office/powerpoint/2010/main" val="2764068720"/>
       </p:ext>
     </p:extLst>
   </p:cSld>
@@ -30133,30 +30231,12 @@
 </file>
 
 <file path=customXml/item2.xml><?xml version="1.0" encoding="utf-8"?>
-<p:properties xmlns:p="http://schemas.microsoft.com/office/2006/metadata/properties" xmlns:xsi="http://www.w3.org/2001/XMLSchema-instance" xmlns:pc="http://schemas.microsoft.com/office/infopath/2007/PartnerControls">
-  <documentManagement>
-    <be8ce7ac411142eaaa9ee602895d15c2 xmlns="1aa2b875-8ce2-4ebd-8b53-f3df76935429">
-      <Terms xmlns="http://schemas.microsoft.com/office/infopath/2007/PartnerControls">
-        <TermInfo xmlns="http://schemas.microsoft.com/office/infopath/2007/PartnerControls">
-          <TermName xmlns="http://schemas.microsoft.com/office/infopath/2007/PartnerControls">Communication</TermName>
-          <TermId xmlns="http://schemas.microsoft.com/office/infopath/2007/PartnerControls">5b9a780f-1f60-4e32-a698-7a315b018f0e</TermId>
-        </TermInfo>
-      </Terms>
-    </be8ce7ac411142eaaa9ee602895d15c2>
-    <o2ecaa5e3f4241eaba012e918a54c2cb xmlns="1aa2b875-8ce2-4ebd-8b53-f3df76935429">
-      <Terms xmlns="http://schemas.microsoft.com/office/infopath/2007/PartnerControls">
-        <TermInfo xmlns="http://schemas.microsoft.com/office/infopath/2007/PartnerControls">
-          <TermName xmlns="http://schemas.microsoft.com/office/infopath/2007/PartnerControls">Corporate</TermName>
-          <TermId xmlns="http://schemas.microsoft.com/office/infopath/2007/PartnerControls">5d009184-e54d-4e2b-b508-a2acabcee604</TermId>
-        </TermInfo>
-      </Terms>
-    </o2ecaa5e3f4241eaba012e918a54c2cb>
-    <TaxCatchAll xmlns="73aa9794-0401-4aa6-a485-b5a9c008d562">
-      <Value>4</Value>
-      <Value>6</Value>
-    </TaxCatchAll>
-  </documentManagement>
-</p:properties>
+<?mso-contentType ?>
+<FormTemplates xmlns="http://schemas.microsoft.com/sharepoint/v3/contenttype/forms">
+  <Display>DocumentLibraryForm</Display>
+  <Edit>DocumentLibraryForm</Edit>
+  <New>DocumentLibraryForm</New>
+</FormTemplates>
 </file>
 
 <file path=customXml/item3.xml><?xml version="1.0" encoding="utf-8"?>
@@ -30350,12 +30430,30 @@
 </file>
 
 <file path=customXml/item4.xml><?xml version="1.0" encoding="utf-8"?>
-<?mso-contentType ?>
-<FormTemplates xmlns="http://schemas.microsoft.com/sharepoint/v3/contenttype/forms">
-  <Display>DocumentLibraryForm</Display>
-  <Edit>DocumentLibraryForm</Edit>
-  <New>DocumentLibraryForm</New>
-</FormTemplates>
+<p:properties xmlns:p="http://schemas.microsoft.com/office/2006/metadata/properties" xmlns:xsi="http://www.w3.org/2001/XMLSchema-instance" xmlns:pc="http://schemas.microsoft.com/office/infopath/2007/PartnerControls">
+  <documentManagement>
+    <be8ce7ac411142eaaa9ee602895d15c2 xmlns="1aa2b875-8ce2-4ebd-8b53-f3df76935429">
+      <Terms xmlns="http://schemas.microsoft.com/office/infopath/2007/PartnerControls">
+        <TermInfo xmlns="http://schemas.microsoft.com/office/infopath/2007/PartnerControls">
+          <TermName xmlns="http://schemas.microsoft.com/office/infopath/2007/PartnerControls">Communication</TermName>
+          <TermId xmlns="http://schemas.microsoft.com/office/infopath/2007/PartnerControls">5b9a780f-1f60-4e32-a698-7a315b018f0e</TermId>
+        </TermInfo>
+      </Terms>
+    </be8ce7ac411142eaaa9ee602895d15c2>
+    <o2ecaa5e3f4241eaba012e918a54c2cb xmlns="1aa2b875-8ce2-4ebd-8b53-f3df76935429">
+      <Terms xmlns="http://schemas.microsoft.com/office/infopath/2007/PartnerControls">
+        <TermInfo xmlns="http://schemas.microsoft.com/office/infopath/2007/PartnerControls">
+          <TermName xmlns="http://schemas.microsoft.com/office/infopath/2007/PartnerControls">Corporate</TermName>
+          <TermId xmlns="http://schemas.microsoft.com/office/infopath/2007/PartnerControls">5d009184-e54d-4e2b-b508-a2acabcee604</TermId>
+        </TermInfo>
+      </Terms>
+    </o2ecaa5e3f4241eaba012e918a54c2cb>
+    <TaxCatchAll xmlns="73aa9794-0401-4aa6-a485-b5a9c008d562">
+      <Value>4</Value>
+      <Value>6</Value>
+    </TaxCatchAll>
+  </documentManagement>
+</p:properties>
 </file>
 
 <file path=customXml/itemProps1.xml><?xml version="1.0" encoding="utf-8"?>
@@ -30367,19 +30465,9 @@
 </file>
 
 <file path=customXml/itemProps2.xml><?xml version="1.0" encoding="utf-8"?>
-<ds:datastoreItem xmlns:ds="http://schemas.openxmlformats.org/officeDocument/2006/customXml" ds:itemID="{05D6E90A-0CD7-4F2C-AF08-B8AFA336357E}">
+<ds:datastoreItem xmlns:ds="http://schemas.openxmlformats.org/officeDocument/2006/customXml" ds:itemID="{8B1751BD-7432-4185-92C2-CCEBFF5E7BAF}">
   <ds:schemaRefs>
-    <ds:schemaRef ds:uri="http://purl.org/dc/terms/"/>
-    <ds:schemaRef ds:uri="98ef04a3-fc4c-4d50-b5d8-b2286eca3b4e"/>
-    <ds:schemaRef ds:uri="http://schemas.microsoft.com/office/2006/documentManagement/types"/>
-    <ds:schemaRef ds:uri="http://schemas.microsoft.com/office/infopath/2007/PartnerControls"/>
-    <ds:schemaRef ds:uri="http://schemas.openxmlformats.org/package/2006/metadata/core-properties"/>
-    <ds:schemaRef ds:uri="1aa2b875-8ce2-4ebd-8b53-f3df76935429"/>
-    <ds:schemaRef ds:uri="http://purl.org/dc/elements/1.1/"/>
-    <ds:schemaRef ds:uri="http://schemas.microsoft.com/office/2006/metadata/properties"/>
-    <ds:schemaRef ds:uri="73aa9794-0401-4aa6-a485-b5a9c008d562"/>
-    <ds:schemaRef ds:uri="http://www.w3.org/XML/1998/namespace"/>
-    <ds:schemaRef ds:uri="http://purl.org/dc/dcmitype/"/>
+    <ds:schemaRef ds:uri="http://schemas.microsoft.com/sharepoint/v3/contenttype/forms"/>
   </ds:schemaRefs>
 </ds:datastoreItem>
 </file>
@@ -30405,9 +30493,19 @@
 </file>
 
 <file path=customXml/itemProps4.xml><?xml version="1.0" encoding="utf-8"?>
-<ds:datastoreItem xmlns:ds="http://schemas.openxmlformats.org/officeDocument/2006/customXml" ds:itemID="{8B1751BD-7432-4185-92C2-CCEBFF5E7BAF}">
+<ds:datastoreItem xmlns:ds="http://schemas.openxmlformats.org/officeDocument/2006/customXml" ds:itemID="{05D6E90A-0CD7-4F2C-AF08-B8AFA336357E}">
   <ds:schemaRefs>
-    <ds:schemaRef ds:uri="http://schemas.microsoft.com/sharepoint/v3/contenttype/forms"/>
+    <ds:schemaRef ds:uri="http://purl.org/dc/terms/"/>
+    <ds:schemaRef ds:uri="98ef04a3-fc4c-4d50-b5d8-b2286eca3b4e"/>
+    <ds:schemaRef ds:uri="http://schemas.microsoft.com/office/2006/documentManagement/types"/>
+    <ds:schemaRef ds:uri="http://schemas.microsoft.com/office/infopath/2007/PartnerControls"/>
+    <ds:schemaRef ds:uri="http://schemas.openxmlformats.org/package/2006/metadata/core-properties"/>
+    <ds:schemaRef ds:uri="1aa2b875-8ce2-4ebd-8b53-f3df76935429"/>
+    <ds:schemaRef ds:uri="http://purl.org/dc/elements/1.1/"/>
+    <ds:schemaRef ds:uri="http://schemas.microsoft.com/office/2006/metadata/properties"/>
+    <ds:schemaRef ds:uri="73aa9794-0401-4aa6-a485-b5a9c008d562"/>
+    <ds:schemaRef ds:uri="http://www.w3.org/XML/1998/namespace"/>
+    <ds:schemaRef ds:uri="http://purl.org/dc/dcmitype/"/>
   </ds:schemaRefs>
 </ds:datastoreItem>
 </file>
--- a/PPAD_07_support.pptx
+++ b/PPAD_07_support.pptx
@@ -296,7 +296,7 @@
               <a:pPr>
                 <a:defRPr/>
               </a:pPr>
-              <a:t>16/02/2022</a:t>
+              <a:t>17/02/2022</a:t>
             </a:fld>
             <a:endParaRPr lang="fr-FR"/>
           </a:p>
@@ -500,7 +500,7 @@
               <a:pPr>
                 <a:defRPr/>
               </a:pPr>
-              <a:t>16/02/2022</a:t>
+              <a:t>17/02/2022</a:t>
             </a:fld>
             <a:endParaRPr lang="en-GB"/>
           </a:p>
@@ -3389,7 +3389,7 @@
           <a:graphicData uri="http://schemas.openxmlformats.org/presentationml/2006/ole">
             <mc:AlternateContent xmlns:mc="http://schemas.openxmlformats.org/markup-compatibility/2006">
               <mc:Choice xmlns:v="urn:schemas-microsoft-com:vml" Requires="v">
-                <p:oleObj spid="_x0000_s2744" name="think-cell Slide" r:id="rId4" imgW="270" imgH="270" progId="TCLayout.ActiveDocument.1">
+                <p:oleObj spid="_x0000_s2745" name="think-cell Slide" r:id="rId4" imgW="270" imgH="270" progId="TCLayout.ActiveDocument.1">
                   <p:embed/>
                 </p:oleObj>
               </mc:Choice>
@@ -3951,7 +3951,7 @@
           <a:graphicData uri="http://schemas.openxmlformats.org/presentationml/2006/ole">
             <mc:AlternateContent xmlns:mc="http://schemas.openxmlformats.org/markup-compatibility/2006">
               <mc:Choice xmlns:v="urn:schemas-microsoft-com:vml" Requires="v">
-                <p:oleObj spid="_x0000_s3768" name="think-cell Slide" r:id="rId4" imgW="270" imgH="270" progId="TCLayout.ActiveDocument.1">
+                <p:oleObj spid="_x0000_s3769" name="think-cell Slide" r:id="rId4" imgW="270" imgH="270" progId="TCLayout.ActiveDocument.1">
                   <p:embed/>
                 </p:oleObj>
               </mc:Choice>
@@ -4164,7 +4164,7 @@
           <a:graphicData uri="http://schemas.openxmlformats.org/presentationml/2006/ole">
             <mc:AlternateContent xmlns:mc="http://schemas.openxmlformats.org/markup-compatibility/2006">
               <mc:Choice xmlns:v="urn:schemas-microsoft-com:vml" Requires="v">
-                <p:oleObj spid="_x0000_s4792" name="think-cell Slide" r:id="rId4" imgW="270" imgH="270" progId="TCLayout.ActiveDocument.1">
+                <p:oleObj spid="_x0000_s4793" name="think-cell Slide" r:id="rId4" imgW="270" imgH="270" progId="TCLayout.ActiveDocument.1">
                   <p:embed/>
                 </p:oleObj>
               </mc:Choice>
@@ -4347,7 +4347,7 @@
           <a:graphicData uri="http://schemas.openxmlformats.org/presentationml/2006/ole">
             <mc:AlternateContent xmlns:mc="http://schemas.openxmlformats.org/markup-compatibility/2006">
               <mc:Choice xmlns:v="urn:schemas-microsoft-com:vml" Requires="v">
-                <p:oleObj spid="_x0000_s5816" name="think-cell Slide" r:id="rId4" imgW="270" imgH="270" progId="TCLayout.ActiveDocument.1">
+                <p:oleObj spid="_x0000_s5817" name="think-cell Slide" r:id="rId4" imgW="270" imgH="270" progId="TCLayout.ActiveDocument.1">
                   <p:embed/>
                 </p:oleObj>
               </mc:Choice>
@@ -4705,7 +4705,7 @@
           <a:graphicData uri="http://schemas.openxmlformats.org/presentationml/2006/ole">
             <mc:AlternateContent xmlns:mc="http://schemas.openxmlformats.org/markup-compatibility/2006">
               <mc:Choice xmlns:v="urn:schemas-microsoft-com:vml" Requires="v">
-                <p:oleObj spid="_x0000_s6840" name="think-cell Slide" r:id="rId4" imgW="270" imgH="270" progId="TCLayout.ActiveDocument.1">
+                <p:oleObj spid="_x0000_s6841" name="think-cell Slide" r:id="rId4" imgW="270" imgH="270" progId="TCLayout.ActiveDocument.1">
                   <p:embed/>
                 </p:oleObj>
               </mc:Choice>
@@ -4932,7 +4932,7 @@
           <a:graphicData uri="http://schemas.openxmlformats.org/presentationml/2006/ole">
             <mc:AlternateContent xmlns:mc="http://schemas.openxmlformats.org/markup-compatibility/2006">
               <mc:Choice xmlns:v="urn:schemas-microsoft-com:vml" Requires="v">
-                <p:oleObj spid="_x0000_s1720" name="think-cell Slide" r:id="rId9" imgW="270" imgH="270" progId="TCLayout.ActiveDocument.1">
+                <p:oleObj spid="_x0000_s1721" name="think-cell Slide" r:id="rId9" imgW="270" imgH="270" progId="TCLayout.ActiveDocument.1">
                   <p:embed/>
                 </p:oleObj>
               </mc:Choice>
@@ -5830,7 +5830,7 @@
           <a:graphicData uri="http://schemas.openxmlformats.org/presentationml/2006/ole">
             <mc:AlternateContent xmlns:mc="http://schemas.openxmlformats.org/markup-compatibility/2006">
               <mc:Choice xmlns:v="urn:schemas-microsoft-com:vml" Requires="v">
-                <p:oleObj spid="_x0000_s7864" name="think-cell Slide" r:id="rId5" imgW="360" imgH="360" progId="TCLayout.ActiveDocument.1">
+                <p:oleObj spid="_x0000_s7865" name="think-cell Slide" r:id="rId5" imgW="360" imgH="360" progId="TCLayout.ActiveDocument.1">
                   <p:embed/>
                 </p:oleObj>
               </mc:Choice>
@@ -6138,7 +6138,7 @@
           <a:graphicData uri="http://schemas.openxmlformats.org/presentationml/2006/ole">
             <mc:AlternateContent xmlns:mc="http://schemas.openxmlformats.org/markup-compatibility/2006">
               <mc:Choice xmlns:v="urn:schemas-microsoft-com:vml" Requires="v">
-                <p:oleObj spid="_x0000_s44140" name="think-cell Slide" r:id="rId6" imgW="270" imgH="270" progId="TCLayout.ActiveDocument.1">
+                <p:oleObj spid="_x0000_s44141" name="think-cell Slide" r:id="rId6" imgW="270" imgH="270" progId="TCLayout.ActiveDocument.1">
                   <p:embed/>
                 </p:oleObj>
               </mc:Choice>
@@ -6532,7 +6532,7 @@
           <a:graphicData uri="http://schemas.openxmlformats.org/presentationml/2006/ole">
             <mc:AlternateContent xmlns:mc="http://schemas.openxmlformats.org/markup-compatibility/2006">
               <mc:Choice xmlns:v="urn:schemas-microsoft-com:vml" Requires="v">
-                <p:oleObj spid="_x0000_s63521" name="think-cell Slide" r:id="rId5" imgW="270" imgH="270" progId="TCLayout.ActiveDocument.1">
+                <p:oleObj spid="_x0000_s63522" name="think-cell Slide" r:id="rId5" imgW="270" imgH="270" progId="TCLayout.ActiveDocument.1">
                   <p:embed/>
                 </p:oleObj>
               </mc:Choice>
@@ -7522,7 +7522,7 @@
           <a:graphicData uri="http://schemas.openxmlformats.org/presentationml/2006/ole">
             <mc:AlternateContent xmlns:mc="http://schemas.openxmlformats.org/markup-compatibility/2006">
               <mc:Choice xmlns:v="urn:schemas-microsoft-com:vml" Requires="v">
-                <p:oleObj spid="_x0000_s61484" name="think-cell Slide" r:id="rId6" imgW="270" imgH="270" progId="TCLayout.ActiveDocument.1">
+                <p:oleObj spid="_x0000_s61485" name="think-cell Slide" r:id="rId6" imgW="270" imgH="270" progId="TCLayout.ActiveDocument.1">
                   <p:embed/>
                 </p:oleObj>
               </mc:Choice>
@@ -8177,7 +8177,7 @@
           <a:graphicData uri="http://schemas.openxmlformats.org/presentationml/2006/ole">
             <mc:AlternateContent xmlns:mc="http://schemas.openxmlformats.org/markup-compatibility/2006">
               <mc:Choice xmlns:v="urn:schemas-microsoft-com:vml" Requires="v">
-                <p:oleObj spid="_x0000_s64545" name="think-cell Slide" r:id="rId5" imgW="270" imgH="270" progId="TCLayout.ActiveDocument.1">
+                <p:oleObj spid="_x0000_s64546" name="think-cell Slide" r:id="rId5" imgW="270" imgH="270" progId="TCLayout.ActiveDocument.1">
                   <p:embed/>
                 </p:oleObj>
               </mc:Choice>
@@ -10728,7 +10728,7 @@
           <a:graphicData uri="http://schemas.openxmlformats.org/presentationml/2006/ole">
             <mc:AlternateContent xmlns:mc="http://schemas.openxmlformats.org/markup-compatibility/2006">
               <mc:Choice xmlns:v="urn:schemas-microsoft-com:vml" Requires="v">
-                <p:oleObj spid="_x0000_s21176" name="think-cell Slide" r:id="rId5" imgW="270" imgH="270" progId="TCLayout.ActiveDocument.1">
+                <p:oleObj spid="_x0000_s21177" name="think-cell Slide" r:id="rId5" imgW="270" imgH="270" progId="TCLayout.ActiveDocument.1">
                   <p:embed/>
                 </p:oleObj>
               </mc:Choice>
@@ -11110,7 +11110,7 @@
           <a:graphicData uri="http://schemas.openxmlformats.org/presentationml/2006/ole">
             <mc:AlternateContent xmlns:mc="http://schemas.openxmlformats.org/markup-compatibility/2006">
               <mc:Choice xmlns:v="urn:schemas-microsoft-com:vml" Requires="v">
-                <p:oleObj spid="_x0000_s50255" name="think-cell Slide" r:id="rId5" imgW="270" imgH="270" progId="TCLayout.ActiveDocument.1">
+                <p:oleObj spid="_x0000_s50256" name="think-cell Slide" r:id="rId5" imgW="270" imgH="270" progId="TCLayout.ActiveDocument.1">
                   <p:embed/>
                 </p:oleObj>
               </mc:Choice>
@@ -11797,7 +11797,7 @@
           <a:graphicData uri="http://schemas.openxmlformats.org/presentationml/2006/ole">
             <mc:AlternateContent xmlns:mc="http://schemas.openxmlformats.org/markup-compatibility/2006">
               <mc:Choice xmlns:v="urn:schemas-microsoft-com:vml" Requires="v">
-                <p:oleObj spid="_x0000_s22200" name="think-cell Slide" r:id="rId5" imgW="270" imgH="270" progId="TCLayout.ActiveDocument.1">
+                <p:oleObj spid="_x0000_s22201" name="think-cell Slide" r:id="rId5" imgW="270" imgH="270" progId="TCLayout.ActiveDocument.1">
                   <p:embed/>
                 </p:oleObj>
               </mc:Choice>
@@ -11965,7 +11965,7 @@
           <a:graphicData uri="http://schemas.openxmlformats.org/presentationml/2006/ole">
             <mc:AlternateContent xmlns:mc="http://schemas.openxmlformats.org/markup-compatibility/2006">
               <mc:Choice xmlns:v="urn:schemas-microsoft-com:vml" Requires="v">
-                <p:oleObj spid="_x0000_s15033" name="think-cell Slide" r:id="rId5" imgW="270" imgH="270" progId="TCLayout.ActiveDocument.1">
+                <p:oleObj spid="_x0000_s15034" name="think-cell Slide" r:id="rId5" imgW="270" imgH="270" progId="TCLayout.ActiveDocument.1">
                   <p:embed/>
                 </p:oleObj>
               </mc:Choice>
@@ -14752,7 +14752,7 @@
                   </a:schemeClr>
                 </a:solidFill>
               </a:rPr>
-              <a:t>Ajout d’une réduction de dimension alternative: « Analyse en Composantes Principales » avec 60% de variance expliquée et limitation aux 15 variables les moins corrélées à la variable cible</a:t>
+              <a:t>Ajout d’une réduction de dimension alternative: « Analyse en Composantes Principales » avec 60% de variance expliquée et limitation aux 15 variables les plus corrélées à la variable cible</a:t>
             </a:r>
             <a:endParaRPr lang="fr-FR" sz="1100" i="1" dirty="0">
               <a:solidFill>
@@ -14812,7 +14812,7 @@
           <a:graphicData uri="http://schemas.openxmlformats.org/presentationml/2006/ole">
             <mc:AlternateContent xmlns:mc="http://schemas.openxmlformats.org/markup-compatibility/2006">
               <mc:Choice xmlns:v="urn:schemas-microsoft-com:vml" Requires="v">
-                <p:oleObj spid="_x0000_s68627" name="think-cell Slide" r:id="rId5" imgW="270" imgH="270" progId="TCLayout.ActiveDocument.1">
+                <p:oleObj spid="_x0000_s68628" name="think-cell Slide" r:id="rId5" imgW="270" imgH="270" progId="TCLayout.ActiveDocument.1">
                   <p:embed/>
                 </p:oleObj>
               </mc:Choice>
@@ -16090,7 +16090,7 @@
           <a:graphicData uri="http://schemas.openxmlformats.org/presentationml/2006/ole">
             <mc:AlternateContent xmlns:mc="http://schemas.openxmlformats.org/markup-compatibility/2006">
               <mc:Choice xmlns:v="urn:schemas-microsoft-com:vml" Requires="v">
-                <p:oleObj spid="_x0000_s8888" name="think-cell Slide" r:id="rId5" imgW="270" imgH="270" progId="TCLayout.ActiveDocument.1">
+                <p:oleObj spid="_x0000_s8889" name="think-cell Slide" r:id="rId5" imgW="270" imgH="270" progId="TCLayout.ActiveDocument.1">
                   <p:embed/>
                 </p:oleObj>
               </mc:Choice>
@@ -16707,7 +16707,7 @@
           <a:graphicData uri="http://schemas.openxmlformats.org/presentationml/2006/ole">
             <mc:AlternateContent xmlns:mc="http://schemas.openxmlformats.org/markup-compatibility/2006">
               <mc:Choice xmlns:v="urn:schemas-microsoft-com:vml" Requires="v">
-                <p:oleObj spid="_x0000_s43125" name="think-cell Slide" r:id="rId5" imgW="270" imgH="270" progId="TCLayout.ActiveDocument.1">
+                <p:oleObj spid="_x0000_s43126" name="think-cell Slide" r:id="rId5" imgW="270" imgH="270" progId="TCLayout.ActiveDocument.1">
                   <p:embed/>
                 </p:oleObj>
               </mc:Choice>
@@ -17716,7 +17716,7 @@
           <a:graphicData uri="http://schemas.openxmlformats.org/presentationml/2006/ole">
             <mc:AlternateContent xmlns:mc="http://schemas.openxmlformats.org/markup-compatibility/2006">
               <mc:Choice xmlns:v="urn:schemas-microsoft-com:vml" Requires="v">
-                <p:oleObj spid="_x0000_s45154" name="think-cell Slide" r:id="rId5" imgW="270" imgH="270" progId="TCLayout.ActiveDocument.1">
+                <p:oleObj spid="_x0000_s45155" name="think-cell Slide" r:id="rId5" imgW="270" imgH="270" progId="TCLayout.ActiveDocument.1">
                   <p:embed/>
                 </p:oleObj>
               </mc:Choice>
@@ -18698,7 +18698,7 @@
           <a:graphicData uri="http://schemas.openxmlformats.org/presentationml/2006/ole">
             <mc:AlternateContent xmlns:mc="http://schemas.openxmlformats.org/markup-compatibility/2006">
               <mc:Choice xmlns:v="urn:schemas-microsoft-com:vml" Requires="v">
-                <p:oleObj spid="_x0000_s60461" name="think-cell Slide" r:id="rId6" imgW="270" imgH="270" progId="TCLayout.ActiveDocument.1">
+                <p:oleObj spid="_x0000_s60462" name="think-cell Slide" r:id="rId6" imgW="270" imgH="270" progId="TCLayout.ActiveDocument.1">
                   <p:embed/>
                 </p:oleObj>
               </mc:Choice>
@@ -18833,7 +18833,7 @@
           <a:graphicData uri="http://schemas.openxmlformats.org/presentationml/2006/ole">
             <mc:AlternateContent xmlns:mc="http://schemas.openxmlformats.org/markup-compatibility/2006">
               <mc:Choice xmlns:v="urn:schemas-microsoft-com:vml" Requires="v">
-                <p:oleObj spid="_x0000_s58415" name="think-cell Slide" r:id="rId5" imgW="270" imgH="270" progId="TCLayout.ActiveDocument.1">
+                <p:oleObj spid="_x0000_s58416" name="think-cell Slide" r:id="rId5" imgW="270" imgH="270" progId="TCLayout.ActiveDocument.1">
                   <p:embed/>
                 </p:oleObj>
               </mc:Choice>
@@ -19397,7 +19397,7 @@
           <a:graphicData uri="http://schemas.openxmlformats.org/presentationml/2006/ole">
             <mc:AlternateContent xmlns:mc="http://schemas.openxmlformats.org/markup-compatibility/2006">
               <mc:Choice xmlns:v="urn:schemas-microsoft-com:vml" Requires="v">
-                <p:oleObj spid="_x0000_s56388" name="think-cell Slide" r:id="rId5" imgW="270" imgH="270" progId="TCLayout.ActiveDocument.1">
+                <p:oleObj spid="_x0000_s56389" name="think-cell Slide" r:id="rId5" imgW="270" imgH="270" progId="TCLayout.ActiveDocument.1">
                   <p:embed/>
                 </p:oleObj>
               </mc:Choice>
@@ -19621,7 +19621,7 @@
           <a:graphicData uri="http://schemas.openxmlformats.org/presentationml/2006/ole">
             <mc:AlternateContent xmlns:mc="http://schemas.openxmlformats.org/markup-compatibility/2006">
               <mc:Choice xmlns:v="urn:schemas-microsoft-com:vml" Requires="v">
-                <p:oleObj spid="_x0000_s65562" name="think-cell Slide" r:id="rId5" imgW="270" imgH="270" progId="TCLayout.ActiveDocument.1">
+                <p:oleObj spid="_x0000_s65563" name="think-cell Slide" r:id="rId5" imgW="270" imgH="270" progId="TCLayout.ActiveDocument.1">
                   <p:embed/>
                 </p:oleObj>
               </mc:Choice>
@@ -19957,7 +19957,7 @@
           <a:graphicData uri="http://schemas.openxmlformats.org/presentationml/2006/ole">
             <mc:AlternateContent xmlns:mc="http://schemas.openxmlformats.org/markup-compatibility/2006">
               <mc:Choice xmlns:v="urn:schemas-microsoft-com:vml" Requires="v">
-                <p:oleObj spid="_x0000_s66586" name="think-cell Slide" r:id="rId5" imgW="270" imgH="270" progId="TCLayout.ActiveDocument.1">
+                <p:oleObj spid="_x0000_s66587" name="think-cell Slide" r:id="rId5" imgW="270" imgH="270" progId="TCLayout.ActiveDocument.1">
                   <p:embed/>
                 </p:oleObj>
               </mc:Choice>
@@ -20156,7 +20156,7 @@
           <a:graphicData uri="http://schemas.openxmlformats.org/presentationml/2006/ole">
             <mc:AlternateContent xmlns:mc="http://schemas.openxmlformats.org/markup-compatibility/2006">
               <mc:Choice xmlns:v="urn:schemas-microsoft-com:vml" Requires="v">
-                <p:oleObj spid="_x0000_s25272" name="think-cell Slide" r:id="rId5" imgW="270" imgH="270" progId="TCLayout.ActiveDocument.1">
+                <p:oleObj spid="_x0000_s25273" name="think-cell Slide" r:id="rId5" imgW="270" imgH="270" progId="TCLayout.ActiveDocument.1">
                   <p:embed/>
                 </p:oleObj>
               </mc:Choice>
@@ -20263,7 +20263,7 @@
           <a:graphicData uri="http://schemas.openxmlformats.org/presentationml/2006/ole">
             <mc:AlternateContent xmlns:mc="http://schemas.openxmlformats.org/markup-compatibility/2006">
               <mc:Choice xmlns:v="urn:schemas-microsoft-com:vml" Requires="v">
-                <p:oleObj spid="_x0000_s9912" name="think-cell Slide" r:id="rId5" imgW="270" imgH="270" progId="TCLayout.ActiveDocument.1">
+                <p:oleObj spid="_x0000_s9913" name="think-cell Slide" r:id="rId5" imgW="270" imgH="270" progId="TCLayout.ActiveDocument.1">
                   <p:embed/>
                 </p:oleObj>
               </mc:Choice>
@@ -20935,7 +20935,7 @@
           <a:graphicData uri="http://schemas.openxmlformats.org/presentationml/2006/ole">
             <mc:AlternateContent xmlns:mc="http://schemas.openxmlformats.org/markup-compatibility/2006">
               <mc:Choice xmlns:v="urn:schemas-microsoft-com:vml" Requires="v">
-                <p:oleObj spid="_x0000_s10936" name="think-cell Slide" r:id="rId5" imgW="270" imgH="270" progId="TCLayout.ActiveDocument.1">
+                <p:oleObj spid="_x0000_s10937" name="think-cell Slide" r:id="rId5" imgW="270" imgH="270" progId="TCLayout.ActiveDocument.1">
                   <p:embed/>
                 </p:oleObj>
               </mc:Choice>
@@ -21100,7 +21100,7 @@
           <a:graphicData uri="http://schemas.openxmlformats.org/presentationml/2006/ole">
             <mc:AlternateContent xmlns:mc="http://schemas.openxmlformats.org/markup-compatibility/2006">
               <mc:Choice xmlns:v="urn:schemas-microsoft-com:vml" Requires="v">
-                <p:oleObj spid="_x0000_s32159" name="think-cell Slide" r:id="rId5" imgW="270" imgH="270" progId="TCLayout.ActiveDocument.1">
+                <p:oleObj spid="_x0000_s32160" name="think-cell Slide" r:id="rId5" imgW="270" imgH="270" progId="TCLayout.ActiveDocument.1">
                   <p:embed/>
                 </p:oleObj>
               </mc:Choice>
@@ -23711,7 +23711,7 @@
           <a:graphicData uri="http://schemas.openxmlformats.org/presentationml/2006/ole">
             <mc:AlternateContent xmlns:mc="http://schemas.openxmlformats.org/markup-compatibility/2006">
               <mc:Choice xmlns:v="urn:schemas-microsoft-com:vml" Requires="v">
-                <p:oleObj spid="_x0000_s40074" name="think-cell Slide" r:id="rId5" imgW="270" imgH="270" progId="TCLayout.ActiveDocument.1">
+                <p:oleObj spid="_x0000_s40075" name="think-cell Slide" r:id="rId5" imgW="270" imgH="270" progId="TCLayout.ActiveDocument.1">
                   <p:embed/>
                 </p:oleObj>
               </mc:Choice>
@@ -23908,7 +23908,7 @@
           <a:graphicData uri="http://schemas.openxmlformats.org/presentationml/2006/ole">
             <mc:AlternateContent xmlns:mc="http://schemas.openxmlformats.org/markup-compatibility/2006">
               <mc:Choice xmlns:v="urn:schemas-microsoft-com:vml" Requires="v">
-                <p:oleObj spid="_x0000_s62506" name="think-cell Slide" r:id="rId5" imgW="270" imgH="270" progId="TCLayout.ActiveDocument.1">
+                <p:oleObj spid="_x0000_s62507" name="think-cell Slide" r:id="rId5" imgW="270" imgH="270" progId="TCLayout.ActiveDocument.1">
                   <p:embed/>
                 </p:oleObj>
               </mc:Choice>
@@ -26986,7 +26986,7 @@
           <a:graphicData uri="http://schemas.openxmlformats.org/presentationml/2006/ole">
             <mc:AlternateContent xmlns:mc="http://schemas.openxmlformats.org/markup-compatibility/2006">
               <mc:Choice xmlns:v="urn:schemas-microsoft-com:vml" Requires="v">
-                <p:oleObj spid="_x0000_s41085" name="think-cell Slide" r:id="rId5" imgW="270" imgH="270" progId="TCLayout.ActiveDocument.1">
+                <p:oleObj spid="_x0000_s41086" name="think-cell Slide" r:id="rId5" imgW="270" imgH="270" progId="TCLayout.ActiveDocument.1">
                   <p:embed/>
                 </p:oleObj>
               </mc:Choice>
@@ -28410,7 +28410,7 @@
           <a:graphicData uri="http://schemas.openxmlformats.org/presentationml/2006/ole">
             <mc:AlternateContent xmlns:mc="http://schemas.openxmlformats.org/markup-compatibility/2006">
               <mc:Choice xmlns:v="urn:schemas-microsoft-com:vml" Requires="v">
-                <p:oleObj spid="_x0000_s42108" name="think-cell Slide" r:id="rId6" imgW="270" imgH="270" progId="TCLayout.ActiveDocument.1">
+                <p:oleObj spid="_x0000_s42109" name="think-cell Slide" r:id="rId6" imgW="270" imgH="270" progId="TCLayout.ActiveDocument.1">
                   <p:embed/>
                 </p:oleObj>
               </mc:Choice>
@@ -30222,6 +30222,15 @@
 
 <file path=customXml/item1.xml><?xml version="1.0" encoding="utf-8"?>
 <?mso-contentType ?>
+<FormTemplates xmlns="http://schemas.microsoft.com/sharepoint/v3/contenttype/forms">
+  <Display>DocumentLibraryForm</Display>
+  <Edit>DocumentLibraryForm</Edit>
+  <New>DocumentLibraryForm</New>
+</FormTemplates>
+</file>
+
+<file path=customXml/item2.xml><?xml version="1.0" encoding="utf-8"?>
+<?mso-contentType ?>
 <customXsn xmlns="http://schemas.microsoft.com/office/2006/metadata/customXsn">
   <xsnLocation/>
   <cached>True</cached>
@@ -30230,16 +30239,34 @@
 </customXsn>
 </file>
 
-<file path=customXml/item2.xml><?xml version="1.0" encoding="utf-8"?>
-<?mso-contentType ?>
-<FormTemplates xmlns="http://schemas.microsoft.com/sharepoint/v3/contenttype/forms">
-  <Display>DocumentLibraryForm</Display>
-  <Edit>DocumentLibraryForm</Edit>
-  <New>DocumentLibraryForm</New>
-</FormTemplates>
+<file path=customXml/item3.xml><?xml version="1.0" encoding="utf-8"?>
+<p:properties xmlns:p="http://schemas.microsoft.com/office/2006/metadata/properties" xmlns:xsi="http://www.w3.org/2001/XMLSchema-instance" xmlns:pc="http://schemas.microsoft.com/office/infopath/2007/PartnerControls">
+  <documentManagement>
+    <be8ce7ac411142eaaa9ee602895d15c2 xmlns="1aa2b875-8ce2-4ebd-8b53-f3df76935429">
+      <Terms xmlns="http://schemas.microsoft.com/office/infopath/2007/PartnerControls">
+        <TermInfo xmlns="http://schemas.microsoft.com/office/infopath/2007/PartnerControls">
+          <TermName xmlns="http://schemas.microsoft.com/office/infopath/2007/PartnerControls">Communication</TermName>
+          <TermId xmlns="http://schemas.microsoft.com/office/infopath/2007/PartnerControls">5b9a780f-1f60-4e32-a698-7a315b018f0e</TermId>
+        </TermInfo>
+      </Terms>
+    </be8ce7ac411142eaaa9ee602895d15c2>
+    <o2ecaa5e3f4241eaba012e918a54c2cb xmlns="1aa2b875-8ce2-4ebd-8b53-f3df76935429">
+      <Terms xmlns="http://schemas.microsoft.com/office/infopath/2007/PartnerControls">
+        <TermInfo xmlns="http://schemas.microsoft.com/office/infopath/2007/PartnerControls">
+          <TermName xmlns="http://schemas.microsoft.com/office/infopath/2007/PartnerControls">Corporate</TermName>
+          <TermId xmlns="http://schemas.microsoft.com/office/infopath/2007/PartnerControls">5d009184-e54d-4e2b-b508-a2acabcee604</TermId>
+        </TermInfo>
+      </Terms>
+    </o2ecaa5e3f4241eaba012e918a54c2cb>
+    <TaxCatchAll xmlns="73aa9794-0401-4aa6-a485-b5a9c008d562">
+      <Value>4</Value>
+      <Value>6</Value>
+    </TaxCatchAll>
+  </documentManagement>
+</p:properties>
 </file>
 
-<file path=customXml/item3.xml><?xml version="1.0" encoding="utf-8"?>
+<file path=customXml/item4.xml><?xml version="1.0" encoding="utf-8"?>
 <ct:contentTypeSchema xmlns:ct="http://schemas.microsoft.com/office/2006/metadata/contentType" xmlns:ma="http://schemas.microsoft.com/office/2006/metadata/properties/metaAttributes" ct:_="" ma:_="" ma:contentTypeName="Document Echonet" ma:contentTypeID="0x01010067D0F607CC83484B928954E5E3969E2A0018657DCD744D964BB2F81E3BCEE62253" ma:contentTypeVersion="4" ma:contentTypeDescription="" ma:contentTypeScope="" ma:versionID="f240278125c963779d6482975210da8c">
   <xsd:schema xmlns:xsd="http://www.w3.org/2001/XMLSchema" xmlns:xs="http://www.w3.org/2001/XMLSchema" xmlns:p="http://schemas.microsoft.com/office/2006/metadata/properties" xmlns:ns2="1aa2b875-8ce2-4ebd-8b53-f3df76935429" xmlns:ns3="73aa9794-0401-4aa6-a485-b5a9c008d562" xmlns:ns4="98ef04a3-fc4c-4d50-b5d8-b2286eca3b4e" targetNamespace="http://schemas.microsoft.com/office/2006/metadata/properties" ma:root="true" ma:fieldsID="d980f93b3e54aa30f7dc6a052ccaa00a" ns2:_="" ns3:_="" ns4:_="">
     <xsd:import namespace="1aa2b875-8ce2-4ebd-8b53-f3df76935429"/>
@@ -30429,34 +30456,15 @@
 </ct:contentTypeSchema>
 </file>
 
-<file path=customXml/item4.xml><?xml version="1.0" encoding="utf-8"?>
-<p:properties xmlns:p="http://schemas.microsoft.com/office/2006/metadata/properties" xmlns:xsi="http://www.w3.org/2001/XMLSchema-instance" xmlns:pc="http://schemas.microsoft.com/office/infopath/2007/PartnerControls">
-  <documentManagement>
-    <be8ce7ac411142eaaa9ee602895d15c2 xmlns="1aa2b875-8ce2-4ebd-8b53-f3df76935429">
-      <Terms xmlns="http://schemas.microsoft.com/office/infopath/2007/PartnerControls">
-        <TermInfo xmlns="http://schemas.microsoft.com/office/infopath/2007/PartnerControls">
-          <TermName xmlns="http://schemas.microsoft.com/office/infopath/2007/PartnerControls">Communication</TermName>
-          <TermId xmlns="http://schemas.microsoft.com/office/infopath/2007/PartnerControls">5b9a780f-1f60-4e32-a698-7a315b018f0e</TermId>
-        </TermInfo>
-      </Terms>
-    </be8ce7ac411142eaaa9ee602895d15c2>
-    <o2ecaa5e3f4241eaba012e918a54c2cb xmlns="1aa2b875-8ce2-4ebd-8b53-f3df76935429">
-      <Terms xmlns="http://schemas.microsoft.com/office/infopath/2007/PartnerControls">
-        <TermInfo xmlns="http://schemas.microsoft.com/office/infopath/2007/PartnerControls">
-          <TermName xmlns="http://schemas.microsoft.com/office/infopath/2007/PartnerControls">Corporate</TermName>
-          <TermId xmlns="http://schemas.microsoft.com/office/infopath/2007/PartnerControls">5d009184-e54d-4e2b-b508-a2acabcee604</TermId>
-        </TermInfo>
-      </Terms>
-    </o2ecaa5e3f4241eaba012e918a54c2cb>
-    <TaxCatchAll xmlns="73aa9794-0401-4aa6-a485-b5a9c008d562">
-      <Value>4</Value>
-      <Value>6</Value>
-    </TaxCatchAll>
-  </documentManagement>
-</p:properties>
+<file path=customXml/itemProps1.xml><?xml version="1.0" encoding="utf-8"?>
+<ds:datastoreItem xmlns:ds="http://schemas.openxmlformats.org/officeDocument/2006/customXml" ds:itemID="{8B1751BD-7432-4185-92C2-CCEBFF5E7BAF}">
+  <ds:schemaRefs>
+    <ds:schemaRef ds:uri="http://schemas.microsoft.com/sharepoint/v3/contenttype/forms"/>
+  </ds:schemaRefs>
+</ds:datastoreItem>
 </file>
 
-<file path=customXml/itemProps1.xml><?xml version="1.0" encoding="utf-8"?>
+<file path=customXml/itemProps2.xml><?xml version="1.0" encoding="utf-8"?>
 <ds:datastoreItem xmlns:ds="http://schemas.openxmlformats.org/officeDocument/2006/customXml" ds:itemID="{DE4876A3-0764-4CB6-919C-513AFC2A0B42}">
   <ds:schemaRefs>
     <ds:schemaRef ds:uri="http://schemas.microsoft.com/office/2006/metadata/customXsn"/>
@@ -30464,15 +30472,25 @@
 </ds:datastoreItem>
 </file>
 
-<file path=customXml/itemProps2.xml><?xml version="1.0" encoding="utf-8"?>
-<ds:datastoreItem xmlns:ds="http://schemas.openxmlformats.org/officeDocument/2006/customXml" ds:itemID="{8B1751BD-7432-4185-92C2-CCEBFF5E7BAF}">
+<file path=customXml/itemProps3.xml><?xml version="1.0" encoding="utf-8"?>
+<ds:datastoreItem xmlns:ds="http://schemas.openxmlformats.org/officeDocument/2006/customXml" ds:itemID="{05D6E90A-0CD7-4F2C-AF08-B8AFA336357E}">
   <ds:schemaRefs>
-    <ds:schemaRef ds:uri="http://schemas.microsoft.com/sharepoint/v3/contenttype/forms"/>
+    <ds:schemaRef ds:uri="http://purl.org/dc/terms/"/>
+    <ds:schemaRef ds:uri="98ef04a3-fc4c-4d50-b5d8-b2286eca3b4e"/>
+    <ds:schemaRef ds:uri="http://schemas.microsoft.com/office/2006/documentManagement/types"/>
+    <ds:schemaRef ds:uri="http://schemas.microsoft.com/office/infopath/2007/PartnerControls"/>
+    <ds:schemaRef ds:uri="http://schemas.openxmlformats.org/package/2006/metadata/core-properties"/>
+    <ds:schemaRef ds:uri="1aa2b875-8ce2-4ebd-8b53-f3df76935429"/>
+    <ds:schemaRef ds:uri="http://purl.org/dc/elements/1.1/"/>
+    <ds:schemaRef ds:uri="http://schemas.microsoft.com/office/2006/metadata/properties"/>
+    <ds:schemaRef ds:uri="73aa9794-0401-4aa6-a485-b5a9c008d562"/>
+    <ds:schemaRef ds:uri="http://www.w3.org/XML/1998/namespace"/>
+    <ds:schemaRef ds:uri="http://purl.org/dc/dcmitype/"/>
   </ds:schemaRefs>
 </ds:datastoreItem>
 </file>
 
-<file path=customXml/itemProps3.xml><?xml version="1.0" encoding="utf-8"?>
+<file path=customXml/itemProps4.xml><?xml version="1.0" encoding="utf-8"?>
 <ds:datastoreItem xmlns:ds="http://schemas.openxmlformats.org/officeDocument/2006/customXml" ds:itemID="{F56C2CFE-09D4-482E-B990-450E50975D80}">
   <ds:schemaRefs>
     <ds:schemaRef ds:uri="http://schemas.microsoft.com/office/2006/metadata/contentType"/>
@@ -30490,22 +30508,4 @@
     <ds:schemaRef ds:uri="http://schemas.microsoft.com/internal/obd"/>
   </ds:schemaRefs>
 </ds:datastoreItem>
-</file>
-
-<file path=customXml/itemProps4.xml><?xml version="1.0" encoding="utf-8"?>
-<ds:datastoreItem xmlns:ds="http://schemas.openxmlformats.org/officeDocument/2006/customXml" ds:itemID="{05D6E90A-0CD7-4F2C-AF08-B8AFA336357E}">
-  <ds:schemaRefs>
-    <ds:schemaRef ds:uri="http://purl.org/dc/terms/"/>
-    <ds:schemaRef ds:uri="98ef04a3-fc4c-4d50-b5d8-b2286eca3b4e"/>
-    <ds:schemaRef ds:uri="http://schemas.microsoft.com/office/2006/documentManagement/types"/>
-    <ds:schemaRef ds:uri="http://schemas.microsoft.com/office/infopath/2007/PartnerControls"/>
-    <ds:schemaRef ds:uri="http://schemas.openxmlformats.org/package/2006/metadata/core-properties"/>
-    <ds:schemaRef ds:uri="1aa2b875-8ce2-4ebd-8b53-f3df76935429"/>
-    <ds:schemaRef ds:uri="http://purl.org/dc/elements/1.1/"/>
-    <ds:schemaRef ds:uri="http://schemas.microsoft.com/office/2006/metadata/properties"/>
-    <ds:schemaRef ds:uri="73aa9794-0401-4aa6-a485-b5a9c008d562"/>
-    <ds:schemaRef ds:uri="http://www.w3.org/XML/1998/namespace"/>
-    <ds:schemaRef ds:uri="http://purl.org/dc/dcmitype/"/>
-  </ds:schemaRefs>
-</ds:datastoreItem>
 </file>